--- a/docs/brainpy_handbook/ppt/syn.pptx
+++ b/docs/brainpy_handbook/ppt/syn.pptx
@@ -11,6 +11,17 @@
     <p:sldId id="262" r:id="rId6"/>
     <p:sldId id="261" r:id="rId7"/>
     <p:sldId id="264" r:id="rId8"/>
+    <p:sldId id="267" r:id="rId9"/>
+    <p:sldId id="265" r:id="rId10"/>
+    <p:sldId id="266" r:id="rId11"/>
+    <p:sldId id="270" r:id="rId12"/>
+    <p:sldId id="271" r:id="rId13"/>
+    <p:sldId id="272" r:id="rId14"/>
+    <p:sldId id="273" r:id="rId15"/>
+    <p:sldId id="274" r:id="rId16"/>
+    <p:sldId id="275" r:id="rId17"/>
+    <p:sldId id="276" r:id="rId18"/>
+    <p:sldId id="277" r:id="rId19"/>
   </p:sldIdLst>
   <p:sldSz cx="13716000" cy="18288000"/>
   <p:notesSz cx="7103745" cy="10234295"/>
@@ -2734,7 +2745,7 @@
             </p:nvSpPr>
             <p:spPr>
               <a:xfrm>
-                <a:off x="6529070" y="5449570"/>
+                <a:off x="6529070" y="5424805"/>
                 <a:ext cx="3131185" cy="660400"/>
               </a:xfrm>
               <a:prstGeom prst="rect">
@@ -2877,7 +2888,7 @@
             </p:nvSpPr>
             <p:spPr>
               <a:xfrm>
-                <a:off x="6529070" y="5449570"/>
+                <a:off x="6529070" y="5424805"/>
                 <a:ext cx="3131185" cy="660400"/>
               </a:xfrm>
               <a:prstGeom prst="rect">
@@ -3323,6 +3334,5140 @@
       </p:par>
     </p:tnLst>
   </p:timing>
+</p:sld>
+</file>
+
+<file path=ppt/slides/slide10.xml><?xml version="1.0" encoding="utf-8"?>
+<p:sld xmlns:a="http://schemas.openxmlformats.org/drawingml/2006/main" xmlns:r="http://schemas.openxmlformats.org/officeDocument/2006/relationships" xmlns:p="http://schemas.openxmlformats.org/presentationml/2006/main">
+  <p:cSld>
+    <p:spTree>
+      <p:nvGrpSpPr>
+        <p:cNvPr id="1" name=""/>
+        <p:cNvGrpSpPr/>
+        <p:nvPr/>
+      </p:nvGrpSpPr>
+      <p:grpSpPr/>
+      <p:sp>
+        <p:nvSpPr>
+          <p:cNvPr id="2" name="标题 1"/>
+          <p:cNvSpPr>
+            <a:spLocks noGrp="1"/>
+          </p:cNvSpPr>
+          <p:nvPr>
+            <p:ph type="title"/>
+          </p:nvPr>
+        </p:nvSpPr>
+        <p:spPr>
+          <a:xfrm>
+            <a:off x="942975" y="528320"/>
+            <a:ext cx="11830050" cy="1216660"/>
+          </a:xfrm>
+        </p:spPr>
+        <p:txBody>
+          <a:bodyPr/>
+          <a:p>
+            <a:pPr algn="ctr"/>
+            <a:r>
+              <a:rPr lang="en-US" altLang="zh-CN" sz="5400">
+                <a:cs typeface="+mj-lt"/>
+              </a:rPr>
+              <a:t>STP</a:t>
+            </a:r>
+            <a:endParaRPr lang="en-US" altLang="zh-CN" sz="5400">
+              <a:cs typeface="+mj-lt"/>
+            </a:endParaRPr>
+          </a:p>
+        </p:txBody>
+      </p:sp>
+      <p:pic>
+        <p:nvPicPr>
+          <p:cNvPr id="5" name="图片 4" descr="/Users/mac/Documents/github/BrainPy-Models/docs/brainpy_handbook/ppt/figs/syns/STP_init.pngSTP_init"/>
+          <p:cNvPicPr>
+            <a:picLocks noChangeAspect="1"/>
+          </p:cNvPicPr>
+          <p:nvPr/>
+        </p:nvPicPr>
+        <p:blipFill>
+          <a:blip r:embed="rId1"/>
+          <a:srcRect/>
+          <a:stretch>
+            <a:fillRect/>
+          </a:stretch>
+        </p:blipFill>
+        <p:spPr>
+          <a:xfrm>
+            <a:off x="-158" y="2101368"/>
+            <a:ext cx="10730822" cy="11836400"/>
+          </a:xfrm>
+          <a:prstGeom prst="rect">
+            <a:avLst/>
+          </a:prstGeom>
+        </p:spPr>
+      </p:pic>
+      <p:sp>
+        <p:nvSpPr>
+          <p:cNvPr id="14" name="右大括号 13"/>
+          <p:cNvSpPr/>
+          <p:nvPr/>
+        </p:nvSpPr>
+        <p:spPr>
+          <a:xfrm>
+            <a:off x="7750770" y="3474180"/>
+            <a:ext cx="216000" cy="1548000"/>
+          </a:xfrm>
+          <a:prstGeom prst="rightBrace">
+            <a:avLst/>
+          </a:prstGeom>
+          <a:ln>
+            <a:solidFill>
+              <a:schemeClr val="tx1"/>
+            </a:solidFill>
+          </a:ln>
+        </p:spPr>
+        <p:style>
+          <a:lnRef idx="1">
+            <a:schemeClr val="accent1"/>
+          </a:lnRef>
+          <a:fillRef idx="0">
+            <a:schemeClr val="accent1"/>
+          </a:fillRef>
+          <a:effectRef idx="0">
+            <a:schemeClr val="accent1"/>
+          </a:effectRef>
+          <a:fontRef idx="minor">
+            <a:schemeClr val="tx1"/>
+          </a:fontRef>
+        </p:style>
+        <p:txBody>
+          <a:bodyPr rtlCol="0" anchor="ctr"/>
+          <a:p>
+            <a:pPr algn="ctr"/>
+            <a:endParaRPr lang="zh-CN" altLang="en-US"/>
+          </a:p>
+        </p:txBody>
+      </p:sp>
+      <mc:AlternateContent xmlns:mc="http://schemas.openxmlformats.org/markup-compatibility/2006">
+        <mc:Choice xmlns:a14="http://schemas.microsoft.com/office/drawing/2010/main" Requires="a14">
+          <p:sp>
+            <p:nvSpPr>
+              <p:cNvPr id="16" name="文本框 15"/>
+              <p:cNvSpPr txBox="1"/>
+              <p:nvPr/>
+            </p:nvSpPr>
+            <p:spPr>
+              <a:xfrm>
+                <a:off x="8341360" y="3184525"/>
+                <a:ext cx="4360545" cy="2056130"/>
+              </a:xfrm>
+              <a:prstGeom prst="rect">
+                <a:avLst/>
+              </a:prstGeom>
+              <a:noFill/>
+            </p:spPr>
+            <p:txBody>
+              <a:bodyPr wrap="square" rtlCol="0" anchor="t">
+                <a:spAutoFit/>
+              </a:bodyPr>
+              <a:p>
+                <a14:m>
+                  <m:oMathPara xmlns:m="http://schemas.openxmlformats.org/officeDocument/2006/math">
+                    <m:oMathParaPr>
+                      <m:jc m:val="left"/>
+                    </m:oMathParaPr>
+                    <m:oMath xmlns:m="http://schemas.openxmlformats.org/officeDocument/2006/math">
+                      <m:f>
+                        <m:fPr>
+                          <m:ctrlPr>
+                            <a:rPr lang="en-US" altLang="zh-CN" sz="2000" i="1" dirty="0">
+                              <a:latin typeface="Cambria Math" charset="0"/>
+                              <a:cs typeface="Cambria Math" charset="0"/>
+                            </a:rPr>
+                          </m:ctrlPr>
+                        </m:fPr>
+                        <m:num>
+                          <m:r>
+                            <a:rPr lang="en-US" altLang="zh-CN" sz="2000" i="1" dirty="0">
+                              <a:latin typeface="Cambria Math" charset="0"/>
+                              <a:cs typeface="Cambria Math" charset="0"/>
+                            </a:rPr>
+                            <m:t>𝑑𝑠</m:t>
+                          </m:r>
+                        </m:num>
+                        <m:den>
+                          <m:r>
+                            <a:rPr lang="en-US" altLang="zh-CN" sz="2000" i="1" dirty="0">
+                              <a:latin typeface="Cambria Math" charset="0"/>
+                              <a:cs typeface="Cambria Math" charset="0"/>
+                            </a:rPr>
+                            <m:t>𝑑𝑡</m:t>
+                          </m:r>
+                        </m:den>
+                      </m:f>
+                      <m:r>
+                        <a:rPr lang="en-US" altLang="zh-CN" sz="2000" i="1" dirty="0">
+                          <a:latin typeface="Cambria Math" charset="0"/>
+                          <a:cs typeface="Cambria Math" charset="0"/>
+                        </a:rPr>
+                        <m:t>=−</m:t>
+                      </m:r>
+                      <m:r>
+                        <a:rPr lang="en-US" altLang="zh-CN" sz="2000" i="1" dirty="0">
+                          <a:latin typeface="Cambria Math" charset="0"/>
+                          <a:cs typeface="Cambria Math" charset="0"/>
+                        </a:rPr>
+                        <m:t>𝑠</m:t>
+                      </m:r>
+                      <m:r>
+                        <a:rPr lang="en-US" altLang="zh-CN" sz="2000" i="1" dirty="0">
+                          <a:latin typeface="Cambria Math" charset="0"/>
+                          <a:cs typeface="Cambria Math" charset="0"/>
+                        </a:rPr>
+                        <m:t>/</m:t>
+                      </m:r>
+                      <m:r>
+                        <a:rPr lang="en-US" altLang="zh-CN" sz="2000" i="1" dirty="0">
+                          <a:latin typeface="Cambria Math" charset="0"/>
+                          <a:cs typeface="Cambria Math" charset="0"/>
+                        </a:rPr>
+                        <m:t>𝜏</m:t>
+                      </m:r>
+                    </m:oMath>
+                  </m:oMathPara>
+                </a14:m>
+                <a:endParaRPr lang="en-US" altLang="zh-CN" sz="2000" i="1" dirty="0">
+                  <a:latin typeface="Cambria Math" charset="0"/>
+                  <a:cs typeface="Cambria Math" charset="0"/>
+                </a:endParaRPr>
+              </a:p>
+              <a:p>
+                <a:pPr fontAlgn="auto">
+                  <a:lnSpc>
+                    <a:spcPts val="1000"/>
+                  </a:lnSpc>
+                </a:pPr>
+                <a:endParaRPr lang="en-US" altLang="zh-CN" sz="2000" i="1" dirty="0">
+                  <a:latin typeface="Cambria Math" charset="0"/>
+                  <a:cs typeface="Cambria Math" charset="0"/>
+                </a:endParaRPr>
+              </a:p>
+              <a:p>
+                <a14:m>
+                  <m:oMathPara xmlns:m="http://schemas.openxmlformats.org/officeDocument/2006/math">
+                    <m:oMathParaPr>
+                      <m:jc m:val="left"/>
+                    </m:oMathParaPr>
+                    <m:oMath xmlns:m="http://schemas.openxmlformats.org/officeDocument/2006/math">
+                      <m:f>
+                        <m:fPr>
+                          <m:ctrlPr>
+                            <a:rPr lang="en-US" altLang="zh-CN" sz="2000" i="1" dirty="0">
+                              <a:latin typeface="Cambria Math" charset="0"/>
+                              <a:cs typeface="Cambria Math" charset="0"/>
+                            </a:rPr>
+                          </m:ctrlPr>
+                        </m:fPr>
+                        <m:num>
+                          <m:r>
+                            <a:rPr lang="en-US" altLang="zh-CN" sz="2000" i="1" dirty="0">
+                              <a:latin typeface="Cambria Math" charset="0"/>
+                              <a:cs typeface="Cambria Math" charset="0"/>
+                            </a:rPr>
+                            <m:t>𝑑𝑢</m:t>
+                          </m:r>
+                        </m:num>
+                        <m:den>
+                          <m:r>
+                            <a:rPr lang="en-US" altLang="zh-CN" sz="2000" i="1" dirty="0">
+                              <a:latin typeface="Cambria Math" charset="0"/>
+                              <a:cs typeface="Cambria Math" charset="0"/>
+                            </a:rPr>
+                            <m:t>𝑑𝑡</m:t>
+                          </m:r>
+                        </m:den>
+                      </m:f>
+                      <m:r>
+                        <a:rPr lang="en-US" altLang="zh-CN" sz="2000" i="1" dirty="0">
+                          <a:latin typeface="Cambria Math" charset="0"/>
+                          <a:cs typeface="Cambria Math" charset="0"/>
+                        </a:rPr>
+                        <m:t>=</m:t>
+                      </m:r>
+                      <m:r>
+                        <a:rPr lang="en-US" altLang="zh-CN" sz="2000" i="1" dirty="0">
+                          <a:latin typeface="Cambria Math" charset="0"/>
+                          <a:cs typeface="Cambria Math" charset="0"/>
+                        </a:rPr>
+                        <m:t>−𝑢</m:t>
+                      </m:r>
+                      <m:r>
+                        <a:rPr lang="en-US" altLang="zh-CN" sz="2000" i="1" dirty="0">
+                          <a:latin typeface="Cambria Math" charset="0"/>
+                          <a:cs typeface="Cambria Math" charset="0"/>
+                        </a:rPr>
+                        <m:t>/</m:t>
+                      </m:r>
+                      <m:sSub>
+                        <m:sSubPr>
+                          <m:ctrlPr>
+                            <a:rPr lang="en-US" altLang="zh-CN" sz="2000" i="1" dirty="0">
+                              <a:latin typeface="Cambria Math" charset="0"/>
+                              <a:cs typeface="Cambria Math" charset="0"/>
+                            </a:rPr>
+                          </m:ctrlPr>
+                        </m:sSubPr>
+                        <m:e>
+                          <m:r>
+                            <a:rPr lang="en-US" altLang="zh-CN" sz="2000" i="1" dirty="0">
+                              <a:latin typeface="Cambria Math" charset="0"/>
+                              <a:cs typeface="Cambria Math" charset="0"/>
+                            </a:rPr>
+                            <m:t>𝜏</m:t>
+                          </m:r>
+                        </m:e>
+                        <m:sub>
+                          <m:r>
+                            <a:rPr lang="en-US" altLang="zh-CN" sz="2000" i="1" dirty="0">
+                              <a:latin typeface="Cambria Math" charset="0"/>
+                              <a:cs typeface="Cambria Math" charset="0"/>
+                            </a:rPr>
+                            <m:t>𝑓</m:t>
+                          </m:r>
+                        </m:sub>
+                      </m:sSub>
+                    </m:oMath>
+                  </m:oMathPara>
+                </a14:m>
+                <a:endParaRPr lang="en-US" altLang="zh-CN" sz="2000" i="1" dirty="0">
+                  <a:latin typeface="Cambria Math" charset="0"/>
+                  <a:cs typeface="Cambria Math" charset="0"/>
+                </a:endParaRPr>
+              </a:p>
+              <a:p>
+                <a:pPr fontAlgn="auto">
+                  <a:lnSpc>
+                    <a:spcPts val="1000"/>
+                  </a:lnSpc>
+                </a:pPr>
+                <a:endParaRPr lang="en-US" altLang="zh-CN" sz="2000" i="1" dirty="0">
+                  <a:latin typeface="Cambria Math" charset="0"/>
+                  <a:cs typeface="Cambria Math" charset="0"/>
+                </a:endParaRPr>
+              </a:p>
+              <a:p>
+                <a14:m>
+                  <m:oMathPara xmlns:m="http://schemas.openxmlformats.org/officeDocument/2006/math">
+                    <m:oMathParaPr>
+                      <m:jc m:val="left"/>
+                    </m:oMathParaPr>
+                    <m:oMath xmlns:m="http://schemas.openxmlformats.org/officeDocument/2006/math">
+                      <m:f>
+                        <m:fPr>
+                          <m:ctrlPr>
+                            <a:rPr lang="en-US" altLang="zh-CN" sz="2000" i="1" dirty="0">
+                              <a:latin typeface="Cambria Math" charset="0"/>
+                              <a:cs typeface="Cambria Math" charset="0"/>
+                            </a:rPr>
+                          </m:ctrlPr>
+                        </m:fPr>
+                        <m:num>
+                          <m:r>
+                            <a:rPr lang="en-US" altLang="zh-CN" sz="2000" i="1" dirty="0">
+                              <a:latin typeface="Cambria Math" charset="0"/>
+                              <a:cs typeface="Cambria Math" charset="0"/>
+                            </a:rPr>
+                            <m:t>𝑑𝑥</m:t>
+                          </m:r>
+                        </m:num>
+                        <m:den>
+                          <m:r>
+                            <a:rPr lang="en-US" altLang="zh-CN" sz="2000" i="1" dirty="0">
+                              <a:latin typeface="Cambria Math" charset="0"/>
+                              <a:cs typeface="Cambria Math" charset="0"/>
+                            </a:rPr>
+                            <m:t>𝑑𝑡</m:t>
+                          </m:r>
+                        </m:den>
+                      </m:f>
+                      <m:r>
+                        <a:rPr lang="en-US" altLang="zh-CN" sz="2000" i="1" dirty="0">
+                          <a:latin typeface="Cambria Math" charset="0"/>
+                          <a:cs typeface="Cambria Math" charset="0"/>
+                        </a:rPr>
+                        <m:t>=(</m:t>
+                      </m:r>
+                      <m:r>
+                        <a:rPr lang="en-US" altLang="zh-CN" sz="2000" i="1" dirty="0">
+                          <a:latin typeface="Cambria Math" charset="0"/>
+                          <a:cs typeface="Cambria Math" charset="0"/>
+                        </a:rPr>
+                        <m:t>1</m:t>
+                      </m:r>
+                      <m:r>
+                        <a:rPr lang="en-US" altLang="zh-CN" sz="2000" i="1" dirty="0">
+                          <a:latin typeface="Cambria Math" charset="0"/>
+                          <a:cs typeface="Cambria Math" charset="0"/>
+                        </a:rPr>
+                        <m:t>−</m:t>
+                      </m:r>
+                      <m:r>
+                        <a:rPr lang="en-US" altLang="zh-CN" sz="2000" i="1" dirty="0">
+                          <a:latin typeface="Cambria Math" charset="0"/>
+                          <a:cs typeface="Cambria Math" charset="0"/>
+                        </a:rPr>
+                        <m:t>𝑥</m:t>
+                      </m:r>
+                      <m:r>
+                        <a:rPr lang="en-US" altLang="zh-CN" sz="2000" i="1" dirty="0">
+                          <a:latin typeface="Cambria Math" charset="0"/>
+                          <a:cs typeface="Cambria Math" charset="0"/>
+                        </a:rPr>
+                        <m:t>)</m:t>
+                      </m:r>
+                      <m:r>
+                        <a:rPr lang="en-US" altLang="zh-CN" sz="2000" i="1" dirty="0">
+                          <a:latin typeface="Cambria Math" charset="0"/>
+                          <a:cs typeface="Cambria Math" charset="0"/>
+                        </a:rPr>
+                        <m:t>/</m:t>
+                      </m:r>
+                      <m:sSub>
+                        <m:sSubPr>
+                          <m:ctrlPr>
+                            <a:rPr lang="en-US" altLang="zh-CN" sz="2000" i="1" dirty="0">
+                              <a:latin typeface="Cambria Math" charset="0"/>
+                              <a:cs typeface="Cambria Math" charset="0"/>
+                            </a:rPr>
+                          </m:ctrlPr>
+                        </m:sSubPr>
+                        <m:e>
+                          <m:r>
+                            <a:rPr lang="en-US" altLang="zh-CN" sz="2000" i="1" dirty="0">
+                              <a:latin typeface="Cambria Math" charset="0"/>
+                              <a:cs typeface="Cambria Math" charset="0"/>
+                            </a:rPr>
+                            <m:t>𝜏</m:t>
+                          </m:r>
+                        </m:e>
+                        <m:sub>
+                          <m:r>
+                            <a:rPr lang="en-US" altLang="zh-CN" sz="2000" i="1" dirty="0">
+                              <a:latin typeface="Cambria Math" charset="0"/>
+                              <a:cs typeface="Cambria Math" charset="0"/>
+                            </a:rPr>
+                            <m:t>𝑑</m:t>
+                          </m:r>
+                        </m:sub>
+                      </m:sSub>
+                    </m:oMath>
+                  </m:oMathPara>
+                </a14:m>
+                <a:endParaRPr lang="zh-CN" altLang="en-US" sz="2000"/>
+              </a:p>
+            </p:txBody>
+          </p:sp>
+        </mc:Choice>
+        <mc:Fallback>
+          <p:sp>
+            <p:nvSpPr>
+              <p:cNvPr id="16" name="文本框 15"/>
+              <p:cNvSpPr txBox="1">
+                <a:spLocks noRot="1" noChangeAspect="1" noMove="1" noResize="1" noEditPoints="1" noAdjustHandles="1" noChangeArrowheads="1" noChangeShapeType="1" noTextEdit="1"/>
+              </p:cNvSpPr>
+              <p:nvPr/>
+            </p:nvSpPr>
+            <p:spPr>
+              <a:xfrm>
+                <a:off x="8341360" y="3184525"/>
+                <a:ext cx="4360545" cy="2056130"/>
+              </a:xfrm>
+              <a:prstGeom prst="rect">
+                <a:avLst/>
+              </a:prstGeom>
+              <a:blipFill rotWithShape="1">
+                <a:blip r:embed="rId2"/>
+                <a:stretch>
+                  <a:fillRect/>
+                </a:stretch>
+              </a:blipFill>
+            </p:spPr>
+            <p:txBody>
+              <a:bodyPr/>
+              <a:lstStyle/>
+              <a:p>
+                <a:r>
+                  <a:rPr lang="zh-CN" altLang="en-US">
+                    <a:noFill/>
+                  </a:rPr>
+                  <a:t> </a:t>
+                </a:r>
+              </a:p>
+            </p:txBody>
+          </p:sp>
+        </mc:Fallback>
+      </mc:AlternateContent>
+    </p:spTree>
+  </p:cSld>
+  <p:clrMapOvr>
+    <a:masterClrMapping/>
+  </p:clrMapOvr>
+</p:sld>
+</file>
+
+<file path=ppt/slides/slide11.xml><?xml version="1.0" encoding="utf-8"?>
+<p:sld xmlns:a="http://schemas.openxmlformats.org/drawingml/2006/main" xmlns:r="http://schemas.openxmlformats.org/officeDocument/2006/relationships" xmlns:p="http://schemas.openxmlformats.org/presentationml/2006/main">
+  <p:cSld>
+    <p:spTree>
+      <p:nvGrpSpPr>
+        <p:cNvPr id="1" name=""/>
+        <p:cNvGrpSpPr/>
+        <p:nvPr/>
+      </p:nvGrpSpPr>
+      <p:grpSpPr/>
+      <p:sp>
+        <p:nvSpPr>
+          <p:cNvPr id="2" name="标题 1"/>
+          <p:cNvSpPr>
+            <a:spLocks noGrp="1"/>
+          </p:cNvSpPr>
+          <p:nvPr>
+            <p:ph type="title"/>
+          </p:nvPr>
+        </p:nvSpPr>
+        <p:spPr>
+          <a:xfrm>
+            <a:off x="942975" y="528320"/>
+            <a:ext cx="11830050" cy="1216660"/>
+          </a:xfrm>
+        </p:spPr>
+        <p:txBody>
+          <a:bodyPr/>
+          <a:p>
+            <a:pPr algn="ctr"/>
+            <a:r>
+              <a:rPr lang="en-US" altLang="zh-CN" sz="5400">
+                <a:cs typeface="+mj-lt"/>
+              </a:rPr>
+              <a:t>STP</a:t>
+            </a:r>
+            <a:endParaRPr lang="en-US" altLang="zh-CN" sz="5400">
+              <a:cs typeface="+mj-lt"/>
+            </a:endParaRPr>
+          </a:p>
+        </p:txBody>
+      </p:sp>
+      <p:pic>
+        <p:nvPicPr>
+          <p:cNvPr id="5" name="图片 4" descr="/Users/mac/Documents/github/BrainPy-Models/docs/brainpy_handbook/ppt/figs/syns/stp_update.pngstp_update"/>
+          <p:cNvPicPr>
+            <a:picLocks noChangeAspect="1"/>
+          </p:cNvPicPr>
+          <p:nvPr/>
+        </p:nvPicPr>
+        <p:blipFill>
+          <a:blip r:embed="rId1"/>
+          <a:srcRect/>
+          <a:stretch>
+            <a:fillRect/>
+          </a:stretch>
+        </p:blipFill>
+        <p:spPr>
+          <a:xfrm>
+            <a:off x="-158" y="2274723"/>
+            <a:ext cx="10730822" cy="6287770"/>
+          </a:xfrm>
+          <a:prstGeom prst="rect">
+            <a:avLst/>
+          </a:prstGeom>
+        </p:spPr>
+      </p:pic>
+      <p:sp>
+        <p:nvSpPr>
+          <p:cNvPr id="14" name="右大括号 13"/>
+          <p:cNvSpPr/>
+          <p:nvPr/>
+        </p:nvSpPr>
+        <p:spPr>
+          <a:xfrm>
+            <a:off x="7832050" y="4655915"/>
+            <a:ext cx="216000" cy="1260000"/>
+          </a:xfrm>
+          <a:prstGeom prst="rightBrace">
+            <a:avLst/>
+          </a:prstGeom>
+          <a:ln>
+            <a:solidFill>
+              <a:schemeClr val="tx1"/>
+            </a:solidFill>
+          </a:ln>
+        </p:spPr>
+        <p:style>
+          <a:lnRef idx="1">
+            <a:schemeClr val="accent1"/>
+          </a:lnRef>
+          <a:fillRef idx="0">
+            <a:schemeClr val="accent1"/>
+          </a:fillRef>
+          <a:effectRef idx="0">
+            <a:schemeClr val="accent1"/>
+          </a:effectRef>
+          <a:fontRef idx="minor">
+            <a:schemeClr val="tx1"/>
+          </a:fontRef>
+        </p:style>
+        <p:txBody>
+          <a:bodyPr rtlCol="0" anchor="ctr"/>
+          <a:p>
+            <a:pPr algn="ctr"/>
+            <a:endParaRPr lang="zh-CN" altLang="en-US"/>
+          </a:p>
+        </p:txBody>
+      </p:sp>
+      <p:pic>
+        <p:nvPicPr>
+          <p:cNvPr id="4" name="图片 3" descr="截屏2021-04-28 下午9.02.03"/>
+          <p:cNvPicPr>
+            <a:picLocks noChangeAspect="1"/>
+          </p:cNvPicPr>
+          <p:nvPr/>
+        </p:nvPicPr>
+        <p:blipFill>
+          <a:blip r:embed="rId2"/>
+          <a:stretch>
+            <a:fillRect/>
+          </a:stretch>
+        </p:blipFill>
+        <p:spPr>
+          <a:xfrm>
+            <a:off x="8246110" y="4753610"/>
+            <a:ext cx="4165600" cy="1066800"/>
+          </a:xfrm>
+          <a:prstGeom prst="rect">
+            <a:avLst/>
+          </a:prstGeom>
+        </p:spPr>
+      </p:pic>
+      <p:pic>
+        <p:nvPicPr>
+          <p:cNvPr id="6" name="图片 5" descr="/Users/mac/Documents/github/BrainPy-Models/docs/brainpy_handbook/ppt/figs/syns/std.pngstd"/>
+          <p:cNvPicPr>
+            <a:picLocks noChangeAspect="1"/>
+          </p:cNvPicPr>
+          <p:nvPr/>
+        </p:nvPicPr>
+        <p:blipFill>
+          <a:blip r:embed="rId3"/>
+          <a:srcRect/>
+          <a:stretch>
+            <a:fillRect/>
+          </a:stretch>
+        </p:blipFill>
+        <p:spPr>
+          <a:xfrm>
+            <a:off x="-180" y="9706128"/>
+            <a:ext cx="10705976" cy="7632700"/>
+          </a:xfrm>
+          <a:prstGeom prst="rect">
+            <a:avLst/>
+          </a:prstGeom>
+        </p:spPr>
+      </p:pic>
+      <p:cxnSp>
+        <p:nvCxnSpPr>
+          <p:cNvPr id="7" name="直接箭头连接符 6"/>
+          <p:cNvCxnSpPr/>
+          <p:nvPr/>
+        </p:nvCxnSpPr>
+        <p:spPr>
+          <a:xfrm>
+            <a:off x="8746999" y="11208385"/>
+            <a:ext cx="756000" cy="0"/>
+          </a:xfrm>
+          <a:prstGeom prst="straightConnector1">
+            <a:avLst/>
+          </a:prstGeom>
+          <a:ln>
+            <a:solidFill>
+              <a:schemeClr val="tx1"/>
+            </a:solidFill>
+            <a:tailEnd type="arrow"/>
+          </a:ln>
+        </p:spPr>
+        <p:style>
+          <a:lnRef idx="1">
+            <a:schemeClr val="accent1"/>
+          </a:lnRef>
+          <a:fillRef idx="0">
+            <a:schemeClr val="accent1"/>
+          </a:fillRef>
+          <a:effectRef idx="0">
+            <a:schemeClr val="accent1"/>
+          </a:effectRef>
+          <a:fontRef idx="minor">
+            <a:schemeClr val="tx1"/>
+          </a:fontRef>
+        </p:style>
+      </p:cxnSp>
+      <p:sp>
+        <p:nvSpPr>
+          <p:cNvPr id="8" name="文本框 7"/>
+          <p:cNvSpPr txBox="1"/>
+          <p:nvPr/>
+        </p:nvSpPr>
+        <p:spPr>
+          <a:xfrm>
+            <a:off x="9561195" y="10847070"/>
+            <a:ext cx="2294890" cy="706755"/>
+          </a:xfrm>
+          <a:prstGeom prst="rect">
+            <a:avLst/>
+          </a:prstGeom>
+          <a:noFill/>
+        </p:spPr>
+        <p:txBody>
+          <a:bodyPr wrap="square" rtlCol="0">
+            <a:spAutoFit/>
+          </a:bodyPr>
+          <a:p>
+            <a:r>
+              <a:rPr lang="en-US" altLang="zh-CN" sz="2000"/>
+              <a:t>set tau_d &gt; tau_f to get STD</a:t>
+            </a:r>
+            <a:endParaRPr lang="en-US" altLang="zh-CN" sz="2000"/>
+          </a:p>
+        </p:txBody>
+      </p:sp>
+    </p:spTree>
+  </p:cSld>
+  <p:clrMapOvr>
+    <a:masterClrMapping/>
+  </p:clrMapOvr>
+</p:sld>
+</file>
+
+<file path=ppt/slides/slide12.xml><?xml version="1.0" encoding="utf-8"?>
+<p:sld xmlns:a="http://schemas.openxmlformats.org/drawingml/2006/main" xmlns:r="http://schemas.openxmlformats.org/officeDocument/2006/relationships" xmlns:p="http://schemas.openxmlformats.org/presentationml/2006/main">
+  <p:cSld>
+    <p:spTree>
+      <p:nvGrpSpPr>
+        <p:cNvPr id="1" name=""/>
+        <p:cNvGrpSpPr/>
+        <p:nvPr/>
+      </p:nvGrpSpPr>
+      <p:grpSpPr/>
+      <p:sp>
+        <p:nvSpPr>
+          <p:cNvPr id="2" name="标题 1"/>
+          <p:cNvSpPr>
+            <a:spLocks noGrp="1"/>
+          </p:cNvSpPr>
+          <p:nvPr>
+            <p:ph type="title"/>
+          </p:nvPr>
+        </p:nvSpPr>
+        <p:spPr>
+          <a:xfrm>
+            <a:off x="942975" y="528320"/>
+            <a:ext cx="11830050" cy="1216660"/>
+          </a:xfrm>
+        </p:spPr>
+        <p:txBody>
+          <a:bodyPr/>
+          <a:p>
+            <a:pPr algn="ctr"/>
+            <a:r>
+              <a:rPr lang="en-US" altLang="zh-CN" sz="5400">
+                <a:cs typeface="+mj-lt"/>
+              </a:rPr>
+              <a:t>STDP</a:t>
+            </a:r>
+            <a:endParaRPr lang="en-US" altLang="zh-CN" sz="5400">
+              <a:cs typeface="+mj-lt"/>
+            </a:endParaRPr>
+          </a:p>
+        </p:txBody>
+      </p:sp>
+      <p:pic>
+        <p:nvPicPr>
+          <p:cNvPr id="5" name="图片 4" descr="/Users/mac/Documents/github/BrainPy-Models/docs/brainpy_handbook/ppt/figs/syns/STDP_init.pngSTDP_init"/>
+          <p:cNvPicPr>
+            <a:picLocks noChangeAspect="1"/>
+          </p:cNvPicPr>
+          <p:nvPr/>
+        </p:nvPicPr>
+        <p:blipFill>
+          <a:blip r:embed="rId1"/>
+          <a:srcRect/>
+          <a:stretch>
+            <a:fillRect/>
+          </a:stretch>
+        </p:blipFill>
+        <p:spPr>
+          <a:xfrm>
+            <a:off x="-180" y="2202333"/>
+            <a:ext cx="10693250" cy="12814300"/>
+          </a:xfrm>
+          <a:prstGeom prst="rect">
+            <a:avLst/>
+          </a:prstGeom>
+        </p:spPr>
+      </p:pic>
+      <p:sp>
+        <p:nvSpPr>
+          <p:cNvPr id="14" name="右大括号 13"/>
+          <p:cNvSpPr/>
+          <p:nvPr/>
+        </p:nvSpPr>
+        <p:spPr>
+          <a:xfrm>
+            <a:off x="7686000" y="3535140"/>
+            <a:ext cx="216000" cy="1512000"/>
+          </a:xfrm>
+          <a:prstGeom prst="rightBrace">
+            <a:avLst/>
+          </a:prstGeom>
+          <a:ln>
+            <a:solidFill>
+              <a:schemeClr val="tx1"/>
+            </a:solidFill>
+          </a:ln>
+        </p:spPr>
+        <p:style>
+          <a:lnRef idx="1">
+            <a:schemeClr val="accent1"/>
+          </a:lnRef>
+          <a:fillRef idx="0">
+            <a:schemeClr val="accent1"/>
+          </a:fillRef>
+          <a:effectRef idx="0">
+            <a:schemeClr val="accent1"/>
+          </a:effectRef>
+          <a:fontRef idx="minor">
+            <a:schemeClr val="tx1"/>
+          </a:fontRef>
+        </p:style>
+        <p:txBody>
+          <a:bodyPr rtlCol="0" anchor="ctr"/>
+          <a:p>
+            <a:pPr algn="ctr"/>
+            <a:endParaRPr lang="zh-CN" altLang="en-US"/>
+          </a:p>
+        </p:txBody>
+      </p:sp>
+      <mc:AlternateContent xmlns:mc="http://schemas.openxmlformats.org/markup-compatibility/2006">
+        <mc:Choice xmlns:a14="http://schemas.microsoft.com/office/drawing/2010/main" Requires="a14">
+          <p:sp>
+            <p:nvSpPr>
+              <p:cNvPr id="16" name="文本框 15"/>
+              <p:cNvSpPr txBox="1"/>
+              <p:nvPr/>
+            </p:nvSpPr>
+            <p:spPr>
+              <a:xfrm>
+                <a:off x="8224520" y="3245485"/>
+                <a:ext cx="4360545" cy="2056130"/>
+              </a:xfrm>
+              <a:prstGeom prst="rect">
+                <a:avLst/>
+              </a:prstGeom>
+              <a:noFill/>
+            </p:spPr>
+            <p:txBody>
+              <a:bodyPr wrap="square" rtlCol="0" anchor="t">
+                <a:spAutoFit/>
+              </a:bodyPr>
+              <a:p>
+                <a14:m>
+                  <m:oMathPara xmlns:m="http://schemas.openxmlformats.org/officeDocument/2006/math">
+                    <m:oMathParaPr>
+                      <m:jc m:val="left"/>
+                    </m:oMathParaPr>
+                    <m:oMath xmlns:m="http://schemas.openxmlformats.org/officeDocument/2006/math">
+                      <m:f>
+                        <m:fPr>
+                          <m:ctrlPr>
+                            <a:rPr lang="en-US" altLang="zh-CN" sz="2000" i="1" dirty="0">
+                              <a:latin typeface="Cambria Math" charset="0"/>
+                              <a:cs typeface="Cambria Math" charset="0"/>
+                            </a:rPr>
+                          </m:ctrlPr>
+                        </m:fPr>
+                        <m:num>
+                          <m:r>
+                            <a:rPr lang="en-US" altLang="zh-CN" sz="2000" i="1" dirty="0">
+                              <a:latin typeface="Cambria Math" charset="0"/>
+                              <a:cs typeface="Cambria Math" charset="0"/>
+                            </a:rPr>
+                            <m:t>𝑑𝑠</m:t>
+                          </m:r>
+                        </m:num>
+                        <m:den>
+                          <m:r>
+                            <a:rPr lang="en-US" altLang="zh-CN" sz="2000" i="1" dirty="0">
+                              <a:latin typeface="Cambria Math" charset="0"/>
+                              <a:cs typeface="Cambria Math" charset="0"/>
+                            </a:rPr>
+                            <m:t>𝑑𝑡</m:t>
+                          </m:r>
+                        </m:den>
+                      </m:f>
+                      <m:r>
+                        <a:rPr lang="en-US" altLang="zh-CN" sz="2000" i="1" dirty="0">
+                          <a:latin typeface="Cambria Math" charset="0"/>
+                          <a:cs typeface="Cambria Math" charset="0"/>
+                        </a:rPr>
+                        <m:t>=−</m:t>
+                      </m:r>
+                      <m:r>
+                        <a:rPr lang="en-US" altLang="zh-CN" sz="2000" i="1" dirty="0">
+                          <a:latin typeface="Cambria Math" charset="0"/>
+                          <a:cs typeface="Cambria Math" charset="0"/>
+                        </a:rPr>
+                        <m:t>𝑠</m:t>
+                      </m:r>
+                      <m:r>
+                        <a:rPr lang="en-US" altLang="zh-CN" sz="2000" i="1" dirty="0">
+                          <a:latin typeface="Cambria Math" charset="0"/>
+                          <a:cs typeface="Cambria Math" charset="0"/>
+                        </a:rPr>
+                        <m:t>/</m:t>
+                      </m:r>
+                      <m:r>
+                        <a:rPr lang="en-US" altLang="zh-CN" sz="2000" i="1" dirty="0">
+                          <a:latin typeface="Cambria Math" charset="0"/>
+                          <a:cs typeface="Cambria Math" charset="0"/>
+                        </a:rPr>
+                        <m:t>𝜏</m:t>
+                      </m:r>
+                    </m:oMath>
+                  </m:oMathPara>
+                </a14:m>
+                <a:endParaRPr lang="en-US" altLang="zh-CN" sz="2000" i="1" dirty="0">
+                  <a:latin typeface="Cambria Math" charset="0"/>
+                  <a:cs typeface="Cambria Math" charset="0"/>
+                </a:endParaRPr>
+              </a:p>
+              <a:p>
+                <a:pPr fontAlgn="auto">
+                  <a:lnSpc>
+                    <a:spcPts val="1000"/>
+                  </a:lnSpc>
+                </a:pPr>
+                <a:endParaRPr lang="en-US" altLang="zh-CN" sz="2000" i="1" dirty="0">
+                  <a:latin typeface="Cambria Math" charset="0"/>
+                  <a:cs typeface="Cambria Math" charset="0"/>
+                </a:endParaRPr>
+              </a:p>
+              <a:p>
+                <a14:m>
+                  <m:oMathPara xmlns:m="http://schemas.openxmlformats.org/officeDocument/2006/math">
+                    <m:oMathParaPr>
+                      <m:jc m:val="left"/>
+                    </m:oMathParaPr>
+                    <m:oMath xmlns:m="http://schemas.openxmlformats.org/officeDocument/2006/math">
+                      <m:f>
+                        <m:fPr>
+                          <m:ctrlPr>
+                            <a:rPr lang="en-US" altLang="zh-CN" sz="2000" i="1" dirty="0">
+                              <a:latin typeface="Cambria Math" charset="0"/>
+                              <a:cs typeface="Cambria Math" charset="0"/>
+                            </a:rPr>
+                          </m:ctrlPr>
+                        </m:fPr>
+                        <m:num>
+                          <m:r>
+                            <a:rPr lang="en-US" altLang="zh-CN" sz="2000" i="1" dirty="0">
+                              <a:latin typeface="Cambria Math" charset="0"/>
+                              <a:cs typeface="Cambria Math" charset="0"/>
+                            </a:rPr>
+                            <m:t>𝑑</m:t>
+                          </m:r>
+                          <m:sSub>
+                            <m:sSubPr>
+                              <m:ctrlPr>
+                                <a:rPr lang="en-US" altLang="zh-CN" sz="2000" i="1" dirty="0">
+                                  <a:latin typeface="Cambria Math" charset="0"/>
+                                  <a:cs typeface="Cambria Math" charset="0"/>
+                                </a:rPr>
+                              </m:ctrlPr>
+                            </m:sSubPr>
+                            <m:e>
+                              <m:r>
+                                <a:rPr lang="en-US" altLang="zh-CN" sz="2000" i="1" dirty="0">
+                                  <a:latin typeface="Cambria Math" charset="0"/>
+                                  <a:cs typeface="Cambria Math" charset="0"/>
+                                </a:rPr>
+                                <m:t>𝐴</m:t>
+                              </m:r>
+                            </m:e>
+                            <m:sub>
+                              <m:r>
+                                <a:rPr lang="en-US" altLang="zh-CN" sz="2000" i="1" dirty="0">
+                                  <a:latin typeface="Cambria Math" charset="0"/>
+                                  <a:cs typeface="Cambria Math" charset="0"/>
+                                </a:rPr>
+                                <m:t>𝑠</m:t>
+                              </m:r>
+                            </m:sub>
+                          </m:sSub>
+                        </m:num>
+                        <m:den>
+                          <m:r>
+                            <a:rPr lang="en-US" altLang="zh-CN" sz="2000" i="1" dirty="0">
+                              <a:latin typeface="Cambria Math" charset="0"/>
+                              <a:cs typeface="Cambria Math" charset="0"/>
+                            </a:rPr>
+                            <m:t>𝑑𝑡</m:t>
+                          </m:r>
+                        </m:den>
+                      </m:f>
+                      <m:r>
+                        <a:rPr lang="en-US" altLang="zh-CN" sz="2000" i="1" dirty="0">
+                          <a:latin typeface="Cambria Math" charset="0"/>
+                          <a:cs typeface="Cambria Math" charset="0"/>
+                        </a:rPr>
+                        <m:t>=−</m:t>
+                      </m:r>
+                      <m:sSub>
+                        <m:sSubPr>
+                          <m:ctrlPr>
+                            <a:rPr lang="en-US" altLang="zh-CN" sz="2000" i="1" dirty="0">
+                              <a:latin typeface="Cambria Math" charset="0"/>
+                              <a:cs typeface="Cambria Math" charset="0"/>
+                            </a:rPr>
+                          </m:ctrlPr>
+                        </m:sSubPr>
+                        <m:e>
+                          <m:r>
+                            <a:rPr lang="en-US" altLang="zh-CN" sz="2000" i="1" dirty="0">
+                              <a:latin typeface="Cambria Math" charset="0"/>
+                              <a:cs typeface="Cambria Math" charset="0"/>
+                            </a:rPr>
+                            <m:t>𝐴</m:t>
+                          </m:r>
+                        </m:e>
+                        <m:sub>
+                          <m:r>
+                            <a:rPr lang="en-US" altLang="zh-CN" sz="2000" i="1" dirty="0">
+                              <a:latin typeface="Cambria Math" charset="0"/>
+                              <a:cs typeface="Cambria Math" charset="0"/>
+                            </a:rPr>
+                            <m:t>𝑠</m:t>
+                          </m:r>
+                        </m:sub>
+                      </m:sSub>
+                      <m:r>
+                        <a:rPr lang="en-US" altLang="zh-CN" sz="2000" i="1" dirty="0">
+                          <a:latin typeface="Cambria Math" charset="0"/>
+                          <a:cs typeface="Cambria Math" charset="0"/>
+                        </a:rPr>
+                        <m:t>/</m:t>
+                      </m:r>
+                      <m:sSub>
+                        <m:sSubPr>
+                          <m:ctrlPr>
+                            <a:rPr lang="en-US" altLang="zh-CN" sz="2000" i="1" dirty="0">
+                              <a:latin typeface="Cambria Math" charset="0"/>
+                              <a:cs typeface="Cambria Math" charset="0"/>
+                            </a:rPr>
+                          </m:ctrlPr>
+                        </m:sSubPr>
+                        <m:e>
+                          <m:r>
+                            <a:rPr lang="en-US" altLang="zh-CN" sz="2000" i="1" dirty="0">
+                              <a:latin typeface="Cambria Math" charset="0"/>
+                              <a:cs typeface="Cambria Math" charset="0"/>
+                            </a:rPr>
+                            <m:t>𝜏</m:t>
+                          </m:r>
+                        </m:e>
+                        <m:sub>
+                          <m:r>
+                            <a:rPr lang="en-US" altLang="zh-CN" sz="2000" i="1" dirty="0">
+                              <a:latin typeface="Cambria Math" charset="0"/>
+                              <a:cs typeface="Cambria Math" charset="0"/>
+                            </a:rPr>
+                            <m:t>𝑠</m:t>
+                          </m:r>
+                        </m:sub>
+                      </m:sSub>
+                    </m:oMath>
+                  </m:oMathPara>
+                </a14:m>
+                <a:endParaRPr lang="en-US" altLang="zh-CN" sz="2000" i="1" dirty="0">
+                  <a:latin typeface="Cambria Math" charset="0"/>
+                  <a:cs typeface="Cambria Math" charset="0"/>
+                </a:endParaRPr>
+              </a:p>
+              <a:p>
+                <a:pPr fontAlgn="auto">
+                  <a:lnSpc>
+                    <a:spcPts val="1000"/>
+                  </a:lnSpc>
+                </a:pPr>
+                <a:endParaRPr lang="en-US" altLang="zh-CN" sz="2000" i="1" dirty="0">
+                  <a:latin typeface="Cambria Math" charset="0"/>
+                  <a:cs typeface="Cambria Math" charset="0"/>
+                </a:endParaRPr>
+              </a:p>
+              <a:p>
+                <a14:m>
+                  <m:oMathPara xmlns:m="http://schemas.openxmlformats.org/officeDocument/2006/math">
+                    <m:oMathParaPr>
+                      <m:jc m:val="left"/>
+                    </m:oMathParaPr>
+                    <m:oMath xmlns:m="http://schemas.openxmlformats.org/officeDocument/2006/math">
+                      <m:f>
+                        <m:fPr>
+                          <m:ctrlPr>
+                            <a:rPr lang="en-US" altLang="zh-CN" sz="2000" i="1" dirty="0">
+                              <a:latin typeface="Cambria Math" charset="0"/>
+                              <a:cs typeface="Cambria Math" charset="0"/>
+                            </a:rPr>
+                          </m:ctrlPr>
+                        </m:fPr>
+                        <m:num>
+                          <m:r>
+                            <a:rPr lang="en-US" altLang="zh-CN" sz="2000" i="1" dirty="0">
+                              <a:latin typeface="Cambria Math" charset="0"/>
+                              <a:cs typeface="Cambria Math" charset="0"/>
+                            </a:rPr>
+                            <m:t>𝑑</m:t>
+                          </m:r>
+                          <m:sSub>
+                            <m:sSubPr>
+                              <m:ctrlPr>
+                                <a:rPr lang="en-US" altLang="zh-CN" sz="2000" i="1" dirty="0">
+                                  <a:latin typeface="Cambria Math" charset="0"/>
+                                  <a:cs typeface="Cambria Math" charset="0"/>
+                                </a:rPr>
+                              </m:ctrlPr>
+                            </m:sSubPr>
+                            <m:e>
+                              <m:r>
+                                <a:rPr lang="en-US" altLang="zh-CN" sz="2000" i="1" dirty="0">
+                                  <a:latin typeface="Cambria Math" charset="0"/>
+                                  <a:cs typeface="Cambria Math" charset="0"/>
+                                </a:rPr>
+                                <m:t>𝐴</m:t>
+                              </m:r>
+                            </m:e>
+                            <m:sub>
+                              <m:r>
+                                <a:rPr lang="en-US" altLang="zh-CN" sz="2000" i="1" dirty="0">
+                                  <a:latin typeface="Cambria Math" charset="0"/>
+                                  <a:cs typeface="Cambria Math" charset="0"/>
+                                </a:rPr>
+                                <m:t>𝑡</m:t>
+                              </m:r>
+                            </m:sub>
+                          </m:sSub>
+                        </m:num>
+                        <m:den>
+                          <m:r>
+                            <a:rPr lang="en-US" altLang="zh-CN" sz="2000" i="1" dirty="0">
+                              <a:latin typeface="Cambria Math" charset="0"/>
+                              <a:cs typeface="Cambria Math" charset="0"/>
+                            </a:rPr>
+                            <m:t>𝑑𝑡</m:t>
+                          </m:r>
+                        </m:den>
+                      </m:f>
+                      <m:r>
+                        <a:rPr lang="en-US" altLang="zh-CN" sz="2000" i="1" dirty="0">
+                          <a:latin typeface="Cambria Math" charset="0"/>
+                          <a:cs typeface="Cambria Math" charset="0"/>
+                        </a:rPr>
+                        <m:t>=</m:t>
+                      </m:r>
+                      <m:r>
+                        <a:rPr lang="en-US" altLang="zh-CN" sz="2000" i="1" dirty="0">
+                          <a:latin typeface="Cambria Math" charset="0"/>
+                          <a:cs typeface="Cambria Math" charset="0"/>
+                        </a:rPr>
+                        <m:t>−</m:t>
+                      </m:r>
+                      <m:sSub>
+                        <m:sSubPr>
+                          <m:ctrlPr>
+                            <a:rPr lang="en-US" altLang="zh-CN" sz="2000" i="1" dirty="0">
+                              <a:latin typeface="Cambria Math" charset="0"/>
+                              <a:cs typeface="Cambria Math" charset="0"/>
+                            </a:rPr>
+                          </m:ctrlPr>
+                        </m:sSubPr>
+                        <m:e>
+                          <m:r>
+                            <a:rPr lang="en-US" altLang="zh-CN" sz="2000" i="1" dirty="0">
+                              <a:latin typeface="Cambria Math" charset="0"/>
+                              <a:cs typeface="Cambria Math" charset="0"/>
+                            </a:rPr>
+                            <m:t>𝐴</m:t>
+                          </m:r>
+                        </m:e>
+                        <m:sub>
+                          <m:r>
+                            <a:rPr lang="en-US" altLang="zh-CN" sz="2000" i="1" dirty="0">
+                              <a:latin typeface="Cambria Math" charset="0"/>
+                              <a:cs typeface="Cambria Math" charset="0"/>
+                            </a:rPr>
+                            <m:t>𝑡</m:t>
+                          </m:r>
+                        </m:sub>
+                      </m:sSub>
+                      <m:r>
+                        <a:rPr lang="en-US" altLang="zh-CN" sz="2000" i="1" dirty="0">
+                          <a:latin typeface="Cambria Math" charset="0"/>
+                          <a:cs typeface="Cambria Math" charset="0"/>
+                        </a:rPr>
+                        <m:t>/</m:t>
+                      </m:r>
+                      <m:sSub>
+                        <m:sSubPr>
+                          <m:ctrlPr>
+                            <a:rPr lang="en-US" altLang="zh-CN" sz="2000" i="1" dirty="0">
+                              <a:latin typeface="Cambria Math" charset="0"/>
+                              <a:cs typeface="Cambria Math" charset="0"/>
+                            </a:rPr>
+                          </m:ctrlPr>
+                        </m:sSubPr>
+                        <m:e>
+                          <m:r>
+                            <a:rPr lang="en-US" altLang="zh-CN" sz="2000" i="1" dirty="0">
+                              <a:latin typeface="Cambria Math" charset="0"/>
+                              <a:cs typeface="Cambria Math" charset="0"/>
+                            </a:rPr>
+                            <m:t>𝜏</m:t>
+                          </m:r>
+                        </m:e>
+                        <m:sub>
+                          <m:r>
+                            <a:rPr lang="en-US" altLang="zh-CN" sz="2000" i="1" dirty="0">
+                              <a:latin typeface="Cambria Math" charset="0"/>
+                              <a:cs typeface="Cambria Math" charset="0"/>
+                            </a:rPr>
+                            <m:t>𝑡</m:t>
+                          </m:r>
+                        </m:sub>
+                      </m:sSub>
+                    </m:oMath>
+                  </m:oMathPara>
+                </a14:m>
+                <a:endParaRPr lang="zh-CN" altLang="en-US" sz="2000"/>
+              </a:p>
+            </p:txBody>
+          </p:sp>
+        </mc:Choice>
+        <mc:Fallback>
+          <p:sp>
+            <p:nvSpPr>
+              <p:cNvPr id="16" name="文本框 15"/>
+              <p:cNvSpPr txBox="1">
+                <a:spLocks noRot="1" noChangeAspect="1" noMove="1" noResize="1" noEditPoints="1" noAdjustHandles="1" noChangeArrowheads="1" noChangeShapeType="1" noTextEdit="1"/>
+              </p:cNvSpPr>
+              <p:nvPr/>
+            </p:nvSpPr>
+            <p:spPr>
+              <a:xfrm>
+                <a:off x="8224520" y="3245485"/>
+                <a:ext cx="4360545" cy="2056130"/>
+              </a:xfrm>
+              <a:prstGeom prst="rect">
+                <a:avLst/>
+              </a:prstGeom>
+              <a:blipFill rotWithShape="1">
+                <a:blip r:embed="rId2"/>
+                <a:stretch>
+                  <a:fillRect/>
+                </a:stretch>
+              </a:blipFill>
+            </p:spPr>
+            <p:txBody>
+              <a:bodyPr/>
+              <a:lstStyle/>
+              <a:p>
+                <a:r>
+                  <a:rPr lang="zh-CN" altLang="en-US">
+                    <a:noFill/>
+                  </a:rPr>
+                  <a:t> </a:t>
+                </a:r>
+              </a:p>
+            </p:txBody>
+          </p:sp>
+        </mc:Fallback>
+      </mc:AlternateContent>
+    </p:spTree>
+  </p:cSld>
+  <p:clrMapOvr>
+    <a:masterClrMapping/>
+  </p:clrMapOvr>
+</p:sld>
+</file>
+
+<file path=ppt/slides/slide13.xml><?xml version="1.0" encoding="utf-8"?>
+<p:sld xmlns:a="http://schemas.openxmlformats.org/drawingml/2006/main" xmlns:r="http://schemas.openxmlformats.org/officeDocument/2006/relationships" xmlns:p="http://schemas.openxmlformats.org/presentationml/2006/main">
+  <p:cSld>
+    <p:spTree>
+      <p:nvGrpSpPr>
+        <p:cNvPr id="1" name=""/>
+        <p:cNvGrpSpPr/>
+        <p:nvPr/>
+      </p:nvGrpSpPr>
+      <p:grpSpPr/>
+      <p:sp>
+        <p:nvSpPr>
+          <p:cNvPr id="2" name="标题 1"/>
+          <p:cNvSpPr>
+            <a:spLocks noGrp="1"/>
+          </p:cNvSpPr>
+          <p:nvPr>
+            <p:ph type="title"/>
+          </p:nvPr>
+        </p:nvSpPr>
+        <p:spPr>
+          <a:xfrm>
+            <a:off x="942975" y="528320"/>
+            <a:ext cx="11830050" cy="1216660"/>
+          </a:xfrm>
+        </p:spPr>
+        <p:txBody>
+          <a:bodyPr/>
+          <a:p>
+            <a:pPr algn="ctr"/>
+            <a:r>
+              <a:rPr lang="en-US" altLang="zh-CN" sz="5400">
+                <a:cs typeface="+mj-lt"/>
+              </a:rPr>
+              <a:t>STDP</a:t>
+            </a:r>
+            <a:endParaRPr lang="en-US" altLang="zh-CN" sz="5400">
+              <a:cs typeface="+mj-lt"/>
+            </a:endParaRPr>
+          </a:p>
+        </p:txBody>
+      </p:sp>
+      <p:pic>
+        <p:nvPicPr>
+          <p:cNvPr id="5" name="图片 4" descr="/Users/mac/Documents/github/BrainPy-Models/docs/brainpy_handbook/ppt/figs/syns/STDP_update.pngSTDP_update"/>
+          <p:cNvPicPr>
+            <a:picLocks noChangeAspect="1"/>
+          </p:cNvPicPr>
+          <p:nvPr/>
+        </p:nvPicPr>
+        <p:blipFill>
+          <a:blip r:embed="rId1"/>
+          <a:srcRect/>
+          <a:stretch>
+            <a:fillRect/>
+          </a:stretch>
+        </p:blipFill>
+        <p:spPr>
+          <a:xfrm>
+            <a:off x="-180" y="3528848"/>
+            <a:ext cx="10693250" cy="9246870"/>
+          </a:xfrm>
+          <a:prstGeom prst="rect">
+            <a:avLst/>
+          </a:prstGeom>
+        </p:spPr>
+      </p:pic>
+      <p:sp>
+        <p:nvSpPr>
+          <p:cNvPr id="14" name="右大括号 13"/>
+          <p:cNvSpPr/>
+          <p:nvPr/>
+        </p:nvSpPr>
+        <p:spPr>
+          <a:xfrm>
+            <a:off x="6264235" y="6905720"/>
+            <a:ext cx="216000" cy="1152000"/>
+          </a:xfrm>
+          <a:prstGeom prst="rightBrace">
+            <a:avLst/>
+          </a:prstGeom>
+          <a:ln>
+            <a:solidFill>
+              <a:schemeClr val="tx1"/>
+            </a:solidFill>
+          </a:ln>
+        </p:spPr>
+        <p:style>
+          <a:lnRef idx="1">
+            <a:schemeClr val="accent1"/>
+          </a:lnRef>
+          <a:fillRef idx="0">
+            <a:schemeClr val="accent1"/>
+          </a:fillRef>
+          <a:effectRef idx="0">
+            <a:schemeClr val="accent1"/>
+          </a:effectRef>
+          <a:fontRef idx="minor">
+            <a:schemeClr val="tx1"/>
+          </a:fontRef>
+        </p:style>
+        <p:txBody>
+          <a:bodyPr rtlCol="0" anchor="ctr"/>
+          <a:p>
+            <a:pPr algn="ctr"/>
+            <a:endParaRPr lang="zh-CN" altLang="en-US"/>
+          </a:p>
+        </p:txBody>
+      </p:sp>
+      <p:sp>
+        <p:nvSpPr>
+          <p:cNvPr id="3" name="右大括号 2"/>
+          <p:cNvSpPr/>
+          <p:nvPr/>
+        </p:nvSpPr>
+        <p:spPr>
+          <a:xfrm>
+            <a:off x="6431875" y="8549735"/>
+            <a:ext cx="216000" cy="864000"/>
+          </a:xfrm>
+          <a:prstGeom prst="rightBrace">
+            <a:avLst/>
+          </a:prstGeom>
+          <a:ln>
+            <a:solidFill>
+              <a:schemeClr val="tx1"/>
+            </a:solidFill>
+          </a:ln>
+        </p:spPr>
+        <p:style>
+          <a:lnRef idx="1">
+            <a:schemeClr val="accent1"/>
+          </a:lnRef>
+          <a:fillRef idx="0">
+            <a:schemeClr val="accent1"/>
+          </a:fillRef>
+          <a:effectRef idx="0">
+            <a:schemeClr val="accent1"/>
+          </a:effectRef>
+          <a:fontRef idx="minor">
+            <a:schemeClr val="tx1"/>
+          </a:fontRef>
+        </p:style>
+        <p:txBody>
+          <a:bodyPr rtlCol="0" anchor="ctr"/>
+          <a:p>
+            <a:pPr algn="ctr"/>
+            <a:endParaRPr lang="zh-CN" altLang="en-US"/>
+          </a:p>
+        </p:txBody>
+      </p:sp>
+      <p:pic>
+        <p:nvPicPr>
+          <p:cNvPr id="4" name="图片 3" descr="截屏2021-04-28 下午9.13.00"/>
+          <p:cNvPicPr>
+            <a:picLocks noChangeAspect="1"/>
+          </p:cNvPicPr>
+          <p:nvPr/>
+        </p:nvPicPr>
+        <p:blipFill>
+          <a:blip r:embed="rId2"/>
+          <a:stretch>
+            <a:fillRect/>
+          </a:stretch>
+        </p:blipFill>
+        <p:spPr>
+          <a:xfrm>
+            <a:off x="6720840" y="6960870"/>
+            <a:ext cx="3657600" cy="1041400"/>
+          </a:xfrm>
+          <a:prstGeom prst="rect">
+            <a:avLst/>
+          </a:prstGeom>
+        </p:spPr>
+      </p:pic>
+      <p:pic>
+        <p:nvPicPr>
+          <p:cNvPr id="6" name="图片 5" descr="截屏2021-04-28 下午9.13.30"/>
+          <p:cNvPicPr>
+            <a:picLocks noChangeAspect="1"/>
+          </p:cNvPicPr>
+          <p:nvPr/>
+        </p:nvPicPr>
+        <p:blipFill>
+          <a:blip r:embed="rId3"/>
+          <a:stretch>
+            <a:fillRect/>
+          </a:stretch>
+        </p:blipFill>
+        <p:spPr>
+          <a:xfrm>
+            <a:off x="6895465" y="8601075"/>
+            <a:ext cx="3606800" cy="762000"/>
+          </a:xfrm>
+          <a:prstGeom prst="rect">
+            <a:avLst/>
+          </a:prstGeom>
+        </p:spPr>
+      </p:pic>
+      <p:cxnSp>
+        <p:nvCxnSpPr>
+          <p:cNvPr id="7" name="直接箭头连接符 6"/>
+          <p:cNvCxnSpPr/>
+          <p:nvPr/>
+        </p:nvCxnSpPr>
+        <p:spPr>
+          <a:xfrm>
+            <a:off x="8468234" y="10958195"/>
+            <a:ext cx="756000" cy="0"/>
+          </a:xfrm>
+          <a:prstGeom prst="straightConnector1">
+            <a:avLst/>
+          </a:prstGeom>
+          <a:ln>
+            <a:solidFill>
+              <a:schemeClr val="tx1"/>
+            </a:solidFill>
+            <a:tailEnd type="arrow"/>
+          </a:ln>
+        </p:spPr>
+        <p:style>
+          <a:lnRef idx="1">
+            <a:schemeClr val="accent1"/>
+          </a:lnRef>
+          <a:fillRef idx="0">
+            <a:schemeClr val="accent1"/>
+          </a:fillRef>
+          <a:effectRef idx="0">
+            <a:schemeClr val="accent1"/>
+          </a:effectRef>
+          <a:fontRef idx="minor">
+            <a:schemeClr val="tx1"/>
+          </a:fontRef>
+        </p:style>
+      </p:cxnSp>
+      <p:sp>
+        <p:nvSpPr>
+          <p:cNvPr id="8" name="文本框 7"/>
+          <p:cNvSpPr txBox="1"/>
+          <p:nvPr/>
+        </p:nvSpPr>
+        <p:spPr>
+          <a:xfrm>
+            <a:off x="9219565" y="10770235"/>
+            <a:ext cx="3299460" cy="398780"/>
+          </a:xfrm>
+          <a:prstGeom prst="rect">
+            <a:avLst/>
+          </a:prstGeom>
+          <a:noFill/>
+        </p:spPr>
+        <p:txBody>
+          <a:bodyPr wrap="square" rtlCol="0">
+            <a:spAutoFit/>
+          </a:bodyPr>
+          <a:p>
+            <a:r>
+              <a:rPr lang="en-US" altLang="zh-CN" sz="2000"/>
+              <a:t>limit w</a:t>
+            </a:r>
+            <a:endParaRPr lang="en-US" altLang="zh-CN" sz="2000"/>
+          </a:p>
+        </p:txBody>
+      </p:sp>
+    </p:spTree>
+  </p:cSld>
+  <p:clrMapOvr>
+    <a:masterClrMapping/>
+  </p:clrMapOvr>
+</p:sld>
+</file>
+
+<file path=ppt/slides/slide14.xml><?xml version="1.0" encoding="utf-8"?>
+<p:sld xmlns:a="http://schemas.openxmlformats.org/drawingml/2006/main" xmlns:r="http://schemas.openxmlformats.org/officeDocument/2006/relationships" xmlns:p="http://schemas.openxmlformats.org/presentationml/2006/main">
+  <p:cSld>
+    <p:spTree>
+      <p:nvGrpSpPr>
+        <p:cNvPr id="1" name=""/>
+        <p:cNvGrpSpPr/>
+        <p:nvPr/>
+      </p:nvGrpSpPr>
+      <p:grpSpPr/>
+      <p:sp>
+        <p:nvSpPr>
+          <p:cNvPr id="2" name="标题 1"/>
+          <p:cNvSpPr>
+            <a:spLocks noGrp="1"/>
+          </p:cNvSpPr>
+          <p:nvPr>
+            <p:ph type="title"/>
+          </p:nvPr>
+        </p:nvSpPr>
+        <p:spPr>
+          <a:xfrm>
+            <a:off x="942975" y="528320"/>
+            <a:ext cx="11830050" cy="1216660"/>
+          </a:xfrm>
+        </p:spPr>
+        <p:txBody>
+          <a:bodyPr/>
+          <a:p>
+            <a:pPr algn="ctr"/>
+            <a:r>
+              <a:rPr lang="en-US" altLang="zh-CN" sz="5400">
+                <a:cs typeface="+mj-lt"/>
+              </a:rPr>
+              <a:t>Oja</a:t>
+            </a:r>
+            <a:endParaRPr lang="en-US" altLang="zh-CN" sz="5400">
+              <a:cs typeface="+mj-lt"/>
+            </a:endParaRPr>
+          </a:p>
+        </p:txBody>
+      </p:sp>
+      <p:pic>
+        <p:nvPicPr>
+          <p:cNvPr id="5" name="图片 4" descr="/Users/mac/Documents/github/BrainPy-Models/docs/brainpy_handbook/ppt/figs/syns/oja_init.pngoja_init"/>
+          <p:cNvPicPr>
+            <a:picLocks noChangeAspect="1"/>
+          </p:cNvPicPr>
+          <p:nvPr/>
+        </p:nvPicPr>
+        <p:blipFill>
+          <a:blip r:embed="rId1"/>
+          <a:srcRect/>
+          <a:stretch>
+            <a:fillRect/>
+          </a:stretch>
+        </p:blipFill>
+        <p:spPr>
+          <a:xfrm>
+            <a:off x="-180" y="2552218"/>
+            <a:ext cx="10693250" cy="9196070"/>
+          </a:xfrm>
+          <a:prstGeom prst="rect">
+            <a:avLst/>
+          </a:prstGeom>
+        </p:spPr>
+      </p:pic>
+      <p:sp>
+        <p:nvSpPr>
+          <p:cNvPr id="3" name="右大括号 2"/>
+          <p:cNvSpPr/>
+          <p:nvPr/>
+        </p:nvSpPr>
+        <p:spPr>
+          <a:xfrm>
+            <a:off x="8488640" y="3930110"/>
+            <a:ext cx="216000" cy="864000"/>
+          </a:xfrm>
+          <a:prstGeom prst="rightBrace">
+            <a:avLst/>
+          </a:prstGeom>
+          <a:ln>
+            <a:solidFill>
+              <a:schemeClr val="tx1"/>
+            </a:solidFill>
+          </a:ln>
+        </p:spPr>
+        <p:style>
+          <a:lnRef idx="1">
+            <a:schemeClr val="accent1"/>
+          </a:lnRef>
+          <a:fillRef idx="0">
+            <a:schemeClr val="accent1"/>
+          </a:fillRef>
+          <a:effectRef idx="0">
+            <a:schemeClr val="accent1"/>
+          </a:effectRef>
+          <a:fontRef idx="minor">
+            <a:schemeClr val="tx1"/>
+          </a:fontRef>
+        </p:style>
+        <p:txBody>
+          <a:bodyPr rtlCol="0" anchor="ctr"/>
+          <a:p>
+            <a:pPr algn="ctr"/>
+            <a:endParaRPr lang="zh-CN" altLang="en-US"/>
+          </a:p>
+        </p:txBody>
+      </p:sp>
+      <mc:AlternateContent xmlns:mc="http://schemas.openxmlformats.org/markup-compatibility/2006">
+        <mc:Choice xmlns:a14="http://schemas.microsoft.com/office/drawing/2010/main" Requires="a14">
+          <p:sp>
+            <p:nvSpPr>
+              <p:cNvPr id="16" name="文本框 15"/>
+              <p:cNvSpPr txBox="1"/>
+              <p:nvPr/>
+            </p:nvSpPr>
+            <p:spPr>
+              <a:xfrm>
+                <a:off x="8699500" y="4017010"/>
+                <a:ext cx="2569845" cy="660400"/>
+              </a:xfrm>
+              <a:prstGeom prst="rect">
+                <a:avLst/>
+              </a:prstGeom>
+              <a:noFill/>
+            </p:spPr>
+            <p:txBody>
+              <a:bodyPr wrap="square" rtlCol="0" anchor="t">
+                <a:spAutoFit/>
+              </a:bodyPr>
+              <a:p>
+                <a14:m>
+                  <m:oMathPara xmlns:m="http://schemas.openxmlformats.org/officeDocument/2006/math">
+                    <m:oMathParaPr>
+                      <m:jc m:val="centerGroup"/>
+                    </m:oMathParaPr>
+                    <m:oMath xmlns:m="http://schemas.openxmlformats.org/officeDocument/2006/math">
+                      <m:f>
+                        <m:fPr>
+                          <m:ctrlPr>
+                            <a:rPr lang="en-US" altLang="zh-CN" sz="2000" i="1" dirty="0">
+                              <a:latin typeface="Cambria Math" charset="0"/>
+                              <a:cs typeface="Cambria Math" charset="0"/>
+                            </a:rPr>
+                          </m:ctrlPr>
+                        </m:fPr>
+                        <m:num>
+                          <m:r>
+                            <a:rPr lang="en-US" altLang="zh-CN" sz="2000" i="1" dirty="0">
+                              <a:latin typeface="Cambria Math" charset="0"/>
+                              <a:cs typeface="Cambria Math" charset="0"/>
+                            </a:rPr>
+                            <m:t>𝑑𝑤</m:t>
+                          </m:r>
+                        </m:num>
+                        <m:den>
+                          <m:r>
+                            <a:rPr lang="en-US" altLang="zh-CN" sz="2000" i="1" dirty="0">
+                              <a:latin typeface="Cambria Math" charset="0"/>
+                              <a:cs typeface="Cambria Math" charset="0"/>
+                            </a:rPr>
+                            <m:t>𝑑𝑡</m:t>
+                          </m:r>
+                        </m:den>
+                      </m:f>
+                      <m:r>
+                        <a:rPr lang="en-US" altLang="zh-CN" sz="2000" i="1" dirty="0">
+                          <a:latin typeface="Cambria Math" charset="0"/>
+                          <a:cs typeface="Cambria Math" charset="0"/>
+                        </a:rPr>
+                        <m:t>=</m:t>
+                      </m:r>
+                      <m:r>
+                        <a:rPr lang="en-US" altLang="zh-CN" sz="2000" i="1" dirty="0">
+                          <a:latin typeface="Cambria Math" charset="0"/>
+                          <a:cs typeface="Cambria Math" charset="0"/>
+                        </a:rPr>
+                        <m:t>𝛾</m:t>
+                      </m:r>
+                      <m:r>
+                        <a:rPr lang="en-US" altLang="zh-CN" sz="2000" i="1" dirty="0">
+                          <a:latin typeface="Cambria Math" charset="0"/>
+                          <a:cs typeface="Cambria Math" charset="0"/>
+                        </a:rPr>
+                        <m:t>(</m:t>
+                      </m:r>
+                      <m:sSub>
+                        <m:sSubPr>
+                          <m:ctrlPr>
+                            <a:rPr lang="en-US" altLang="zh-CN" sz="2000" i="1" dirty="0">
+                              <a:latin typeface="Cambria Math" charset="0"/>
+                              <a:cs typeface="Cambria Math" charset="0"/>
+                            </a:rPr>
+                          </m:ctrlPr>
+                        </m:sSubPr>
+                        <m:e>
+                          <m:r>
+                            <a:rPr lang="en-US" altLang="zh-CN" sz="2000" i="1" dirty="0">
+                              <a:latin typeface="Cambria Math" charset="0"/>
+                              <a:cs typeface="Cambria Math" charset="0"/>
+                            </a:rPr>
+                            <m:t>𝑟</m:t>
+                          </m:r>
+                        </m:e>
+                        <m:sub>
+                          <m:r>
+                            <a:rPr lang="en-US" altLang="zh-CN" sz="2000" i="1" dirty="0">
+                              <a:latin typeface="Cambria Math" charset="0"/>
+                              <a:cs typeface="Cambria Math" charset="0"/>
+                            </a:rPr>
+                            <m:t>𝑖</m:t>
+                          </m:r>
+                        </m:sub>
+                      </m:sSub>
+                      <m:sSub>
+                        <m:sSubPr>
+                          <m:ctrlPr>
+                            <a:rPr lang="en-US" altLang="zh-CN" sz="2000" i="1" dirty="0">
+                              <a:latin typeface="Cambria Math" charset="0"/>
+                              <a:cs typeface="Cambria Math" charset="0"/>
+                            </a:rPr>
+                          </m:ctrlPr>
+                        </m:sSubPr>
+                        <m:e>
+                          <m:r>
+                            <a:rPr lang="en-US" altLang="zh-CN" sz="2000" i="1" dirty="0">
+                              <a:latin typeface="Cambria Math" charset="0"/>
+                              <a:cs typeface="Cambria Math" charset="0"/>
+                            </a:rPr>
+                            <m:t>𝑟</m:t>
+                          </m:r>
+                        </m:e>
+                        <m:sub>
+                          <m:r>
+                            <a:rPr lang="en-US" altLang="zh-CN" sz="2000" i="1" dirty="0">
+                              <a:latin typeface="Cambria Math" charset="0"/>
+                              <a:cs typeface="Cambria Math" charset="0"/>
+                            </a:rPr>
+                            <m:t>𝑗</m:t>
+                          </m:r>
+                        </m:sub>
+                      </m:sSub>
+                      <m:r>
+                        <a:rPr lang="en-US" altLang="zh-CN" sz="2000" i="1" dirty="0">
+                          <a:latin typeface="Cambria Math" charset="0"/>
+                          <a:cs typeface="Cambria Math" charset="0"/>
+                        </a:rPr>
+                        <m:t>−</m:t>
+                      </m:r>
+                      <m:r>
+                        <a:rPr lang="en-US" altLang="zh-CN" sz="2000" i="1" dirty="0">
+                          <a:latin typeface="Cambria Math" charset="0"/>
+                          <a:cs typeface="Cambria Math" charset="0"/>
+                        </a:rPr>
+                        <m:t>𝑤</m:t>
+                      </m:r>
+                      <m:r>
+                        <a:rPr lang="en-US" altLang="zh-CN" sz="2000" i="1" dirty="0">
+                          <a:latin typeface="Cambria Math" charset="0"/>
+                          <a:cs typeface="Cambria Math" charset="0"/>
+                        </a:rPr>
+                        <m:t> </m:t>
+                      </m:r>
+                      <m:sSubSup>
+                        <m:sSubSupPr>
+                          <m:ctrlPr>
+                            <a:rPr lang="en-US" altLang="zh-CN" sz="2000" i="1" dirty="0">
+                              <a:latin typeface="Cambria Math" charset="0"/>
+                              <a:cs typeface="Cambria Math" charset="0"/>
+                            </a:rPr>
+                          </m:ctrlPr>
+                        </m:sSubSupPr>
+                        <m:e>
+                          <m:r>
+                            <a:rPr lang="en-US" altLang="zh-CN" sz="2000" i="1" dirty="0">
+                              <a:latin typeface="Cambria Math" charset="0"/>
+                              <a:cs typeface="Cambria Math" charset="0"/>
+                            </a:rPr>
+                            <m:t>𝑟</m:t>
+                          </m:r>
+                        </m:e>
+                        <m:sub>
+                          <m:r>
+                            <a:rPr lang="en-US" altLang="zh-CN" sz="2000" i="1" dirty="0">
+                              <a:latin typeface="Cambria Math" charset="0"/>
+                              <a:cs typeface="Cambria Math" charset="0"/>
+                            </a:rPr>
+                            <m:t>𝑖</m:t>
+                          </m:r>
+                        </m:sub>
+                        <m:sup>
+                          <m:r>
+                            <a:rPr lang="en-US" altLang="zh-CN" sz="2000" i="1" dirty="0">
+                              <a:latin typeface="Cambria Math" charset="0"/>
+                              <a:cs typeface="Cambria Math" charset="0"/>
+                            </a:rPr>
+                            <m:t>2</m:t>
+                          </m:r>
+                        </m:sup>
+                      </m:sSubSup>
+                      <m:r>
+                        <a:rPr lang="en-US" altLang="zh-CN" sz="2000" i="1" dirty="0">
+                          <a:latin typeface="Cambria Math" charset="0"/>
+                          <a:cs typeface="Cambria Math" charset="0"/>
+                        </a:rPr>
+                        <m:t>)</m:t>
+                      </m:r>
+                    </m:oMath>
+                  </m:oMathPara>
+                </a14:m>
+                <a:endParaRPr lang="zh-CN" altLang="en-US" sz="2000"/>
+              </a:p>
+            </p:txBody>
+          </p:sp>
+        </mc:Choice>
+        <mc:Fallback>
+          <p:sp>
+            <p:nvSpPr>
+              <p:cNvPr id="16" name="文本框 15"/>
+              <p:cNvSpPr txBox="1">
+                <a:spLocks noRot="1" noChangeAspect="1" noMove="1" noResize="1" noEditPoints="1" noAdjustHandles="1" noChangeArrowheads="1" noChangeShapeType="1" noTextEdit="1"/>
+              </p:cNvSpPr>
+              <p:nvPr/>
+            </p:nvSpPr>
+            <p:spPr>
+              <a:xfrm>
+                <a:off x="8699500" y="4017010"/>
+                <a:ext cx="2569845" cy="660400"/>
+              </a:xfrm>
+              <a:prstGeom prst="rect">
+                <a:avLst/>
+              </a:prstGeom>
+              <a:blipFill rotWithShape="1">
+                <a:blip r:embed="rId2"/>
+                <a:stretch>
+                  <a:fillRect/>
+                </a:stretch>
+              </a:blipFill>
+            </p:spPr>
+            <p:txBody>
+              <a:bodyPr/>
+              <a:lstStyle/>
+              <a:p>
+                <a:r>
+                  <a:rPr lang="zh-CN" altLang="en-US">
+                    <a:noFill/>
+                  </a:rPr>
+                  <a:t> </a:t>
+                </a:r>
+              </a:p>
+            </p:txBody>
+          </p:sp>
+        </mc:Fallback>
+      </mc:AlternateContent>
+      <p:pic>
+        <p:nvPicPr>
+          <p:cNvPr id="7" name="图片 6" descr="/Users/mac/Documents/github/BrainPy-Models/docs/brainpy_handbook/ppt/figs/syns/oja_update.pngoja_update"/>
+          <p:cNvPicPr>
+            <a:picLocks noChangeAspect="1"/>
+          </p:cNvPicPr>
+          <p:nvPr/>
+        </p:nvPicPr>
+        <p:blipFill>
+          <a:blip r:embed="rId3"/>
+          <a:srcRect/>
+          <a:stretch>
+            <a:fillRect/>
+          </a:stretch>
+        </p:blipFill>
+        <p:spPr>
+          <a:xfrm>
+            <a:off x="9345" y="12346141"/>
+            <a:ext cx="10693250" cy="3979545"/>
+          </a:xfrm>
+          <a:prstGeom prst="rect">
+            <a:avLst/>
+          </a:prstGeom>
+        </p:spPr>
+      </p:pic>
+      <p:cxnSp>
+        <p:nvCxnSpPr>
+          <p:cNvPr id="8" name="直接箭头连接符 7"/>
+          <p:cNvCxnSpPr/>
+          <p:nvPr/>
+        </p:nvCxnSpPr>
+        <p:spPr>
+          <a:xfrm>
+            <a:off x="6882639" y="14145895"/>
+            <a:ext cx="756000" cy="0"/>
+          </a:xfrm>
+          <a:prstGeom prst="straightConnector1">
+            <a:avLst/>
+          </a:prstGeom>
+          <a:ln>
+            <a:solidFill>
+              <a:schemeClr val="tx1"/>
+            </a:solidFill>
+            <a:tailEnd type="arrow"/>
+          </a:ln>
+        </p:spPr>
+        <p:style>
+          <a:lnRef idx="1">
+            <a:schemeClr val="accent1"/>
+          </a:lnRef>
+          <a:fillRef idx="0">
+            <a:schemeClr val="accent1"/>
+          </a:fillRef>
+          <a:effectRef idx="0">
+            <a:schemeClr val="accent1"/>
+          </a:effectRef>
+          <a:fontRef idx="minor">
+            <a:schemeClr val="tx1"/>
+          </a:fontRef>
+        </p:style>
+      </p:cxnSp>
+      <mc:AlternateContent xmlns:mc="http://schemas.openxmlformats.org/markup-compatibility/2006">
+        <mc:Choice xmlns:a14="http://schemas.microsoft.com/office/drawing/2010/main" Requires="a14">
+          <p:sp>
+            <p:nvSpPr>
+              <p:cNvPr id="9" name="文本框 8"/>
+              <p:cNvSpPr txBox="1"/>
+              <p:nvPr/>
+            </p:nvSpPr>
+            <p:spPr>
+              <a:xfrm>
+                <a:off x="7653655" y="13884910"/>
+                <a:ext cx="3298825" cy="459105"/>
+              </a:xfrm>
+              <a:prstGeom prst="rect">
+                <a:avLst/>
+              </a:prstGeom>
+              <a:noFill/>
+            </p:spPr>
+            <p:txBody>
+              <a:bodyPr wrap="square" rtlCol="0">
+                <a:spAutoFit/>
+              </a:bodyPr>
+              <a:p>
+                <a14:m>
+                  <m:oMathPara xmlns:m="http://schemas.openxmlformats.org/officeDocument/2006/math">
+                    <m:oMathParaPr>
+                      <m:jc m:val="left"/>
+                    </m:oMathParaPr>
+                    <m:oMath xmlns:m="http://schemas.openxmlformats.org/officeDocument/2006/math">
+                      <m:r>
+                        <a:rPr lang="en-US" altLang="zh-CN" sz="2000">
+                          <a:sym typeface="+mn-ea"/>
+                        </a:rPr>
+                        <m:t>let </m:t>
+                      </m:r>
+                      <m:sSub>
+                        <m:sSubPr>
+                          <m:ctrlPr>
+                            <a:rPr lang="en-US" altLang="zh-CN" sz="2000" i="1">
+                              <a:latin typeface="Cambria Math" charset="0"/>
+                              <a:cs typeface="Cambria Math" charset="0"/>
+                            </a:rPr>
+                          </m:ctrlPr>
+                        </m:sSubPr>
+                        <m:e>
+                          <m:r>
+                            <a:rPr lang="en-US" altLang="zh-CN" sz="2000" i="1">
+                              <a:latin typeface="Cambria Math" charset="0"/>
+                              <a:cs typeface="Cambria Math" charset="0"/>
+                            </a:rPr>
+                            <m:t>𝑎𝑑𝑑</m:t>
+                          </m:r>
+                        </m:e>
+                        <m:sub>
+                          <m:r>
+                            <a:rPr lang="en-US" altLang="zh-CN" sz="2000" i="1">
+                              <a:latin typeface="Cambria Math" charset="0"/>
+                              <a:cs typeface="Cambria Math" charset="0"/>
+                            </a:rPr>
+                            <m:t>𝑗</m:t>
+                          </m:r>
+                        </m:sub>
+                      </m:sSub>
+                      <m:r>
+                        <a:rPr lang="en-US" altLang="zh-CN" sz="2000" i="1" dirty="0">
+                          <a:latin typeface="Cambria Math" charset="0"/>
+                          <a:cs typeface="Cambria Math" charset="0"/>
+                        </a:rPr>
+                        <m:t>=</m:t>
+                      </m:r>
+                      <m:sSub>
+                        <m:sSubPr>
+                          <m:ctrlPr>
+                            <a:rPr lang="en-US" altLang="zh-CN" sz="2000" i="1" dirty="0">
+                              <a:latin typeface="Cambria Math" charset="0"/>
+                              <a:cs typeface="Cambria Math" charset="0"/>
+                            </a:rPr>
+                          </m:ctrlPr>
+                        </m:sSubPr>
+                        <m:e>
+                          <m:sSub>
+                            <m:sSubPr>
+                              <m:ctrlPr>
+                                <a:rPr lang="en-US" altLang="zh-CN" sz="2000" i="1" dirty="0">
+                                  <a:latin typeface="Cambria Math" charset="0"/>
+                                  <a:cs typeface="Cambria Math" charset="0"/>
+                                </a:rPr>
+                              </m:ctrlPr>
+                            </m:sSubPr>
+                            <m:e>
+                              <m:r>
+                                <a:rPr lang="en-US" altLang="zh-CN" sz="2000" i="1" dirty="0">
+                                  <a:latin typeface="Cambria Math" charset="0"/>
+                                  <a:cs typeface="Cambria Math" charset="0"/>
+                                </a:rPr>
+                                <m:t>𝑤</m:t>
+                              </m:r>
+                            </m:e>
+                            <m:sub>
+                              <m:r>
+                                <a:rPr lang="en-US" altLang="zh-CN" sz="2000" i="1" dirty="0">
+                                  <a:latin typeface="Cambria Math" charset="0"/>
+                                  <a:cs typeface="Cambria Math" charset="0"/>
+                                </a:rPr>
+                                <m:t> </m:t>
+                              </m:r>
+                              <m:r>
+                                <a:rPr lang="en-US" altLang="zh-CN" sz="2000" i="1" dirty="0">
+                                  <a:latin typeface="Cambria Math" charset="0"/>
+                                  <a:cs typeface="Cambria Math" charset="0"/>
+                                </a:rPr>
+                                <m:t>𝑖𝑗</m:t>
+                              </m:r>
+                            </m:sub>
+                          </m:sSub>
+                          <m:r>
+                            <a:rPr lang="en-US" altLang="zh-CN" sz="2000" i="1" dirty="0">
+                              <a:latin typeface="Cambria Math" charset="0"/>
+                              <a:cs typeface="Cambria Math" charset="0"/>
+                            </a:rPr>
+                            <m:t>𝑟</m:t>
+                          </m:r>
+                        </m:e>
+                        <m:sub>
+                          <m:r>
+                            <a:rPr lang="en-US" altLang="zh-CN" sz="2000" i="1" dirty="0">
+                              <a:latin typeface="Cambria Math" charset="0"/>
+                              <a:cs typeface="Cambria Math" charset="0"/>
+                            </a:rPr>
+                            <m:t>𝑗</m:t>
+                          </m:r>
+                        </m:sub>
+                      </m:sSub>
+                    </m:oMath>
+                  </m:oMathPara>
+                </a14:m>
+                <a:endParaRPr lang="en-US" altLang="zh-CN" sz="2000"/>
+              </a:p>
+            </p:txBody>
+          </p:sp>
+        </mc:Choice>
+        <mc:Fallback>
+          <p:sp>
+            <p:nvSpPr>
+              <p:cNvPr id="9" name="文本框 8"/>
+              <p:cNvSpPr txBox="1">
+                <a:spLocks noRot="1" noChangeAspect="1" noMove="1" noResize="1" noEditPoints="1" noAdjustHandles="1" noChangeArrowheads="1" noChangeShapeType="1" noTextEdit="1"/>
+              </p:cNvSpPr>
+              <p:nvPr/>
+            </p:nvSpPr>
+            <p:spPr>
+              <a:xfrm>
+                <a:off x="7653655" y="13884910"/>
+                <a:ext cx="3298825" cy="459105"/>
+              </a:xfrm>
+              <a:prstGeom prst="rect">
+                <a:avLst/>
+              </a:prstGeom>
+              <a:blipFill rotWithShape="1">
+                <a:blip r:embed="rId4"/>
+                <a:stretch>
+                  <a:fillRect/>
+                </a:stretch>
+              </a:blipFill>
+            </p:spPr>
+            <p:txBody>
+              <a:bodyPr/>
+              <a:lstStyle/>
+              <a:p>
+                <a:r>
+                  <a:rPr lang="zh-CN" altLang="en-US">
+                    <a:noFill/>
+                  </a:rPr>
+                  <a:t> </a:t>
+                </a:r>
+              </a:p>
+            </p:txBody>
+          </p:sp>
+        </mc:Fallback>
+      </mc:AlternateContent>
+      <mc:AlternateContent xmlns:mc="http://schemas.openxmlformats.org/markup-compatibility/2006">
+        <mc:Choice xmlns:a14="http://schemas.microsoft.com/office/drawing/2010/main" Requires="a14">
+          <p:sp>
+            <p:nvSpPr>
+              <p:cNvPr id="12" name="文本框 11"/>
+              <p:cNvSpPr txBox="1"/>
+              <p:nvPr/>
+            </p:nvSpPr>
+            <p:spPr>
+              <a:xfrm>
+                <a:off x="7638415" y="13463905"/>
+                <a:ext cx="4533265" cy="512445"/>
+              </a:xfrm>
+              <a:prstGeom prst="rect">
+                <a:avLst/>
+              </a:prstGeom>
+              <a:noFill/>
+            </p:spPr>
+            <p:txBody>
+              <a:bodyPr wrap="square" rtlCol="0">
+                <a:spAutoFit/>
+              </a:bodyPr>
+              <a:p>
+                <a:r>
+                  <a:rPr lang="en-US" altLang="zh-CN" sz="2000"/>
+                  <a:t>rate model:</a:t>
+                </a:r>
+                <a14:m>
+                  <m:oMath xmlns:m="http://schemas.openxmlformats.org/officeDocument/2006/math">
+                    <m:r>
+                      <a:rPr lang="en-US" altLang="zh-CN" sz="2000">
+                        <a:latin typeface="Cambria Math" charset="0"/>
+                      </a:rPr>
+                      <m:t> </m:t>
+                    </m:r>
+                    <m:sSub>
+                      <m:sSubPr>
+                        <m:ctrlPr>
+                          <a:rPr lang="en-US" altLang="zh-CN" sz="2000" i="1">
+                            <a:latin typeface="Cambria Math" charset="0"/>
+                            <a:cs typeface="Cambria Math" charset="0"/>
+                          </a:rPr>
+                        </m:ctrlPr>
+                      </m:sSubPr>
+                      <m:e>
+                        <m:r>
+                          <a:rPr lang="en-US" altLang="zh-CN" sz="2000" i="1">
+                            <a:latin typeface="Cambria Math" charset="0"/>
+                            <a:cs typeface="Cambria Math" charset="0"/>
+                          </a:rPr>
+                          <m:t>𝑟</m:t>
+                        </m:r>
+                      </m:e>
+                      <m:sub>
+                        <m:r>
+                          <a:rPr lang="en-US" altLang="zh-CN" sz="2000" i="1">
+                            <a:latin typeface="Cambria Math" charset="0"/>
+                            <a:cs typeface="Cambria Math" charset="0"/>
+                          </a:rPr>
+                          <m:t>𝑖</m:t>
+                        </m:r>
+                      </m:sub>
+                    </m:sSub>
+                    <m:r>
+                      <a:rPr lang="en-US" altLang="zh-CN" sz="2000" i="1" dirty="0">
+                        <a:latin typeface="Cambria Math" charset="0"/>
+                        <a:cs typeface="Cambria Math" charset="0"/>
+                      </a:rPr>
+                      <m:t>=</m:t>
+                    </m:r>
+                    <m:sSub>
+                      <m:sSubPr>
+                        <m:ctrlPr>
+                          <a:rPr lang="en-US" altLang="zh-CN" sz="2000" i="1" dirty="0">
+                            <a:latin typeface="Cambria Math" charset="0"/>
+                            <a:cs typeface="Cambria Math" charset="0"/>
+                          </a:rPr>
+                        </m:ctrlPr>
+                      </m:sSubPr>
+                      <m:e>
+                        <m:nary>
+                          <m:naryPr>
+                            <m:chr m:val="∑"/>
+                            <m:limLoc m:val="undOvr"/>
+                            <m:supHide m:val="on"/>
+                            <m:ctrlPr>
+                              <a:rPr lang="en-US" altLang="zh-CN" sz="2000" i="1" dirty="0">
+                                <a:latin typeface="Cambria Math" charset="0"/>
+                                <a:cs typeface="Cambria Math" charset="0"/>
+                              </a:rPr>
+                            </m:ctrlPr>
+                          </m:naryPr>
+                          <m:sub>
+                            <m:r>
+                              <a:rPr lang="en-US" altLang="zh-CN" sz="2000" i="1" dirty="0">
+                                <a:latin typeface="Cambria Math" charset="0"/>
+                                <a:cs typeface="Cambria Math" charset="0"/>
+                              </a:rPr>
+                              <m:t>𝑗</m:t>
+                            </m:r>
+                          </m:sub>
+                          <m:sup/>
+                          <m:e>
+                            <m:sSub>
+                              <m:sSubPr>
+                                <m:ctrlPr>
+                                  <a:rPr lang="en-US" altLang="zh-CN" sz="2000" i="1" dirty="0">
+                                    <a:latin typeface="Cambria Math" charset="0"/>
+                                    <a:cs typeface="Cambria Math" charset="0"/>
+                                  </a:rPr>
+                                </m:ctrlPr>
+                              </m:sSubPr>
+                              <m:e>
+                                <m:r>
+                                  <a:rPr lang="en-US" altLang="zh-CN" sz="2000" i="1" dirty="0">
+                                    <a:latin typeface="Cambria Math" charset="0"/>
+                                    <a:cs typeface="Cambria Math" charset="0"/>
+                                  </a:rPr>
+                                  <m:t>𝑤</m:t>
+                                </m:r>
+                              </m:e>
+                              <m:sub>
+                                <m:r>
+                                  <a:rPr lang="en-US" altLang="zh-CN" sz="2000" i="1" dirty="0">
+                                    <a:latin typeface="Cambria Math" charset="0"/>
+                                    <a:cs typeface="Cambria Math" charset="0"/>
+                                  </a:rPr>
+                                  <m:t> </m:t>
+                                </m:r>
+                                <m:r>
+                                  <a:rPr lang="en-US" altLang="zh-CN" sz="2000" i="1" dirty="0">
+                                    <a:latin typeface="Cambria Math" charset="0"/>
+                                    <a:cs typeface="Cambria Math" charset="0"/>
+                                  </a:rPr>
+                                  <m:t>𝑖𝑗</m:t>
+                                </m:r>
+                              </m:sub>
+                            </m:sSub>
+                          </m:e>
+                        </m:nary>
+                      </m:e>
+                      <m:sub>
+                        <m:r>
+                          <a:rPr lang="en-US" altLang="zh-CN" sz="2000" i="1" dirty="0">
+                            <a:latin typeface="Cambria Math" charset="0"/>
+                            <a:cs typeface="Cambria Math" charset="0"/>
+                          </a:rPr>
+                          <m:t> </m:t>
+                        </m:r>
+                      </m:sub>
+                    </m:sSub>
+                    <m:sSub>
+                      <m:sSubPr>
+                        <m:ctrlPr>
+                          <a:rPr lang="en-US" altLang="zh-CN" sz="2000" i="1" dirty="0">
+                            <a:latin typeface="Cambria Math" charset="0"/>
+                            <a:cs typeface="Cambria Math" charset="0"/>
+                          </a:rPr>
+                        </m:ctrlPr>
+                      </m:sSubPr>
+                      <m:e>
+                        <m:r>
+                          <a:rPr lang="en-US" altLang="zh-CN" sz="2000" i="1" dirty="0">
+                            <a:latin typeface="Cambria Math" charset="0"/>
+                            <a:cs typeface="Cambria Math" charset="0"/>
+                          </a:rPr>
+                          <m:t>𝑟</m:t>
+                        </m:r>
+                      </m:e>
+                      <m:sub>
+                        <m:r>
+                          <a:rPr lang="en-US" altLang="zh-CN" sz="2000" i="1" dirty="0">
+                            <a:latin typeface="Cambria Math" charset="0"/>
+                            <a:cs typeface="Cambria Math" charset="0"/>
+                          </a:rPr>
+                          <m:t>𝑗</m:t>
+                        </m:r>
+                      </m:sub>
+                    </m:sSub>
+                  </m:oMath>
+                </a14:m>
+                <a:endParaRPr lang="en-US" altLang="zh-CN" sz="2000"/>
+              </a:p>
+            </p:txBody>
+          </p:sp>
+        </mc:Choice>
+        <mc:Fallback>
+          <p:sp>
+            <p:nvSpPr>
+              <p:cNvPr id="12" name="文本框 11"/>
+              <p:cNvSpPr txBox="1">
+                <a:spLocks noRot="1" noChangeAspect="1" noMove="1" noResize="1" noEditPoints="1" noAdjustHandles="1" noChangeArrowheads="1" noChangeShapeType="1" noTextEdit="1"/>
+              </p:cNvSpPr>
+              <p:nvPr/>
+            </p:nvSpPr>
+            <p:spPr>
+              <a:xfrm>
+                <a:off x="7638415" y="13463905"/>
+                <a:ext cx="4533265" cy="512445"/>
+              </a:xfrm>
+              <a:prstGeom prst="rect">
+                <a:avLst/>
+              </a:prstGeom>
+              <a:blipFill rotWithShape="1">
+                <a:blip r:embed="rId5"/>
+                <a:stretch>
+                  <a:fillRect/>
+                </a:stretch>
+              </a:blipFill>
+            </p:spPr>
+            <p:txBody>
+              <a:bodyPr/>
+              <a:lstStyle/>
+              <a:p>
+                <a:r>
+                  <a:rPr lang="zh-CN" altLang="en-US">
+                    <a:noFill/>
+                  </a:rPr>
+                  <a:t> </a:t>
+                </a:r>
+              </a:p>
+            </p:txBody>
+          </p:sp>
+        </mc:Fallback>
+      </mc:AlternateContent>
+      <p:cxnSp>
+        <p:nvCxnSpPr>
+          <p:cNvPr id="13" name="直接箭头连接符 12"/>
+          <p:cNvCxnSpPr/>
+          <p:nvPr/>
+        </p:nvCxnSpPr>
+        <p:spPr>
+          <a:xfrm>
+            <a:off x="6882639" y="14509750"/>
+            <a:ext cx="756000" cy="0"/>
+          </a:xfrm>
+          <a:prstGeom prst="straightConnector1">
+            <a:avLst/>
+          </a:prstGeom>
+          <a:ln>
+            <a:solidFill>
+              <a:schemeClr val="tx1"/>
+            </a:solidFill>
+            <a:tailEnd type="arrow"/>
+          </a:ln>
+        </p:spPr>
+        <p:style>
+          <a:lnRef idx="1">
+            <a:schemeClr val="accent1"/>
+          </a:lnRef>
+          <a:fillRef idx="0">
+            <a:schemeClr val="accent1"/>
+          </a:fillRef>
+          <a:effectRef idx="0">
+            <a:schemeClr val="accent1"/>
+          </a:effectRef>
+          <a:fontRef idx="minor">
+            <a:schemeClr val="tx1"/>
+          </a:fontRef>
+        </p:style>
+      </p:cxnSp>
+      <mc:AlternateContent xmlns:mc="http://schemas.openxmlformats.org/markup-compatibility/2006">
+        <mc:Choice xmlns:a14="http://schemas.microsoft.com/office/drawing/2010/main" Requires="a14">
+          <p:sp>
+            <p:nvSpPr>
+              <p:cNvPr id="15" name="文本框 14"/>
+              <p:cNvSpPr txBox="1"/>
+              <p:nvPr/>
+            </p:nvSpPr>
+            <p:spPr>
+              <a:xfrm>
+                <a:off x="7649210" y="14307820"/>
+                <a:ext cx="3298825" cy="510540"/>
+              </a:xfrm>
+              <a:prstGeom prst="rect">
+                <a:avLst/>
+              </a:prstGeom>
+              <a:noFill/>
+            </p:spPr>
+            <p:txBody>
+              <a:bodyPr wrap="square" rtlCol="0">
+                <a:spAutoFit/>
+              </a:bodyPr>
+              <a:p>
+                <a:r>
+                  <a:rPr lang="en-US" altLang="zh-CN" sz="2000">
+                    <a:sym typeface="+mn-ea"/>
+                  </a:rPr>
+                  <a:t>then </a:t>
+                </a:r>
+                <a14:m>
+                  <m:oMath xmlns:m="http://schemas.openxmlformats.org/officeDocument/2006/math">
+                    <m:sSub>
+                      <m:sSubPr>
+                        <m:ctrlPr>
+                          <a:rPr lang="en-US" altLang="zh-CN" sz="2000" i="1">
+                            <a:latin typeface="Cambria Math" charset="0"/>
+                            <a:cs typeface="Cambria Math" charset="0"/>
+                          </a:rPr>
+                        </m:ctrlPr>
+                      </m:sSubPr>
+                      <m:e>
+                        <m:r>
+                          <a:rPr lang="en-US" altLang="zh-CN" sz="2000" i="1">
+                            <a:latin typeface="Cambria Math" charset="0"/>
+                            <a:cs typeface="Cambria Math" charset="0"/>
+                          </a:rPr>
+                          <m:t>𝑟</m:t>
+                        </m:r>
+                      </m:e>
+                      <m:sub>
+                        <m:r>
+                          <a:rPr lang="en-US" altLang="zh-CN" sz="2000" i="1">
+                            <a:latin typeface="Cambria Math" charset="0"/>
+                            <a:cs typeface="Cambria Math" charset="0"/>
+                          </a:rPr>
+                          <m:t>𝑖</m:t>
+                        </m:r>
+                      </m:sub>
+                    </m:sSub>
+                    <m:r>
+                      <a:rPr lang="en-US" altLang="zh-CN" sz="2000" i="1" dirty="0">
+                        <a:latin typeface="Cambria Math" charset="0"/>
+                        <a:cs typeface="Cambria Math" charset="0"/>
+                      </a:rPr>
+                      <m:t>=</m:t>
+                    </m:r>
+                    <m:sSub>
+                      <m:sSubPr>
+                        <m:ctrlPr>
+                          <a:rPr lang="en-US" altLang="zh-CN" sz="2000" i="1" dirty="0">
+                            <a:latin typeface="Cambria Math" charset="0"/>
+                            <a:cs typeface="Cambria Math" charset="0"/>
+                          </a:rPr>
+                        </m:ctrlPr>
+                      </m:sSubPr>
+                      <m:e>
+                        <m:nary>
+                          <m:naryPr>
+                            <m:chr m:val="∑"/>
+                            <m:limLoc m:val="undOvr"/>
+                            <m:supHide m:val="on"/>
+                            <m:ctrlPr>
+                              <a:rPr lang="en-US" altLang="zh-CN" sz="2000" i="1" dirty="0">
+                                <a:latin typeface="Cambria Math" charset="0"/>
+                                <a:cs typeface="Cambria Math" charset="0"/>
+                              </a:rPr>
+                            </m:ctrlPr>
+                          </m:naryPr>
+                          <m:sub>
+                            <m:r>
+                              <a:rPr lang="en-US" altLang="zh-CN" sz="2000" i="1" dirty="0">
+                                <a:latin typeface="Cambria Math" charset="0"/>
+                                <a:cs typeface="Cambria Math" charset="0"/>
+                              </a:rPr>
+                              <m:t>𝑗</m:t>
+                            </m:r>
+                          </m:sub>
+                          <m:sup/>
+                          <m:e>
+                            <m:sSub>
+                              <m:sSubPr>
+                                <m:ctrlPr>
+                                  <a:rPr lang="en-US" altLang="zh-CN" sz="2000" i="1" dirty="0">
+                                    <a:latin typeface="Cambria Math" charset="0"/>
+                                    <a:cs typeface="Cambria Math" charset="0"/>
+                                  </a:rPr>
+                                </m:ctrlPr>
+                              </m:sSubPr>
+                              <m:e>
+                                <m:r>
+                                  <a:rPr lang="en-US" altLang="zh-CN" sz="2000" i="1" dirty="0">
+                                    <a:latin typeface="Cambria Math" charset="0"/>
+                                    <a:cs typeface="Cambria Math" charset="0"/>
+                                  </a:rPr>
+                                  <m:t>𝑎𝑑𝑑</m:t>
+                                </m:r>
+                              </m:e>
+                              <m:sub>
+                                <m:r>
+                                  <a:rPr lang="en-US" altLang="zh-CN" sz="2000" i="1" dirty="0">
+                                    <a:latin typeface="Cambria Math" charset="0"/>
+                                    <a:cs typeface="Cambria Math" charset="0"/>
+                                  </a:rPr>
+                                  <m:t>𝑗</m:t>
+                                </m:r>
+                              </m:sub>
+                            </m:sSub>
+                          </m:e>
+                        </m:nary>
+                      </m:e>
+                      <m:sub>
+                        <m:r>
+                          <a:rPr lang="en-US" altLang="zh-CN" sz="2000" i="1" dirty="0">
+                            <a:latin typeface="Cambria Math" charset="0"/>
+                            <a:cs typeface="Cambria Math" charset="0"/>
+                          </a:rPr>
+                          <m:t> </m:t>
+                        </m:r>
+                      </m:sub>
+                    </m:sSub>
+                  </m:oMath>
+                </a14:m>
+                <a:endParaRPr lang="en-US" altLang="zh-CN" sz="2000"/>
+              </a:p>
+            </p:txBody>
+          </p:sp>
+        </mc:Choice>
+        <mc:Fallback>
+          <p:sp>
+            <p:nvSpPr>
+              <p:cNvPr id="15" name="文本框 14"/>
+              <p:cNvSpPr txBox="1">
+                <a:spLocks noRot="1" noChangeAspect="1" noMove="1" noResize="1" noEditPoints="1" noAdjustHandles="1" noChangeArrowheads="1" noChangeShapeType="1" noTextEdit="1"/>
+              </p:cNvSpPr>
+              <p:nvPr/>
+            </p:nvSpPr>
+            <p:spPr>
+              <a:xfrm>
+                <a:off x="7649210" y="14307820"/>
+                <a:ext cx="3298825" cy="510540"/>
+              </a:xfrm>
+              <a:prstGeom prst="rect">
+                <a:avLst/>
+              </a:prstGeom>
+              <a:blipFill rotWithShape="1">
+                <a:blip r:embed="rId6"/>
+                <a:stretch>
+                  <a:fillRect/>
+                </a:stretch>
+              </a:blipFill>
+            </p:spPr>
+            <p:txBody>
+              <a:bodyPr/>
+              <a:lstStyle/>
+              <a:p>
+                <a:r>
+                  <a:rPr lang="zh-CN" altLang="en-US">
+                    <a:noFill/>
+                  </a:rPr>
+                  <a:t> </a:t>
+                </a:r>
+              </a:p>
+            </p:txBody>
+          </p:sp>
+        </mc:Fallback>
+      </mc:AlternateContent>
+      <mc:AlternateContent xmlns:mc="http://schemas.openxmlformats.org/markup-compatibility/2006">
+        <mc:Choice xmlns:a14="http://schemas.microsoft.com/office/drawing/2010/main" Requires="a14">
+          <p:sp>
+            <p:nvSpPr>
+              <p:cNvPr id="17" name="文本框 16"/>
+              <p:cNvSpPr txBox="1"/>
+              <p:nvPr/>
+            </p:nvSpPr>
+            <p:spPr>
+              <a:xfrm>
+                <a:off x="5161280" y="15636240"/>
+                <a:ext cx="4086225" cy="1433830"/>
+              </a:xfrm>
+              <a:prstGeom prst="rect">
+                <a:avLst/>
+              </a:prstGeom>
+              <a:noFill/>
+            </p:spPr>
+            <p:txBody>
+              <a:bodyPr wrap="square" rtlCol="0">
+                <a:spAutoFit/>
+              </a:bodyPr>
+              <a:p>
+                <a14:m>
+                  <m:oMath xmlns:m="http://schemas.openxmlformats.org/officeDocument/2006/math">
+                    <m:sSub>
+                      <m:sSubPr>
+                        <m:ctrlPr>
+                          <a:rPr lang="en-US" altLang="zh-CN" sz="2000" i="1">
+                            <a:latin typeface="Cambria Math" charset="0"/>
+                            <a:cs typeface="Cambria Math" charset="0"/>
+                          </a:rPr>
+                        </m:ctrlPr>
+                      </m:sSubPr>
+                      <m:e>
+                        <m:r>
+                          <a:rPr lang="en-US" altLang="zh-CN" sz="2000" i="1">
+                            <a:latin typeface="Cambria Math" charset="0"/>
+                            <a:cs typeface="Cambria Math" charset="0"/>
+                          </a:rPr>
+                          <m:t>𝑟</m:t>
+                        </m:r>
+                      </m:e>
+                      <m:sub>
+                        <m:r>
+                          <a:rPr lang="en-US" altLang="zh-CN" sz="2000" i="1">
+                            <a:latin typeface="Cambria Math" charset="0"/>
+                            <a:cs typeface="Cambria Math" charset="0"/>
+                          </a:rPr>
+                          <m:t>𝑖</m:t>
+                        </m:r>
+                      </m:sub>
+                    </m:sSub>
+                    <m:r>
+                      <a:rPr lang="en-US" altLang="zh-CN" sz="2000" i="1" dirty="0">
+                        <a:latin typeface="Cambria Math" charset="0"/>
+                        <a:cs typeface="Cambria Math" charset="0"/>
+                      </a:rPr>
+                      <m:t>=</m:t>
+                    </m:r>
+                    <m:sSub>
+                      <m:sSubPr>
+                        <m:ctrlPr>
+                          <a:rPr lang="en-US" altLang="zh-CN" sz="2000" i="1" dirty="0">
+                            <a:latin typeface="Cambria Math" charset="0"/>
+                            <a:cs typeface="Cambria Math" charset="0"/>
+                          </a:rPr>
+                        </m:ctrlPr>
+                      </m:sSubPr>
+                      <m:e>
+                        <m:nary>
+                          <m:naryPr>
+                            <m:chr m:val="∑"/>
+                            <m:limLoc m:val="undOvr"/>
+                            <m:supHide m:val="on"/>
+                            <m:ctrlPr>
+                              <a:rPr lang="en-US" altLang="zh-CN" sz="2000" i="1" dirty="0">
+                                <a:latin typeface="Cambria Math" charset="0"/>
+                                <a:cs typeface="Cambria Math" charset="0"/>
+                              </a:rPr>
+                            </m:ctrlPr>
+                          </m:naryPr>
+                          <m:sub>
+                            <m:r>
+                              <a:rPr lang="en-US" altLang="zh-CN" sz="2000" i="1" dirty="0">
+                                <a:latin typeface="Cambria Math" charset="0"/>
+                                <a:cs typeface="Cambria Math" charset="0"/>
+                              </a:rPr>
+                              <m:t>𝑗</m:t>
+                            </m:r>
+                          </m:sub>
+                          <m:sup/>
+                          <m:e>
+                            <m:sSub>
+                              <m:sSubPr>
+                                <m:ctrlPr>
+                                  <a:rPr lang="en-US" altLang="zh-CN" sz="2000" i="1" dirty="0">
+                                    <a:latin typeface="Cambria Math" charset="0"/>
+                                    <a:cs typeface="Cambria Math" charset="0"/>
+                                  </a:rPr>
+                                </m:ctrlPr>
+                              </m:sSubPr>
+                              <m:e>
+                                <m:r>
+                                  <a:rPr lang="en-US" altLang="zh-CN" sz="2000" i="1" dirty="0">
+                                    <a:latin typeface="Cambria Math" charset="0"/>
+                                    <a:cs typeface="Cambria Math" charset="0"/>
+                                  </a:rPr>
+                                  <m:t>𝑎𝑑𝑑</m:t>
+                                </m:r>
+                              </m:e>
+                              <m:sub>
+                                <m:r>
+                                  <a:rPr lang="en-US" altLang="zh-CN" sz="2000" i="1" dirty="0">
+                                    <a:latin typeface="Cambria Math" charset="0"/>
+                                    <a:cs typeface="Cambria Math" charset="0"/>
+                                  </a:rPr>
+                                  <m:t>𝑗</m:t>
+                                </m:r>
+                              </m:sub>
+                            </m:sSub>
+                          </m:e>
+                        </m:nary>
+                      </m:e>
+                      <m:sub>
+                        <m:r>
+                          <a:rPr lang="en-US" altLang="zh-CN" sz="2000" i="1" dirty="0">
+                            <a:latin typeface="Cambria Math" charset="0"/>
+                            <a:cs typeface="Cambria Math" charset="0"/>
+                          </a:rPr>
+                          <m:t> </m:t>
+                        </m:r>
+                      </m:sub>
+                    </m:sSub>
+                  </m:oMath>
+                </a14:m>
+                <a:r>
+                  <a:rPr lang="en-US" altLang="zh-CN" sz="2000"/>
+                  <a:t> </a:t>
+                </a:r>
+                <a:endParaRPr lang="en-US" altLang="zh-CN" sz="2000"/>
+              </a:p>
+              <a:p>
+                <a:r>
+                  <a:rPr lang="en-US" altLang="zh-CN" sz="2000"/>
+                  <a:t>Note that the effects of pre groups are simultaneously, so we update post_r after the for loop</a:t>
+                </a:r>
+                <a:endParaRPr lang="en-US" altLang="zh-CN" sz="2000"/>
+              </a:p>
+            </p:txBody>
+          </p:sp>
+        </mc:Choice>
+        <mc:Fallback>
+          <p:sp>
+            <p:nvSpPr>
+              <p:cNvPr id="17" name="文本框 16"/>
+              <p:cNvSpPr txBox="1">
+                <a:spLocks noRot="1" noChangeAspect="1" noMove="1" noResize="1" noEditPoints="1" noAdjustHandles="1" noChangeArrowheads="1" noChangeShapeType="1" noTextEdit="1"/>
+              </p:cNvSpPr>
+              <p:nvPr/>
+            </p:nvSpPr>
+            <p:spPr>
+              <a:xfrm>
+                <a:off x="5161280" y="15636240"/>
+                <a:ext cx="4086225" cy="1433830"/>
+              </a:xfrm>
+              <a:prstGeom prst="rect">
+                <a:avLst/>
+              </a:prstGeom>
+              <a:blipFill rotWithShape="1">
+                <a:blip r:embed="rId7"/>
+                <a:stretch>
+                  <a:fillRect/>
+                </a:stretch>
+              </a:blipFill>
+            </p:spPr>
+            <p:txBody>
+              <a:bodyPr/>
+              <a:lstStyle/>
+              <a:p>
+                <a:r>
+                  <a:rPr lang="zh-CN" altLang="en-US">
+                    <a:noFill/>
+                  </a:rPr>
+                  <a:t> </a:t>
+                </a:r>
+              </a:p>
+            </p:txBody>
+          </p:sp>
+        </mc:Fallback>
+      </mc:AlternateContent>
+      <p:cxnSp>
+        <p:nvCxnSpPr>
+          <p:cNvPr id="19" name="直接箭头连接符 18"/>
+          <p:cNvCxnSpPr/>
+          <p:nvPr/>
+        </p:nvCxnSpPr>
+        <p:spPr>
+          <a:xfrm>
+            <a:off x="4405504" y="15833090"/>
+            <a:ext cx="756000" cy="0"/>
+          </a:xfrm>
+          <a:prstGeom prst="straightConnector1">
+            <a:avLst/>
+          </a:prstGeom>
+          <a:ln>
+            <a:solidFill>
+              <a:schemeClr val="tx1"/>
+            </a:solidFill>
+            <a:tailEnd type="arrow"/>
+          </a:ln>
+        </p:spPr>
+        <p:style>
+          <a:lnRef idx="1">
+            <a:schemeClr val="accent1"/>
+          </a:lnRef>
+          <a:fillRef idx="0">
+            <a:schemeClr val="accent1"/>
+          </a:fillRef>
+          <a:effectRef idx="0">
+            <a:schemeClr val="accent1"/>
+          </a:effectRef>
+          <a:fontRef idx="minor">
+            <a:schemeClr val="tx1"/>
+          </a:fontRef>
+        </p:style>
+      </p:cxnSp>
+      <p:cxnSp>
+        <p:nvCxnSpPr>
+          <p:cNvPr id="20" name="直接箭头连接符 19"/>
+          <p:cNvCxnSpPr/>
+          <p:nvPr/>
+        </p:nvCxnSpPr>
+        <p:spPr>
+          <a:xfrm>
+            <a:off x="7922134" y="15459710"/>
+            <a:ext cx="756000" cy="0"/>
+          </a:xfrm>
+          <a:prstGeom prst="straightConnector1">
+            <a:avLst/>
+          </a:prstGeom>
+          <a:ln>
+            <a:solidFill>
+              <a:schemeClr val="tx1"/>
+            </a:solidFill>
+            <a:tailEnd type="arrow"/>
+          </a:ln>
+        </p:spPr>
+        <p:style>
+          <a:lnRef idx="1">
+            <a:schemeClr val="accent1"/>
+          </a:lnRef>
+          <a:fillRef idx="0">
+            <a:schemeClr val="accent1"/>
+          </a:fillRef>
+          <a:effectRef idx="0">
+            <a:schemeClr val="accent1"/>
+          </a:effectRef>
+          <a:fontRef idx="minor">
+            <a:schemeClr val="tx1"/>
+          </a:fontRef>
+        </p:style>
+      </p:cxnSp>
+      <p:sp>
+        <p:nvSpPr>
+          <p:cNvPr id="21" name="文本框 20"/>
+          <p:cNvSpPr txBox="1"/>
+          <p:nvPr/>
+        </p:nvSpPr>
+        <p:spPr>
+          <a:xfrm>
+            <a:off x="8704580" y="15135225"/>
+            <a:ext cx="4533265" cy="706755"/>
+          </a:xfrm>
+          <a:prstGeom prst="rect">
+            <a:avLst/>
+          </a:prstGeom>
+          <a:noFill/>
+        </p:spPr>
+        <p:txBody>
+          <a:bodyPr wrap="square" rtlCol="0">
+            <a:spAutoFit/>
+          </a:bodyPr>
+          <a:p>
+            <a:r>
+              <a:rPr lang="en-US" altLang="zh-CN" sz="2000"/>
+              <a:t>use self.post.r, not post_r, see next line for the reason.</a:t>
+            </a:r>
+            <a:endParaRPr lang="en-US" altLang="zh-CN" sz="2000"/>
+          </a:p>
+        </p:txBody>
+      </p:sp>
+      <p:cxnSp>
+        <p:nvCxnSpPr>
+          <p:cNvPr id="22" name="直接箭头连接符 21"/>
+          <p:cNvCxnSpPr/>
+          <p:nvPr/>
+        </p:nvCxnSpPr>
+        <p:spPr>
+          <a:xfrm>
+            <a:off x="3927475" y="2686685"/>
+            <a:ext cx="2124000" cy="0"/>
+          </a:xfrm>
+          <a:prstGeom prst="straightConnector1">
+            <a:avLst/>
+          </a:prstGeom>
+          <a:ln>
+            <a:solidFill>
+              <a:schemeClr val="tx1"/>
+            </a:solidFill>
+            <a:tailEnd type="arrow"/>
+          </a:ln>
+        </p:spPr>
+        <p:style>
+          <a:lnRef idx="1">
+            <a:schemeClr val="accent1"/>
+          </a:lnRef>
+          <a:fillRef idx="0">
+            <a:schemeClr val="accent1"/>
+          </a:fillRef>
+          <a:effectRef idx="0">
+            <a:schemeClr val="accent1"/>
+          </a:effectRef>
+          <a:fontRef idx="minor">
+            <a:schemeClr val="tx1"/>
+          </a:fontRef>
+        </p:style>
+      </p:cxnSp>
+      <p:sp>
+        <p:nvSpPr>
+          <p:cNvPr id="23" name="文本框 22"/>
+          <p:cNvSpPr txBox="1"/>
+          <p:nvPr/>
+        </p:nvSpPr>
+        <p:spPr>
+          <a:xfrm>
+            <a:off x="6074410" y="2192655"/>
+            <a:ext cx="4896485" cy="1014730"/>
+          </a:xfrm>
+          <a:prstGeom prst="rect">
+            <a:avLst/>
+          </a:prstGeom>
+          <a:noFill/>
+        </p:spPr>
+        <p:txBody>
+          <a:bodyPr wrap="square" rtlCol="0">
+            <a:spAutoFit/>
+          </a:bodyPr>
+          <a:p>
+            <a:r>
+              <a:rPr lang="en-US" altLang="zh-CN" sz="2000"/>
+              <a:t>bp.TwoEndConn class: </a:t>
+            </a:r>
+            <a:br>
+              <a:rPr lang="en-US" altLang="zh-CN" sz="2000"/>
+            </a:br>
+            <a:r>
+              <a:rPr lang="en-US" altLang="zh-CN" sz="2000"/>
+              <a:t>Learning rule occur between two neuron groups</a:t>
+            </a:r>
+            <a:endParaRPr lang="en-US" altLang="zh-CN" sz="2000"/>
+          </a:p>
+        </p:txBody>
+      </p:sp>
+    </p:spTree>
+  </p:cSld>
+  <p:clrMapOvr>
+    <a:masterClrMapping/>
+  </p:clrMapOvr>
+</p:sld>
+</file>
+
+<file path=ppt/slides/slide15.xml><?xml version="1.0" encoding="utf-8"?>
+<p:sld xmlns:a="http://schemas.openxmlformats.org/drawingml/2006/main" xmlns:r="http://schemas.openxmlformats.org/officeDocument/2006/relationships" xmlns:p="http://schemas.openxmlformats.org/presentationml/2006/main">
+  <p:cSld>
+    <p:spTree>
+      <p:nvGrpSpPr>
+        <p:cNvPr id="1" name=""/>
+        <p:cNvGrpSpPr/>
+        <p:nvPr/>
+      </p:nvGrpSpPr>
+      <p:grpSpPr/>
+      <p:sp>
+        <p:nvSpPr>
+          <p:cNvPr id="2" name="标题 1"/>
+          <p:cNvSpPr>
+            <a:spLocks noGrp="1"/>
+          </p:cNvSpPr>
+          <p:nvPr>
+            <p:ph type="title"/>
+          </p:nvPr>
+        </p:nvSpPr>
+        <p:spPr>
+          <a:xfrm>
+            <a:off x="942975" y="528320"/>
+            <a:ext cx="11830050" cy="1216660"/>
+          </a:xfrm>
+        </p:spPr>
+        <p:txBody>
+          <a:bodyPr/>
+          <a:p>
+            <a:pPr algn="ctr"/>
+            <a:r>
+              <a:rPr lang="en-US" altLang="zh-CN" sz="5400">
+                <a:cs typeface="+mj-lt"/>
+              </a:rPr>
+              <a:t>Oja</a:t>
+            </a:r>
+            <a:endParaRPr lang="en-US" altLang="zh-CN" sz="5400">
+              <a:cs typeface="+mj-lt"/>
+            </a:endParaRPr>
+          </a:p>
+        </p:txBody>
+      </p:sp>
+      <p:pic>
+        <p:nvPicPr>
+          <p:cNvPr id="5" name="图片 4" descr="/Users/mac/Documents/github/BrainPy-Models/docs/brainpy_handbook/ppt/figs/syns/oja_run_neu.pngoja_run_neu"/>
+          <p:cNvPicPr>
+            <a:picLocks noChangeAspect="1"/>
+          </p:cNvPicPr>
+          <p:nvPr/>
+        </p:nvPicPr>
+        <p:blipFill>
+          <a:blip r:embed="rId1"/>
+          <a:srcRect/>
+          <a:stretch>
+            <a:fillRect/>
+          </a:stretch>
+        </p:blipFill>
+        <p:spPr>
+          <a:xfrm>
+            <a:off x="-180" y="2292186"/>
+            <a:ext cx="10693250" cy="2995295"/>
+          </a:xfrm>
+          <a:prstGeom prst="rect">
+            <a:avLst/>
+          </a:prstGeom>
+        </p:spPr>
+      </p:pic>
+      <p:pic>
+        <p:nvPicPr>
+          <p:cNvPr id="7" name="图片 6" descr="/Users/mac/Documents/github/BrainPy-Models/docs/brainpy_handbook/ppt/figs/syns/oja_run.pngoja_run"/>
+          <p:cNvPicPr>
+            <a:picLocks noChangeAspect="1"/>
+          </p:cNvPicPr>
+          <p:nvPr/>
+        </p:nvPicPr>
+        <p:blipFill>
+          <a:blip r:embed="rId2"/>
+          <a:srcRect/>
+          <a:stretch>
+            <a:fillRect/>
+          </a:stretch>
+        </p:blipFill>
+        <p:spPr>
+          <a:xfrm>
+            <a:off x="77215" y="5724000"/>
+            <a:ext cx="10679258" cy="12217400"/>
+          </a:xfrm>
+          <a:prstGeom prst="rect">
+            <a:avLst/>
+          </a:prstGeom>
+        </p:spPr>
+      </p:pic>
+      <p:cxnSp>
+        <p:nvCxnSpPr>
+          <p:cNvPr id="8" name="直接箭头连接符 7"/>
+          <p:cNvCxnSpPr/>
+          <p:nvPr/>
+        </p:nvCxnSpPr>
+        <p:spPr>
+          <a:xfrm>
+            <a:off x="8081519" y="12463145"/>
+            <a:ext cx="756000" cy="0"/>
+          </a:xfrm>
+          <a:prstGeom prst="straightConnector1">
+            <a:avLst/>
+          </a:prstGeom>
+          <a:ln>
+            <a:solidFill>
+              <a:schemeClr val="tx1"/>
+            </a:solidFill>
+            <a:tailEnd type="arrow"/>
+          </a:ln>
+        </p:spPr>
+        <p:style>
+          <a:lnRef idx="1">
+            <a:schemeClr val="accent1"/>
+          </a:lnRef>
+          <a:fillRef idx="0">
+            <a:schemeClr val="accent1"/>
+          </a:fillRef>
+          <a:effectRef idx="0">
+            <a:schemeClr val="accent1"/>
+          </a:effectRef>
+          <a:fontRef idx="minor">
+            <a:schemeClr val="tx1"/>
+          </a:fontRef>
+        </p:style>
+      </p:cxnSp>
+      <p:cxnSp>
+        <p:nvCxnSpPr>
+          <p:cNvPr id="13" name="直接箭头连接符 12"/>
+          <p:cNvCxnSpPr/>
+          <p:nvPr/>
+        </p:nvCxnSpPr>
+        <p:spPr>
+          <a:xfrm>
+            <a:off x="8081519" y="13795375"/>
+            <a:ext cx="756000" cy="0"/>
+          </a:xfrm>
+          <a:prstGeom prst="straightConnector1">
+            <a:avLst/>
+          </a:prstGeom>
+          <a:ln>
+            <a:solidFill>
+              <a:schemeClr val="tx1"/>
+            </a:solidFill>
+            <a:tailEnd type="arrow"/>
+          </a:ln>
+        </p:spPr>
+        <p:style>
+          <a:lnRef idx="1">
+            <a:schemeClr val="accent1"/>
+          </a:lnRef>
+          <a:fillRef idx="0">
+            <a:schemeClr val="accent1"/>
+          </a:fillRef>
+          <a:effectRef idx="0">
+            <a:schemeClr val="accent1"/>
+          </a:effectRef>
+          <a:fontRef idx="minor">
+            <a:schemeClr val="tx1"/>
+          </a:fontRef>
+        </p:style>
+      </p:cxnSp>
+      <p:cxnSp>
+        <p:nvCxnSpPr>
+          <p:cNvPr id="4" name="直接箭头连接符 3"/>
+          <p:cNvCxnSpPr/>
+          <p:nvPr/>
+        </p:nvCxnSpPr>
+        <p:spPr>
+          <a:xfrm>
+            <a:off x="6855969" y="3761105"/>
+            <a:ext cx="756000" cy="0"/>
+          </a:xfrm>
+          <a:prstGeom prst="straightConnector1">
+            <a:avLst/>
+          </a:prstGeom>
+          <a:ln>
+            <a:solidFill>
+              <a:schemeClr val="tx1"/>
+            </a:solidFill>
+            <a:tailEnd type="arrow"/>
+          </a:ln>
+        </p:spPr>
+        <p:style>
+          <a:lnRef idx="1">
+            <a:schemeClr val="accent1"/>
+          </a:lnRef>
+          <a:fillRef idx="0">
+            <a:schemeClr val="accent1"/>
+          </a:fillRef>
+          <a:effectRef idx="0">
+            <a:schemeClr val="accent1"/>
+          </a:effectRef>
+          <a:fontRef idx="minor">
+            <a:schemeClr val="tx1"/>
+          </a:fontRef>
+        </p:style>
+      </p:cxnSp>
+      <p:sp>
+        <p:nvSpPr>
+          <p:cNvPr id="6" name="文本框 5"/>
+          <p:cNvSpPr txBox="1"/>
+          <p:nvPr/>
+        </p:nvSpPr>
+        <p:spPr>
+          <a:xfrm>
+            <a:off x="7638415" y="3390900"/>
+            <a:ext cx="4533265" cy="706755"/>
+          </a:xfrm>
+          <a:prstGeom prst="rect">
+            <a:avLst/>
+          </a:prstGeom>
+          <a:noFill/>
+        </p:spPr>
+        <p:txBody>
+          <a:bodyPr wrap="square" rtlCol="0">
+            <a:spAutoFit/>
+          </a:bodyPr>
+          <a:p>
+            <a:r>
+              <a:rPr lang="en-US" altLang="zh-CN" sz="2000"/>
+              <a:t>we need a firing rate neuron with parameter r</a:t>
+            </a:r>
+            <a:endParaRPr lang="en-US" altLang="zh-CN" sz="2000"/>
+          </a:p>
+        </p:txBody>
+      </p:sp>
+      <p:cxnSp>
+        <p:nvCxnSpPr>
+          <p:cNvPr id="10" name="直接箭头连接符 9"/>
+          <p:cNvCxnSpPr/>
+          <p:nvPr/>
+        </p:nvCxnSpPr>
+        <p:spPr>
+          <a:xfrm>
+            <a:off x="3931794" y="5109845"/>
+            <a:ext cx="756000" cy="0"/>
+          </a:xfrm>
+          <a:prstGeom prst="straightConnector1">
+            <a:avLst/>
+          </a:prstGeom>
+          <a:ln>
+            <a:solidFill>
+              <a:schemeClr val="tx1"/>
+            </a:solidFill>
+            <a:tailEnd type="arrow"/>
+          </a:ln>
+        </p:spPr>
+        <p:style>
+          <a:lnRef idx="1">
+            <a:schemeClr val="accent1"/>
+          </a:lnRef>
+          <a:fillRef idx="0">
+            <a:schemeClr val="accent1"/>
+          </a:fillRef>
+          <a:effectRef idx="0">
+            <a:schemeClr val="accent1"/>
+          </a:effectRef>
+          <a:fontRef idx="minor">
+            <a:schemeClr val="tx1"/>
+          </a:fontRef>
+        </p:style>
+      </p:cxnSp>
+      <p:sp>
+        <p:nvSpPr>
+          <p:cNvPr id="11" name="文本框 10"/>
+          <p:cNvSpPr txBox="1"/>
+          <p:nvPr/>
+        </p:nvSpPr>
+        <p:spPr>
+          <a:xfrm>
+            <a:off x="4714240" y="4739640"/>
+            <a:ext cx="4533265" cy="706755"/>
+          </a:xfrm>
+          <a:prstGeom prst="rect">
+            <a:avLst/>
+          </a:prstGeom>
+          <a:noFill/>
+        </p:spPr>
+        <p:txBody>
+          <a:bodyPr wrap="square" rtlCol="0">
+            <a:spAutoFit/>
+          </a:bodyPr>
+          <a:p>
+            <a:r>
+              <a:rPr lang="en-US" altLang="zh-CN" sz="2000"/>
+              <a:t>we only need a simple unit to test oja's rule.</a:t>
+            </a:r>
+            <a:endParaRPr lang="en-US" altLang="zh-CN" sz="2000"/>
+          </a:p>
+        </p:txBody>
+      </p:sp>
+      <p:sp>
+        <p:nvSpPr>
+          <p:cNvPr id="23" name="右大括号 22"/>
+          <p:cNvSpPr/>
+          <p:nvPr/>
+        </p:nvSpPr>
+        <p:spPr>
+          <a:xfrm>
+            <a:off x="10952440" y="6079585"/>
+            <a:ext cx="216000" cy="1908000"/>
+          </a:xfrm>
+          <a:prstGeom prst="rightBrace">
+            <a:avLst/>
+          </a:prstGeom>
+          <a:ln>
+            <a:solidFill>
+              <a:schemeClr val="tx1"/>
+            </a:solidFill>
+          </a:ln>
+        </p:spPr>
+        <p:style>
+          <a:lnRef idx="1">
+            <a:schemeClr val="accent1"/>
+          </a:lnRef>
+          <a:fillRef idx="0">
+            <a:schemeClr val="accent1"/>
+          </a:fillRef>
+          <a:effectRef idx="0">
+            <a:schemeClr val="accent1"/>
+          </a:effectRef>
+          <a:fontRef idx="minor">
+            <a:schemeClr val="tx1"/>
+          </a:fontRef>
+        </p:style>
+        <p:txBody>
+          <a:bodyPr rtlCol="0" anchor="ctr"/>
+          <a:p>
+            <a:pPr algn="ctr"/>
+            <a:endParaRPr lang="zh-CN" altLang="en-US"/>
+          </a:p>
+        </p:txBody>
+      </p:sp>
+      <p:sp>
+        <p:nvSpPr>
+          <p:cNvPr id="24" name="文本框 23"/>
+          <p:cNvSpPr txBox="1"/>
+          <p:nvPr/>
+        </p:nvSpPr>
+        <p:spPr>
+          <a:xfrm>
+            <a:off x="11296015" y="5594350"/>
+            <a:ext cx="2120265" cy="2861310"/>
+          </a:xfrm>
+          <a:prstGeom prst="rect">
+            <a:avLst/>
+          </a:prstGeom>
+          <a:noFill/>
+        </p:spPr>
+        <p:txBody>
+          <a:bodyPr wrap="square" rtlCol="0">
+            <a:spAutoFit/>
+          </a:bodyPr>
+          <a:p>
+            <a:r>
+              <a:rPr lang="en-US" altLang="zh-CN" sz="2000"/>
+              <a:t>current1: input to pre-group1</a:t>
+            </a:r>
+            <a:endParaRPr lang="en-US" altLang="zh-CN" sz="2000"/>
+          </a:p>
+          <a:p>
+            <a:r>
+              <a:rPr lang="en-US" altLang="zh-CN" sz="2000"/>
+              <a:t>current2: input to pre-group2</a:t>
+            </a:r>
+            <a:endParaRPr lang="en-US" altLang="zh-CN" sz="2000"/>
+          </a:p>
+          <a:p>
+            <a:r>
+              <a:rPr lang="en-US" altLang="zh-CN" sz="2000"/>
+              <a:t>current3: input to post group, the same as current2.(fire together)</a:t>
+            </a:r>
+            <a:endParaRPr lang="en-US" altLang="zh-CN" sz="2000"/>
+          </a:p>
+        </p:txBody>
+      </p:sp>
+      <p:sp>
+        <p:nvSpPr>
+          <p:cNvPr id="26" name="文本框 25"/>
+          <p:cNvSpPr txBox="1"/>
+          <p:nvPr/>
+        </p:nvSpPr>
+        <p:spPr>
+          <a:xfrm>
+            <a:off x="11268075" y="8877300"/>
+            <a:ext cx="2453005" cy="1630045"/>
+          </a:xfrm>
+          <a:prstGeom prst="rect">
+            <a:avLst/>
+          </a:prstGeom>
+          <a:noFill/>
+        </p:spPr>
+        <p:txBody>
+          <a:bodyPr wrap="square" rtlCol="0">
+            <a:spAutoFit/>
+          </a:bodyPr>
+          <a:p>
+            <a:r>
+              <a:rPr lang="en-US" altLang="zh-CN" sz="2000"/>
+              <a:t>simulation is like synapse model.</a:t>
+            </a:r>
+            <a:endParaRPr lang="en-US" altLang="zh-CN" sz="2000"/>
+          </a:p>
+          <a:p>
+            <a:r>
+              <a:rPr lang="en-US" altLang="zh-CN" sz="2000"/>
+              <a:t>Here we give inputs to both pre-group and post-group.</a:t>
+            </a:r>
+            <a:endParaRPr lang="en-US" altLang="zh-CN" sz="2000"/>
+          </a:p>
+        </p:txBody>
+      </p:sp>
+      <p:sp>
+        <p:nvSpPr>
+          <p:cNvPr id="27" name="右大括号 26"/>
+          <p:cNvSpPr/>
+          <p:nvPr/>
+        </p:nvSpPr>
+        <p:spPr>
+          <a:xfrm>
+            <a:off x="10947995" y="8716740"/>
+            <a:ext cx="216000" cy="1908000"/>
+          </a:xfrm>
+          <a:prstGeom prst="rightBrace">
+            <a:avLst/>
+          </a:prstGeom>
+          <a:ln>
+            <a:solidFill>
+              <a:schemeClr val="tx1"/>
+            </a:solidFill>
+          </a:ln>
+        </p:spPr>
+        <p:style>
+          <a:lnRef idx="1">
+            <a:schemeClr val="accent1"/>
+          </a:lnRef>
+          <a:fillRef idx="0">
+            <a:schemeClr val="accent1"/>
+          </a:fillRef>
+          <a:effectRef idx="0">
+            <a:schemeClr val="accent1"/>
+          </a:effectRef>
+          <a:fontRef idx="minor">
+            <a:schemeClr val="tx1"/>
+          </a:fontRef>
+        </p:style>
+        <p:txBody>
+          <a:bodyPr rtlCol="0" anchor="ctr"/>
+          <a:p>
+            <a:pPr algn="ctr"/>
+            <a:endParaRPr lang="zh-CN" altLang="en-US"/>
+          </a:p>
+        </p:txBody>
+      </p:sp>
+      <p:sp>
+        <p:nvSpPr>
+          <p:cNvPr id="28" name="文本框 27"/>
+          <p:cNvSpPr txBox="1"/>
+          <p:nvPr/>
+        </p:nvSpPr>
+        <p:spPr>
+          <a:xfrm>
+            <a:off x="8883015" y="12246610"/>
+            <a:ext cx="4533265" cy="398780"/>
+          </a:xfrm>
+          <a:prstGeom prst="rect">
+            <a:avLst/>
+          </a:prstGeom>
+          <a:noFill/>
+        </p:spPr>
+        <p:txBody>
+          <a:bodyPr wrap="square" rtlCol="0">
+            <a:spAutoFit/>
+          </a:bodyPr>
+          <a:p>
+            <a:r>
+              <a:rPr lang="en-US" altLang="zh-CN" sz="2000"/>
+              <a:t>index [:, 0], group 1</a:t>
+            </a:r>
+            <a:endParaRPr lang="en-US" altLang="zh-CN" sz="2000"/>
+          </a:p>
+        </p:txBody>
+      </p:sp>
+      <p:sp>
+        <p:nvSpPr>
+          <p:cNvPr id="29" name="文本框 28"/>
+          <p:cNvSpPr txBox="1"/>
+          <p:nvPr/>
+        </p:nvSpPr>
+        <p:spPr>
+          <a:xfrm>
+            <a:off x="8883015" y="13595985"/>
+            <a:ext cx="4533265" cy="398780"/>
+          </a:xfrm>
+          <a:prstGeom prst="rect">
+            <a:avLst/>
+          </a:prstGeom>
+          <a:noFill/>
+        </p:spPr>
+        <p:txBody>
+          <a:bodyPr wrap="square" rtlCol="0">
+            <a:spAutoFit/>
+          </a:bodyPr>
+          <a:p>
+            <a:r>
+              <a:rPr lang="en-US" altLang="zh-CN" sz="2000"/>
+              <a:t>index [:, 0], group 2</a:t>
+            </a:r>
+            <a:endParaRPr lang="en-US" altLang="zh-CN" sz="2000"/>
+          </a:p>
+        </p:txBody>
+      </p:sp>
+    </p:spTree>
+  </p:cSld>
+  <p:clrMapOvr>
+    <a:masterClrMapping/>
+  </p:clrMapOvr>
+</p:sld>
+</file>
+
+<file path=ppt/slides/slide16.xml><?xml version="1.0" encoding="utf-8"?>
+<p:sld xmlns:a="http://schemas.openxmlformats.org/drawingml/2006/main" xmlns:r="http://schemas.openxmlformats.org/officeDocument/2006/relationships" xmlns:p="http://schemas.openxmlformats.org/presentationml/2006/main">
+  <p:cSld>
+    <p:spTree>
+      <p:nvGrpSpPr>
+        <p:cNvPr id="1" name=""/>
+        <p:cNvGrpSpPr/>
+        <p:nvPr/>
+      </p:nvGrpSpPr>
+      <p:grpSpPr/>
+      <p:sp>
+        <p:nvSpPr>
+          <p:cNvPr id="2" name="标题 1"/>
+          <p:cNvSpPr>
+            <a:spLocks noGrp="1"/>
+          </p:cNvSpPr>
+          <p:nvPr>
+            <p:ph type="title"/>
+          </p:nvPr>
+        </p:nvSpPr>
+        <p:spPr>
+          <a:xfrm>
+            <a:off x="942975" y="528320"/>
+            <a:ext cx="11830050" cy="1216660"/>
+          </a:xfrm>
+        </p:spPr>
+        <p:txBody>
+          <a:bodyPr/>
+          <a:p>
+            <a:pPr algn="ctr"/>
+            <a:r>
+              <a:rPr lang="en-US" altLang="zh-CN" sz="5400">
+                <a:cs typeface="+mj-lt"/>
+              </a:rPr>
+              <a:t>BCM</a:t>
+            </a:r>
+            <a:endParaRPr lang="en-US" altLang="zh-CN" sz="5400">
+              <a:cs typeface="+mj-lt"/>
+            </a:endParaRPr>
+          </a:p>
+        </p:txBody>
+      </p:sp>
+      <p:pic>
+        <p:nvPicPr>
+          <p:cNvPr id="5" name="图片 4" descr="/Users/mac/Documents/github/BrainPy-Models/docs/brainpy_handbook/ppt/figs/syns/bcm_init.pngbcm_init"/>
+          <p:cNvPicPr>
+            <a:picLocks noChangeAspect="1"/>
+          </p:cNvPicPr>
+          <p:nvPr/>
+        </p:nvPicPr>
+        <p:blipFill>
+          <a:blip r:embed="rId1"/>
+          <a:srcRect/>
+          <a:stretch>
+            <a:fillRect/>
+          </a:stretch>
+        </p:blipFill>
+        <p:spPr>
+          <a:xfrm>
+            <a:off x="22680" y="1804188"/>
+            <a:ext cx="10693250" cy="8912860"/>
+          </a:xfrm>
+          <a:prstGeom prst="rect">
+            <a:avLst/>
+          </a:prstGeom>
+        </p:spPr>
+      </p:pic>
+      <p:sp>
+        <p:nvSpPr>
+          <p:cNvPr id="3" name="右大括号 2"/>
+          <p:cNvSpPr/>
+          <p:nvPr/>
+        </p:nvSpPr>
+        <p:spPr>
+          <a:xfrm>
+            <a:off x="7442795" y="3126200"/>
+            <a:ext cx="216000" cy="864000"/>
+          </a:xfrm>
+          <a:prstGeom prst="rightBrace">
+            <a:avLst/>
+          </a:prstGeom>
+          <a:ln>
+            <a:solidFill>
+              <a:schemeClr val="tx1"/>
+            </a:solidFill>
+          </a:ln>
+        </p:spPr>
+        <p:style>
+          <a:lnRef idx="1">
+            <a:schemeClr val="accent1"/>
+          </a:lnRef>
+          <a:fillRef idx="0">
+            <a:schemeClr val="accent1"/>
+          </a:fillRef>
+          <a:effectRef idx="0">
+            <a:schemeClr val="accent1"/>
+          </a:effectRef>
+          <a:fontRef idx="minor">
+            <a:schemeClr val="tx1"/>
+          </a:fontRef>
+        </p:style>
+        <p:txBody>
+          <a:bodyPr rtlCol="0" anchor="ctr"/>
+          <a:p>
+            <a:pPr algn="ctr"/>
+            <a:endParaRPr lang="zh-CN" altLang="en-US"/>
+          </a:p>
+        </p:txBody>
+      </p:sp>
+      <mc:AlternateContent xmlns:mc="http://schemas.openxmlformats.org/markup-compatibility/2006">
+        <mc:Choice xmlns:a14="http://schemas.microsoft.com/office/drawing/2010/main" Requires="a14">
+          <p:sp>
+            <p:nvSpPr>
+              <p:cNvPr id="16" name="文本框 15"/>
+              <p:cNvSpPr txBox="1"/>
+              <p:nvPr/>
+            </p:nvSpPr>
+            <p:spPr>
+              <a:xfrm>
+                <a:off x="7676515" y="3190240"/>
+                <a:ext cx="2569845" cy="660400"/>
+              </a:xfrm>
+              <a:prstGeom prst="rect">
+                <a:avLst/>
+              </a:prstGeom>
+              <a:noFill/>
+            </p:spPr>
+            <p:txBody>
+              <a:bodyPr wrap="square" rtlCol="0" anchor="t">
+                <a:spAutoFit/>
+              </a:bodyPr>
+              <a:p>
+                <a14:m>
+                  <m:oMathPara xmlns:m="http://schemas.openxmlformats.org/officeDocument/2006/math">
+                    <m:oMathParaPr>
+                      <m:jc m:val="centerGroup"/>
+                    </m:oMathParaPr>
+                    <m:oMath xmlns:m="http://schemas.openxmlformats.org/officeDocument/2006/math">
+                      <m:f>
+                        <m:fPr>
+                          <m:ctrlPr>
+                            <a:rPr lang="en-US" altLang="zh-CN" sz="2000" i="1" dirty="0">
+                              <a:latin typeface="Cambria Math" charset="0"/>
+                              <a:cs typeface="Cambria Math" charset="0"/>
+                            </a:rPr>
+                          </m:ctrlPr>
+                        </m:fPr>
+                        <m:num>
+                          <m:r>
+                            <a:rPr lang="en-US" altLang="zh-CN" sz="2000" i="1" dirty="0">
+                              <a:latin typeface="Cambria Math" charset="0"/>
+                              <a:cs typeface="Cambria Math" charset="0"/>
+                            </a:rPr>
+                            <m:t>𝑑𝑤</m:t>
+                          </m:r>
+                        </m:num>
+                        <m:den>
+                          <m:r>
+                            <a:rPr lang="en-US" altLang="zh-CN" sz="2000" i="1" dirty="0">
+                              <a:latin typeface="Cambria Math" charset="0"/>
+                              <a:cs typeface="Cambria Math" charset="0"/>
+                            </a:rPr>
+                            <m:t>𝑑𝑡</m:t>
+                          </m:r>
+                        </m:den>
+                      </m:f>
+                      <m:r>
+                        <a:rPr lang="en-US" altLang="zh-CN" sz="2000" i="1" dirty="0">
+                          <a:latin typeface="Cambria Math" charset="0"/>
+                          <a:cs typeface="Cambria Math" charset="0"/>
+                        </a:rPr>
+                        <m:t>=</m:t>
+                      </m:r>
+                      <m:r>
+                        <a:rPr lang="en-US" altLang="zh-CN" sz="2000" i="1" dirty="0">
+                          <a:latin typeface="Cambria Math" charset="0"/>
+                          <a:cs typeface="Cambria Math" charset="0"/>
+                        </a:rPr>
+                        <m:t>𝜂</m:t>
+                      </m:r>
+                      <m:sSub>
+                        <m:sSubPr>
+                          <m:ctrlPr>
+                            <a:rPr lang="en-US" altLang="zh-CN" sz="2000" i="1" dirty="0">
+                              <a:latin typeface="Cambria Math" charset="0"/>
+                              <a:cs typeface="Cambria Math" charset="0"/>
+                            </a:rPr>
+                          </m:ctrlPr>
+                        </m:sSubPr>
+                        <m:e>
+                          <m:r>
+                            <a:rPr lang="en-US" altLang="zh-CN" sz="2000" i="1" dirty="0">
+                              <a:latin typeface="Cambria Math" charset="0"/>
+                              <a:cs typeface="Cambria Math" charset="0"/>
+                            </a:rPr>
+                            <m:t>𝑟</m:t>
+                          </m:r>
+                        </m:e>
+                        <m:sub>
+                          <m:r>
+                            <a:rPr lang="en-US" altLang="zh-CN" sz="2000" i="1" dirty="0">
+                              <a:latin typeface="Cambria Math" charset="0"/>
+                              <a:cs typeface="Cambria Math" charset="0"/>
+                            </a:rPr>
+                            <m:t>𝑖</m:t>
+                          </m:r>
+                        </m:sub>
+                      </m:sSub>
+                      <m:r>
+                        <a:rPr lang="en-US" altLang="zh-CN" sz="2000" i="1" dirty="0">
+                          <a:latin typeface="Cambria Math" charset="0"/>
+                          <a:cs typeface="Cambria Math" charset="0"/>
+                        </a:rPr>
+                        <m:t>(</m:t>
+                      </m:r>
+                      <m:sSub>
+                        <m:sSubPr>
+                          <m:ctrlPr>
+                            <a:rPr lang="en-US" altLang="zh-CN" sz="2000" i="1" dirty="0">
+                              <a:latin typeface="Cambria Math" charset="0"/>
+                              <a:cs typeface="Cambria Math" charset="0"/>
+                            </a:rPr>
+                          </m:ctrlPr>
+                        </m:sSubPr>
+                        <m:e>
+                          <m:r>
+                            <a:rPr lang="en-US" altLang="zh-CN" sz="2000" i="1" dirty="0">
+                              <a:latin typeface="Cambria Math" charset="0"/>
+                              <a:cs typeface="Cambria Math" charset="0"/>
+                            </a:rPr>
+                            <m:t>𝑟</m:t>
+                          </m:r>
+                        </m:e>
+                        <m:sub>
+                          <m:r>
+                            <a:rPr lang="en-US" altLang="zh-CN" sz="2000" i="1" dirty="0">
+                              <a:latin typeface="Cambria Math" charset="0"/>
+                              <a:cs typeface="Cambria Math" charset="0"/>
+                            </a:rPr>
+                            <m:t>𝑖</m:t>
+                          </m:r>
+                        </m:sub>
+                      </m:sSub>
+                      <m:r>
+                        <a:rPr lang="en-US" altLang="zh-CN" sz="2000" i="1" dirty="0">
+                          <a:latin typeface="Cambria Math" charset="0"/>
+                          <a:cs typeface="Cambria Math" charset="0"/>
+                        </a:rPr>
+                        <m:t>−</m:t>
+                      </m:r>
+                      <m:sSub>
+                        <m:sSubPr>
+                          <m:ctrlPr>
+                            <a:rPr lang="en-US" altLang="zh-CN" sz="2000" i="1" dirty="0">
+                              <a:latin typeface="Cambria Math" charset="0"/>
+                              <a:cs typeface="Cambria Math" charset="0"/>
+                            </a:rPr>
+                          </m:ctrlPr>
+                        </m:sSubPr>
+                        <m:e>
+                          <m:r>
+                            <a:rPr lang="en-US" altLang="zh-CN" sz="2000" i="1" dirty="0">
+                              <a:latin typeface="Cambria Math" charset="0"/>
+                              <a:cs typeface="Cambria Math" charset="0"/>
+                            </a:rPr>
+                            <m:t>𝑟</m:t>
+                          </m:r>
+                        </m:e>
+                        <m:sub>
+                          <m:r>
+                            <a:rPr lang="en-US" altLang="zh-CN" sz="2000" i="1" dirty="0">
+                              <a:latin typeface="Cambria Math" charset="0"/>
+                              <a:cs typeface="Cambria Math" charset="0"/>
+                            </a:rPr>
+                            <m:t>𝜃</m:t>
+                          </m:r>
+                        </m:sub>
+                      </m:sSub>
+                      <m:r>
+                        <a:rPr lang="en-US" altLang="zh-CN" sz="2000" i="1" dirty="0">
+                          <a:latin typeface="Cambria Math" charset="0"/>
+                          <a:cs typeface="Cambria Math" charset="0"/>
+                        </a:rPr>
+                        <m:t>)</m:t>
+                      </m:r>
+                      <m:sSub>
+                        <m:sSubPr>
+                          <m:ctrlPr>
+                            <a:rPr lang="en-US" altLang="zh-CN" sz="2000" i="1" dirty="0">
+                              <a:latin typeface="Cambria Math" charset="0"/>
+                              <a:cs typeface="Cambria Math" charset="0"/>
+                            </a:rPr>
+                          </m:ctrlPr>
+                        </m:sSubPr>
+                        <m:e>
+                          <m:r>
+                            <a:rPr lang="en-US" altLang="zh-CN" sz="2000" i="1" dirty="0">
+                              <a:latin typeface="Cambria Math" charset="0"/>
+                              <a:cs typeface="Cambria Math" charset="0"/>
+                            </a:rPr>
+                            <m:t>𝑟</m:t>
+                          </m:r>
+                        </m:e>
+                        <m:sub>
+                          <m:r>
+                            <a:rPr lang="en-US" altLang="zh-CN" sz="2000" i="1" dirty="0">
+                              <a:latin typeface="Cambria Math" charset="0"/>
+                              <a:cs typeface="Cambria Math" charset="0"/>
+                            </a:rPr>
+                            <m:t>𝑗</m:t>
+                          </m:r>
+                        </m:sub>
+                      </m:sSub>
+                    </m:oMath>
+                  </m:oMathPara>
+                </a14:m>
+                <a:endParaRPr lang="zh-CN" altLang="en-US" sz="2000"/>
+              </a:p>
+            </p:txBody>
+          </p:sp>
+        </mc:Choice>
+        <mc:Fallback>
+          <p:sp>
+            <p:nvSpPr>
+              <p:cNvPr id="16" name="文本框 15"/>
+              <p:cNvSpPr txBox="1">
+                <a:spLocks noRot="1" noChangeAspect="1" noMove="1" noResize="1" noEditPoints="1" noAdjustHandles="1" noChangeArrowheads="1" noChangeShapeType="1" noTextEdit="1"/>
+              </p:cNvSpPr>
+              <p:nvPr/>
+            </p:nvSpPr>
+            <p:spPr>
+              <a:xfrm>
+                <a:off x="7676515" y="3190240"/>
+                <a:ext cx="2569845" cy="660400"/>
+              </a:xfrm>
+              <a:prstGeom prst="rect">
+                <a:avLst/>
+              </a:prstGeom>
+              <a:blipFill rotWithShape="1">
+                <a:blip r:embed="rId2"/>
+                <a:stretch>
+                  <a:fillRect/>
+                </a:stretch>
+              </a:blipFill>
+            </p:spPr>
+            <p:txBody>
+              <a:bodyPr/>
+              <a:lstStyle/>
+              <a:p>
+                <a:r>
+                  <a:rPr lang="zh-CN" altLang="en-US">
+                    <a:noFill/>
+                  </a:rPr>
+                  <a:t> </a:t>
+                </a:r>
+              </a:p>
+            </p:txBody>
+          </p:sp>
+        </mc:Fallback>
+      </mc:AlternateContent>
+      <p:pic>
+        <p:nvPicPr>
+          <p:cNvPr id="7" name="图片 6" descr="/Users/mac/Documents/github/BrainPy-Models/docs/brainpy_handbook/ppt/figs/syns/bcm_update.pngbcm_update"/>
+          <p:cNvPicPr>
+            <a:picLocks noChangeAspect="1"/>
+          </p:cNvPicPr>
+          <p:nvPr/>
+        </p:nvPicPr>
+        <p:blipFill>
+          <a:blip r:embed="rId3"/>
+          <a:srcRect/>
+          <a:stretch>
+            <a:fillRect/>
+          </a:stretch>
+        </p:blipFill>
+        <p:spPr>
+          <a:xfrm>
+            <a:off x="62" y="11166311"/>
+            <a:ext cx="10705024" cy="6934200"/>
+          </a:xfrm>
+          <a:prstGeom prst="rect">
+            <a:avLst/>
+          </a:prstGeom>
+        </p:spPr>
+      </p:pic>
+      <mc:AlternateContent xmlns:mc="http://schemas.openxmlformats.org/markup-compatibility/2006">
+        <mc:Choice xmlns:a14="http://schemas.microsoft.com/office/drawing/2010/main" Requires="a14">
+          <p:sp>
+            <p:nvSpPr>
+              <p:cNvPr id="9" name="文本框 8"/>
+              <p:cNvSpPr txBox="1"/>
+              <p:nvPr/>
+            </p:nvSpPr>
+            <p:spPr>
+              <a:xfrm>
+                <a:off x="9841865" y="15041245"/>
+                <a:ext cx="3298825" cy="492125"/>
+              </a:xfrm>
+              <a:prstGeom prst="rect">
+                <a:avLst/>
+              </a:prstGeom>
+              <a:noFill/>
+            </p:spPr>
+            <p:txBody>
+              <a:bodyPr wrap="square" rtlCol="0">
+                <a:spAutoFit/>
+              </a:bodyPr>
+              <a:p>
+                <a:r>
+                  <a:rPr lang="en-US" altLang="zh-CN" sz="2000">
+                    <a:cs typeface="+mn-lt"/>
+                  </a:rPr>
+                  <a:t>let</a:t>
+                </a:r>
+                <a:r>
+                  <a:rPr lang="en-US" altLang="zh-CN" sz="2000">
+                    <a:latin typeface="Cambria Math" charset="0"/>
+                    <a:cs typeface="Cambria Math" charset="0"/>
+                  </a:rPr>
+                  <a:t> </a:t>
+                </a:r>
+                <a14:m>
+                  <m:oMath xmlns:m="http://schemas.openxmlformats.org/officeDocument/2006/math">
+                    <m:sSub>
+                      <m:sSubPr>
+                        <m:ctrlPr>
+                          <a:rPr lang="en-US" altLang="zh-CN" sz="2000" i="1">
+                            <a:latin typeface="Cambria Math" charset="0"/>
+                            <a:cs typeface="Cambria Math" charset="0"/>
+                          </a:rPr>
+                        </m:ctrlPr>
+                      </m:sSubPr>
+                      <m:e>
+                        <m:r>
+                          <a:rPr lang="en-US" altLang="zh-CN" sz="2000" i="1">
+                            <a:latin typeface="Cambria Math" charset="0"/>
+                            <a:cs typeface="Cambria Math" charset="0"/>
+                          </a:rPr>
+                          <m:t>𝑎𝑑𝑑</m:t>
+                        </m:r>
+                      </m:e>
+                      <m:sub>
+                        <m:r>
+                          <a:rPr lang="en-US" altLang="zh-CN" sz="2000" i="1">
+                            <a:latin typeface="Cambria Math" charset="0"/>
+                            <a:cs typeface="Cambria Math" charset="0"/>
+                          </a:rPr>
+                          <m:t>𝑗</m:t>
+                        </m:r>
+                      </m:sub>
+                    </m:sSub>
+                    <m:r>
+                      <a:rPr lang="en-US" altLang="zh-CN" sz="2000" i="1" dirty="0">
+                        <a:latin typeface="Cambria Math" charset="0"/>
+                        <a:cs typeface="Cambria Math" charset="0"/>
+                      </a:rPr>
+                      <m:t>=</m:t>
+                    </m:r>
+                    <m:sSub>
+                      <m:sSubPr>
+                        <m:ctrlPr>
+                          <a:rPr lang="en-US" altLang="zh-CN" sz="2000" i="1" dirty="0">
+                            <a:latin typeface="Cambria Math" charset="0"/>
+                            <a:cs typeface="Cambria Math" charset="0"/>
+                          </a:rPr>
+                        </m:ctrlPr>
+                      </m:sSubPr>
+                      <m:e>
+                        <m:sSub>
+                          <m:sSubPr>
+                            <m:ctrlPr>
+                              <a:rPr lang="en-US" altLang="zh-CN" sz="2000" i="1" dirty="0">
+                                <a:latin typeface="Cambria Math" charset="0"/>
+                                <a:cs typeface="Cambria Math" charset="0"/>
+                              </a:rPr>
+                            </m:ctrlPr>
+                          </m:sSubPr>
+                          <m:e>
+                            <m:r>
+                              <a:rPr lang="en-US" altLang="zh-CN" sz="2000" i="1" dirty="0">
+                                <a:latin typeface="Cambria Math" charset="0"/>
+                                <a:cs typeface="Cambria Math" charset="0"/>
+                              </a:rPr>
+                              <m:t>𝑤</m:t>
+                            </m:r>
+                          </m:e>
+                          <m:sub>
+                            <m:r>
+                              <a:rPr lang="en-US" altLang="zh-CN" sz="2000" i="1" dirty="0">
+                                <a:latin typeface="Cambria Math" charset="0"/>
+                                <a:cs typeface="Cambria Math" charset="0"/>
+                              </a:rPr>
+                              <m:t> </m:t>
+                            </m:r>
+                            <m:r>
+                              <a:rPr lang="en-US" altLang="zh-CN" sz="2000" i="1" dirty="0">
+                                <a:latin typeface="Cambria Math" charset="0"/>
+                                <a:cs typeface="Cambria Math" charset="0"/>
+                              </a:rPr>
+                              <m:t>𝑖𝑗</m:t>
+                            </m:r>
+                          </m:sub>
+                        </m:sSub>
+                        <m:r>
+                          <a:rPr lang="en-US" altLang="zh-CN" sz="2000" i="1" dirty="0">
+                            <a:latin typeface="Cambria Math" charset="0"/>
+                            <a:cs typeface="Cambria Math" charset="0"/>
+                          </a:rPr>
+                          <m:t>𝑟</m:t>
+                        </m:r>
+                      </m:e>
+                      <m:sub>
+                        <m:r>
+                          <a:rPr lang="en-US" altLang="zh-CN" sz="2000" i="1" dirty="0">
+                            <a:latin typeface="Cambria Math" charset="0"/>
+                            <a:cs typeface="Cambria Math" charset="0"/>
+                          </a:rPr>
+                          <m:t>𝑗</m:t>
+                        </m:r>
+                      </m:sub>
+                    </m:sSub>
+                  </m:oMath>
+                </a14:m>
+                <a:endParaRPr lang="en-US" altLang="zh-CN" sz="2000"/>
+              </a:p>
+            </p:txBody>
+          </p:sp>
+        </mc:Choice>
+        <mc:Fallback>
+          <p:sp>
+            <p:nvSpPr>
+              <p:cNvPr id="9" name="文本框 8"/>
+              <p:cNvSpPr txBox="1">
+                <a:spLocks noRot="1" noChangeAspect="1" noMove="1" noResize="1" noEditPoints="1" noAdjustHandles="1" noChangeArrowheads="1" noChangeShapeType="1" noTextEdit="1"/>
+              </p:cNvSpPr>
+              <p:nvPr/>
+            </p:nvSpPr>
+            <p:spPr>
+              <a:xfrm>
+                <a:off x="9841865" y="15041245"/>
+                <a:ext cx="3298825" cy="492125"/>
+              </a:xfrm>
+              <a:prstGeom prst="rect">
+                <a:avLst/>
+              </a:prstGeom>
+              <a:blipFill rotWithShape="1">
+                <a:blip r:embed="rId4"/>
+                <a:stretch>
+                  <a:fillRect/>
+                </a:stretch>
+              </a:blipFill>
+            </p:spPr>
+            <p:txBody>
+              <a:bodyPr/>
+              <a:lstStyle/>
+              <a:p>
+                <a:r>
+                  <a:rPr lang="zh-CN" altLang="en-US">
+                    <a:noFill/>
+                  </a:rPr>
+                  <a:t> </a:t>
+                </a:r>
+              </a:p>
+            </p:txBody>
+          </p:sp>
+        </mc:Fallback>
+      </mc:AlternateContent>
+      <mc:AlternateContent xmlns:mc="http://schemas.openxmlformats.org/markup-compatibility/2006">
+        <mc:Choice xmlns:a14="http://schemas.microsoft.com/office/drawing/2010/main" Requires="a14">
+          <p:sp>
+            <p:nvSpPr>
+              <p:cNvPr id="12" name="文本框 11"/>
+              <p:cNvSpPr txBox="1"/>
+              <p:nvPr/>
+            </p:nvSpPr>
+            <p:spPr>
+              <a:xfrm>
+                <a:off x="9819005" y="14651990"/>
+                <a:ext cx="4533265" cy="512445"/>
+              </a:xfrm>
+              <a:prstGeom prst="rect">
+                <a:avLst/>
+              </a:prstGeom>
+              <a:noFill/>
+            </p:spPr>
+            <p:txBody>
+              <a:bodyPr wrap="square" rtlCol="0">
+                <a:spAutoFit/>
+              </a:bodyPr>
+              <a:p>
+                <a:r>
+                  <a:rPr lang="en-US" altLang="zh-CN" sz="2000"/>
+                  <a:t>rate model:</a:t>
+                </a:r>
+                <a14:m>
+                  <m:oMath xmlns:m="http://schemas.openxmlformats.org/officeDocument/2006/math">
+                    <m:r>
+                      <a:rPr lang="en-US" altLang="zh-CN" sz="2000">
+                        <a:latin typeface="Cambria Math" charset="0"/>
+                      </a:rPr>
+                      <m:t> </m:t>
+                    </m:r>
+                    <m:sSub>
+                      <m:sSubPr>
+                        <m:ctrlPr>
+                          <a:rPr lang="en-US" altLang="zh-CN" sz="2000" i="1">
+                            <a:latin typeface="Cambria Math" charset="0"/>
+                            <a:cs typeface="Cambria Math" charset="0"/>
+                          </a:rPr>
+                        </m:ctrlPr>
+                      </m:sSubPr>
+                      <m:e>
+                        <m:r>
+                          <a:rPr lang="en-US" altLang="zh-CN" sz="2000" i="1">
+                            <a:latin typeface="Cambria Math" charset="0"/>
+                            <a:cs typeface="Cambria Math" charset="0"/>
+                          </a:rPr>
+                          <m:t>𝑟</m:t>
+                        </m:r>
+                      </m:e>
+                      <m:sub>
+                        <m:r>
+                          <a:rPr lang="en-US" altLang="zh-CN" sz="2000" i="1">
+                            <a:latin typeface="Cambria Math" charset="0"/>
+                            <a:cs typeface="Cambria Math" charset="0"/>
+                          </a:rPr>
+                          <m:t>𝑖</m:t>
+                        </m:r>
+                      </m:sub>
+                    </m:sSub>
+                    <m:r>
+                      <a:rPr lang="en-US" altLang="zh-CN" sz="2000" i="1" dirty="0">
+                        <a:latin typeface="Cambria Math" charset="0"/>
+                        <a:cs typeface="Cambria Math" charset="0"/>
+                      </a:rPr>
+                      <m:t>=</m:t>
+                    </m:r>
+                    <m:sSub>
+                      <m:sSubPr>
+                        <m:ctrlPr>
+                          <a:rPr lang="en-US" altLang="zh-CN" sz="2000" i="1" dirty="0">
+                            <a:latin typeface="Cambria Math" charset="0"/>
+                            <a:cs typeface="Cambria Math" charset="0"/>
+                          </a:rPr>
+                        </m:ctrlPr>
+                      </m:sSubPr>
+                      <m:e>
+                        <m:nary>
+                          <m:naryPr>
+                            <m:chr m:val="∑"/>
+                            <m:limLoc m:val="undOvr"/>
+                            <m:supHide m:val="on"/>
+                            <m:ctrlPr>
+                              <a:rPr lang="en-US" altLang="zh-CN" sz="2000" i="1" dirty="0">
+                                <a:latin typeface="Cambria Math" charset="0"/>
+                                <a:cs typeface="Cambria Math" charset="0"/>
+                              </a:rPr>
+                            </m:ctrlPr>
+                          </m:naryPr>
+                          <m:sub>
+                            <m:r>
+                              <a:rPr lang="en-US" altLang="zh-CN" sz="2000" i="1" dirty="0">
+                                <a:latin typeface="Cambria Math" charset="0"/>
+                                <a:cs typeface="Cambria Math" charset="0"/>
+                              </a:rPr>
+                              <m:t>𝑗</m:t>
+                            </m:r>
+                          </m:sub>
+                          <m:sup/>
+                          <m:e>
+                            <m:sSub>
+                              <m:sSubPr>
+                                <m:ctrlPr>
+                                  <a:rPr lang="en-US" altLang="zh-CN" sz="2000" i="1" dirty="0">
+                                    <a:latin typeface="Cambria Math" charset="0"/>
+                                    <a:cs typeface="Cambria Math" charset="0"/>
+                                  </a:rPr>
+                                </m:ctrlPr>
+                              </m:sSubPr>
+                              <m:e>
+                                <m:r>
+                                  <a:rPr lang="en-US" altLang="zh-CN" sz="2000" i="1" dirty="0">
+                                    <a:latin typeface="Cambria Math" charset="0"/>
+                                    <a:cs typeface="Cambria Math" charset="0"/>
+                                  </a:rPr>
+                                  <m:t>𝑤</m:t>
+                                </m:r>
+                              </m:e>
+                              <m:sub>
+                                <m:r>
+                                  <a:rPr lang="en-US" altLang="zh-CN" sz="2000" i="1" dirty="0">
+                                    <a:latin typeface="Cambria Math" charset="0"/>
+                                    <a:cs typeface="Cambria Math" charset="0"/>
+                                  </a:rPr>
+                                  <m:t> </m:t>
+                                </m:r>
+                                <m:r>
+                                  <a:rPr lang="en-US" altLang="zh-CN" sz="2000" i="1" dirty="0">
+                                    <a:latin typeface="Cambria Math" charset="0"/>
+                                    <a:cs typeface="Cambria Math" charset="0"/>
+                                  </a:rPr>
+                                  <m:t>𝑖𝑗</m:t>
+                                </m:r>
+                              </m:sub>
+                            </m:sSub>
+                          </m:e>
+                        </m:nary>
+                      </m:e>
+                      <m:sub>
+                        <m:r>
+                          <a:rPr lang="en-US" altLang="zh-CN" sz="2000" i="1" dirty="0">
+                            <a:latin typeface="Cambria Math" charset="0"/>
+                            <a:cs typeface="Cambria Math" charset="0"/>
+                          </a:rPr>
+                          <m:t> </m:t>
+                        </m:r>
+                      </m:sub>
+                    </m:sSub>
+                    <m:sSub>
+                      <m:sSubPr>
+                        <m:ctrlPr>
+                          <a:rPr lang="en-US" altLang="zh-CN" sz="2000" i="1" dirty="0">
+                            <a:latin typeface="Cambria Math" charset="0"/>
+                            <a:cs typeface="Cambria Math" charset="0"/>
+                          </a:rPr>
+                        </m:ctrlPr>
+                      </m:sSubPr>
+                      <m:e>
+                        <m:r>
+                          <a:rPr lang="en-US" altLang="zh-CN" sz="2000" i="1" dirty="0">
+                            <a:latin typeface="Cambria Math" charset="0"/>
+                            <a:cs typeface="Cambria Math" charset="0"/>
+                          </a:rPr>
+                          <m:t>𝑟</m:t>
+                        </m:r>
+                      </m:e>
+                      <m:sub>
+                        <m:r>
+                          <a:rPr lang="en-US" altLang="zh-CN" sz="2000" i="1" dirty="0">
+                            <a:latin typeface="Cambria Math" charset="0"/>
+                            <a:cs typeface="Cambria Math" charset="0"/>
+                          </a:rPr>
+                          <m:t>𝑗</m:t>
+                        </m:r>
+                      </m:sub>
+                    </m:sSub>
+                  </m:oMath>
+                </a14:m>
+                <a:endParaRPr lang="en-US" altLang="zh-CN" sz="2000"/>
+              </a:p>
+            </p:txBody>
+          </p:sp>
+        </mc:Choice>
+        <mc:Fallback>
+          <p:sp>
+            <p:nvSpPr>
+              <p:cNvPr id="12" name="文本框 11"/>
+              <p:cNvSpPr txBox="1">
+                <a:spLocks noRot="1" noChangeAspect="1" noMove="1" noResize="1" noEditPoints="1" noAdjustHandles="1" noChangeArrowheads="1" noChangeShapeType="1" noTextEdit="1"/>
+              </p:cNvSpPr>
+              <p:nvPr/>
+            </p:nvSpPr>
+            <p:spPr>
+              <a:xfrm>
+                <a:off x="9819005" y="14651990"/>
+                <a:ext cx="4533265" cy="512445"/>
+              </a:xfrm>
+              <a:prstGeom prst="rect">
+                <a:avLst/>
+              </a:prstGeom>
+              <a:blipFill rotWithShape="1">
+                <a:blip r:embed="rId5"/>
+                <a:stretch>
+                  <a:fillRect/>
+                </a:stretch>
+              </a:blipFill>
+            </p:spPr>
+            <p:txBody>
+              <a:bodyPr/>
+              <a:lstStyle/>
+              <a:p>
+                <a:r>
+                  <a:rPr lang="zh-CN" altLang="en-US">
+                    <a:noFill/>
+                  </a:rPr>
+                  <a:t> </a:t>
+                </a:r>
+              </a:p>
+            </p:txBody>
+          </p:sp>
+        </mc:Fallback>
+      </mc:AlternateContent>
+      <p:cxnSp>
+        <p:nvCxnSpPr>
+          <p:cNvPr id="13" name="直接箭头连接符 12"/>
+          <p:cNvCxnSpPr/>
+          <p:nvPr/>
+        </p:nvCxnSpPr>
+        <p:spPr>
+          <a:xfrm>
+            <a:off x="8903209" y="15316835"/>
+            <a:ext cx="756000" cy="0"/>
+          </a:xfrm>
+          <a:prstGeom prst="straightConnector1">
+            <a:avLst/>
+          </a:prstGeom>
+          <a:ln>
+            <a:solidFill>
+              <a:schemeClr val="tx1"/>
+            </a:solidFill>
+            <a:tailEnd type="arrow"/>
+          </a:ln>
+        </p:spPr>
+        <p:style>
+          <a:lnRef idx="1">
+            <a:schemeClr val="accent1"/>
+          </a:lnRef>
+          <a:fillRef idx="0">
+            <a:schemeClr val="accent1"/>
+          </a:fillRef>
+          <a:effectRef idx="0">
+            <a:schemeClr val="accent1"/>
+          </a:effectRef>
+          <a:fontRef idx="minor">
+            <a:schemeClr val="tx1"/>
+          </a:fontRef>
+        </p:style>
+      </p:cxnSp>
+      <mc:AlternateContent xmlns:mc="http://schemas.openxmlformats.org/markup-compatibility/2006">
+        <mc:Choice xmlns:a14="http://schemas.microsoft.com/office/drawing/2010/main" Requires="a14">
+          <p:sp>
+            <p:nvSpPr>
+              <p:cNvPr id="15" name="文本框 14"/>
+              <p:cNvSpPr txBox="1"/>
+              <p:nvPr/>
+            </p:nvSpPr>
+            <p:spPr>
+              <a:xfrm>
+                <a:off x="9837420" y="15464155"/>
+                <a:ext cx="3298825" cy="510540"/>
+              </a:xfrm>
+              <a:prstGeom prst="rect">
+                <a:avLst/>
+              </a:prstGeom>
+              <a:noFill/>
+            </p:spPr>
+            <p:txBody>
+              <a:bodyPr wrap="square" rtlCol="0">
+                <a:spAutoFit/>
+              </a:bodyPr>
+              <a:p>
+                <a:r>
+                  <a:rPr lang="en-US" altLang="zh-CN" sz="2000">
+                    <a:sym typeface="+mn-ea"/>
+                  </a:rPr>
+                  <a:t>then </a:t>
+                </a:r>
+                <a14:m>
+                  <m:oMath xmlns:m="http://schemas.openxmlformats.org/officeDocument/2006/math">
+                    <m:sSub>
+                      <m:sSubPr>
+                        <m:ctrlPr>
+                          <a:rPr lang="en-US" altLang="zh-CN" sz="2000" i="1">
+                            <a:latin typeface="Cambria Math" charset="0"/>
+                            <a:cs typeface="Cambria Math" charset="0"/>
+                          </a:rPr>
+                        </m:ctrlPr>
+                      </m:sSubPr>
+                      <m:e>
+                        <m:r>
+                          <a:rPr lang="en-US" altLang="zh-CN" sz="2000" i="1">
+                            <a:latin typeface="Cambria Math" charset="0"/>
+                            <a:cs typeface="Cambria Math" charset="0"/>
+                          </a:rPr>
+                          <m:t>𝑟</m:t>
+                        </m:r>
+                      </m:e>
+                      <m:sub>
+                        <m:r>
+                          <a:rPr lang="en-US" altLang="zh-CN" sz="2000" i="1">
+                            <a:latin typeface="Cambria Math" charset="0"/>
+                            <a:cs typeface="Cambria Math" charset="0"/>
+                          </a:rPr>
+                          <m:t>𝑖</m:t>
+                        </m:r>
+                      </m:sub>
+                    </m:sSub>
+                    <m:r>
+                      <a:rPr lang="en-US" altLang="zh-CN" sz="2000" i="1" dirty="0">
+                        <a:latin typeface="Cambria Math" charset="0"/>
+                        <a:cs typeface="Cambria Math" charset="0"/>
+                      </a:rPr>
+                      <m:t>=</m:t>
+                    </m:r>
+                    <m:sSub>
+                      <m:sSubPr>
+                        <m:ctrlPr>
+                          <a:rPr lang="en-US" altLang="zh-CN" sz="2000" i="1" dirty="0">
+                            <a:latin typeface="Cambria Math" charset="0"/>
+                            <a:cs typeface="Cambria Math" charset="0"/>
+                          </a:rPr>
+                        </m:ctrlPr>
+                      </m:sSubPr>
+                      <m:e>
+                        <m:nary>
+                          <m:naryPr>
+                            <m:chr m:val="∑"/>
+                            <m:limLoc m:val="undOvr"/>
+                            <m:supHide m:val="on"/>
+                            <m:ctrlPr>
+                              <a:rPr lang="en-US" altLang="zh-CN" sz="2000" i="1" dirty="0">
+                                <a:latin typeface="Cambria Math" charset="0"/>
+                                <a:cs typeface="Cambria Math" charset="0"/>
+                              </a:rPr>
+                            </m:ctrlPr>
+                          </m:naryPr>
+                          <m:sub>
+                            <m:r>
+                              <a:rPr lang="en-US" altLang="zh-CN" sz="2000" i="1" dirty="0">
+                                <a:latin typeface="Cambria Math" charset="0"/>
+                                <a:cs typeface="Cambria Math" charset="0"/>
+                              </a:rPr>
+                              <m:t>𝑗</m:t>
+                            </m:r>
+                          </m:sub>
+                          <m:sup/>
+                          <m:e>
+                            <m:sSub>
+                              <m:sSubPr>
+                                <m:ctrlPr>
+                                  <a:rPr lang="en-US" altLang="zh-CN" sz="2000" i="1" dirty="0">
+                                    <a:latin typeface="Cambria Math" charset="0"/>
+                                    <a:cs typeface="Cambria Math" charset="0"/>
+                                  </a:rPr>
+                                </m:ctrlPr>
+                              </m:sSubPr>
+                              <m:e>
+                                <m:r>
+                                  <a:rPr lang="en-US" altLang="zh-CN" sz="2000" i="1" dirty="0">
+                                    <a:latin typeface="Cambria Math" charset="0"/>
+                                    <a:cs typeface="Cambria Math" charset="0"/>
+                                  </a:rPr>
+                                  <m:t>𝑎𝑑𝑑</m:t>
+                                </m:r>
+                              </m:e>
+                              <m:sub>
+                                <m:r>
+                                  <a:rPr lang="en-US" altLang="zh-CN" sz="2000" i="1" dirty="0">
+                                    <a:latin typeface="Cambria Math" charset="0"/>
+                                    <a:cs typeface="Cambria Math" charset="0"/>
+                                  </a:rPr>
+                                  <m:t>𝑗</m:t>
+                                </m:r>
+                              </m:sub>
+                            </m:sSub>
+                          </m:e>
+                        </m:nary>
+                      </m:e>
+                      <m:sub>
+                        <m:r>
+                          <a:rPr lang="en-US" altLang="zh-CN" sz="2000" i="1" dirty="0">
+                            <a:latin typeface="Cambria Math" charset="0"/>
+                            <a:cs typeface="Cambria Math" charset="0"/>
+                          </a:rPr>
+                          <m:t> </m:t>
+                        </m:r>
+                      </m:sub>
+                    </m:sSub>
+                  </m:oMath>
+                </a14:m>
+                <a:endParaRPr lang="en-US" altLang="zh-CN" sz="2000"/>
+              </a:p>
+            </p:txBody>
+          </p:sp>
+        </mc:Choice>
+        <mc:Fallback>
+          <p:sp>
+            <p:nvSpPr>
+              <p:cNvPr id="15" name="文本框 14"/>
+              <p:cNvSpPr txBox="1">
+                <a:spLocks noRot="1" noChangeAspect="1" noMove="1" noResize="1" noEditPoints="1" noAdjustHandles="1" noChangeArrowheads="1" noChangeShapeType="1" noTextEdit="1"/>
+              </p:cNvSpPr>
+              <p:nvPr/>
+            </p:nvSpPr>
+            <p:spPr>
+              <a:xfrm>
+                <a:off x="9837420" y="15464155"/>
+                <a:ext cx="3298825" cy="510540"/>
+              </a:xfrm>
+              <a:prstGeom prst="rect">
+                <a:avLst/>
+              </a:prstGeom>
+              <a:blipFill rotWithShape="1">
+                <a:blip r:embed="rId6"/>
+                <a:stretch>
+                  <a:fillRect/>
+                </a:stretch>
+              </a:blipFill>
+            </p:spPr>
+            <p:txBody>
+              <a:bodyPr/>
+              <a:lstStyle/>
+              <a:p>
+                <a:r>
+                  <a:rPr lang="zh-CN" altLang="en-US">
+                    <a:noFill/>
+                  </a:rPr>
+                  <a:t> </a:t>
+                </a:r>
+              </a:p>
+            </p:txBody>
+          </p:sp>
+        </mc:Fallback>
+      </mc:AlternateContent>
+      <mc:AlternateContent xmlns:mc="http://schemas.openxmlformats.org/markup-compatibility/2006">
+        <mc:Choice xmlns:a14="http://schemas.microsoft.com/office/drawing/2010/main" Requires="a14">
+          <p:sp>
+            <p:nvSpPr>
+              <p:cNvPr id="17" name="文本框 16"/>
+              <p:cNvSpPr txBox="1"/>
+              <p:nvPr/>
+            </p:nvSpPr>
+            <p:spPr>
+              <a:xfrm>
+                <a:off x="5296535" y="17274540"/>
+                <a:ext cx="4086225" cy="818515"/>
+              </a:xfrm>
+              <a:prstGeom prst="rect">
+                <a:avLst/>
+              </a:prstGeom>
+              <a:noFill/>
+            </p:spPr>
+            <p:txBody>
+              <a:bodyPr wrap="square" rtlCol="0">
+                <a:spAutoFit/>
+              </a:bodyPr>
+              <a:p>
+                <a14:m>
+                  <m:oMath xmlns:m="http://schemas.openxmlformats.org/officeDocument/2006/math">
+                    <m:sSub>
+                      <m:sSubPr>
+                        <m:ctrlPr>
+                          <a:rPr lang="en-US" altLang="zh-CN" sz="2000" i="1">
+                            <a:latin typeface="Cambria Math" charset="0"/>
+                            <a:cs typeface="Cambria Math" charset="0"/>
+                          </a:rPr>
+                        </m:ctrlPr>
+                      </m:sSubPr>
+                      <m:e>
+                        <m:r>
+                          <a:rPr lang="en-US" altLang="zh-CN" sz="2000" i="1">
+                            <a:latin typeface="Cambria Math" charset="0"/>
+                            <a:cs typeface="Cambria Math" charset="0"/>
+                          </a:rPr>
+                          <m:t>𝑟</m:t>
+                        </m:r>
+                      </m:e>
+                      <m:sub>
+                        <m:r>
+                          <a:rPr lang="en-US" altLang="zh-CN" sz="2000" i="1">
+                            <a:latin typeface="Cambria Math" charset="0"/>
+                            <a:cs typeface="Cambria Math" charset="0"/>
+                          </a:rPr>
+                          <m:t>𝑖</m:t>
+                        </m:r>
+                      </m:sub>
+                    </m:sSub>
+                    <m:r>
+                      <a:rPr lang="en-US" altLang="zh-CN" sz="2000" i="1" dirty="0">
+                        <a:latin typeface="Cambria Math" charset="0"/>
+                        <a:cs typeface="Cambria Math" charset="0"/>
+                      </a:rPr>
+                      <m:t>=</m:t>
+                    </m:r>
+                    <m:sSub>
+                      <m:sSubPr>
+                        <m:ctrlPr>
+                          <a:rPr lang="en-US" altLang="zh-CN" sz="2000" i="1" dirty="0">
+                            <a:latin typeface="Cambria Math" charset="0"/>
+                            <a:cs typeface="Cambria Math" charset="0"/>
+                          </a:rPr>
+                        </m:ctrlPr>
+                      </m:sSubPr>
+                      <m:e>
+                        <m:nary>
+                          <m:naryPr>
+                            <m:chr m:val="∑"/>
+                            <m:limLoc m:val="undOvr"/>
+                            <m:supHide m:val="on"/>
+                            <m:ctrlPr>
+                              <a:rPr lang="en-US" altLang="zh-CN" sz="2000" i="1" dirty="0">
+                                <a:latin typeface="Cambria Math" charset="0"/>
+                                <a:cs typeface="Cambria Math" charset="0"/>
+                              </a:rPr>
+                            </m:ctrlPr>
+                          </m:naryPr>
+                          <m:sub>
+                            <m:r>
+                              <a:rPr lang="en-US" altLang="zh-CN" sz="2000" i="1" dirty="0">
+                                <a:latin typeface="Cambria Math" charset="0"/>
+                                <a:cs typeface="Cambria Math" charset="0"/>
+                              </a:rPr>
+                              <m:t>𝑗</m:t>
+                            </m:r>
+                          </m:sub>
+                          <m:sup/>
+                          <m:e>
+                            <m:sSub>
+                              <m:sSubPr>
+                                <m:ctrlPr>
+                                  <a:rPr lang="en-US" altLang="zh-CN" sz="2000" i="1" dirty="0">
+                                    <a:latin typeface="Cambria Math" charset="0"/>
+                                    <a:cs typeface="Cambria Math" charset="0"/>
+                                  </a:rPr>
+                                </m:ctrlPr>
+                              </m:sSubPr>
+                              <m:e>
+                                <m:r>
+                                  <a:rPr lang="en-US" altLang="zh-CN" sz="2000" i="1" dirty="0">
+                                    <a:latin typeface="Cambria Math" charset="0"/>
+                                    <a:cs typeface="Cambria Math" charset="0"/>
+                                  </a:rPr>
+                                  <m:t>𝑎𝑑𝑑</m:t>
+                                </m:r>
+                              </m:e>
+                              <m:sub>
+                                <m:r>
+                                  <a:rPr lang="en-US" altLang="zh-CN" sz="2000" i="1" dirty="0">
+                                    <a:latin typeface="Cambria Math" charset="0"/>
+                                    <a:cs typeface="Cambria Math" charset="0"/>
+                                  </a:rPr>
+                                  <m:t>𝑗</m:t>
+                                </m:r>
+                              </m:sub>
+                            </m:sSub>
+                          </m:e>
+                        </m:nary>
+                      </m:e>
+                      <m:sub>
+                        <m:r>
+                          <a:rPr lang="en-US" altLang="zh-CN" sz="2000" i="1" dirty="0">
+                            <a:latin typeface="Cambria Math" charset="0"/>
+                            <a:cs typeface="Cambria Math" charset="0"/>
+                          </a:rPr>
+                          <m:t> </m:t>
+                        </m:r>
+                      </m:sub>
+                    </m:sSub>
+                  </m:oMath>
+                </a14:m>
+                <a:r>
+                  <a:rPr lang="en-US" altLang="zh-CN" sz="2000"/>
+                  <a:t> </a:t>
+                </a:r>
+                <a:endParaRPr lang="en-US" altLang="zh-CN" sz="2000"/>
+              </a:p>
+              <a:p>
+                <a:r>
+                  <a:rPr lang="en-US" altLang="zh-CN" sz="2000"/>
+                  <a:t>Like BCM</a:t>
+                </a:r>
+                <a:endParaRPr lang="en-US" altLang="zh-CN" sz="2000"/>
+              </a:p>
+            </p:txBody>
+          </p:sp>
+        </mc:Choice>
+        <mc:Fallback>
+          <p:sp>
+            <p:nvSpPr>
+              <p:cNvPr id="17" name="文本框 16"/>
+              <p:cNvSpPr txBox="1">
+                <a:spLocks noRot="1" noChangeAspect="1" noMove="1" noResize="1" noEditPoints="1" noAdjustHandles="1" noChangeArrowheads="1" noChangeShapeType="1" noTextEdit="1"/>
+              </p:cNvSpPr>
+              <p:nvPr/>
+            </p:nvSpPr>
+            <p:spPr>
+              <a:xfrm>
+                <a:off x="5296535" y="17274540"/>
+                <a:ext cx="4086225" cy="818515"/>
+              </a:xfrm>
+              <a:prstGeom prst="rect">
+                <a:avLst/>
+              </a:prstGeom>
+              <a:blipFill rotWithShape="1">
+                <a:blip r:embed="rId7"/>
+                <a:stretch>
+                  <a:fillRect/>
+                </a:stretch>
+              </a:blipFill>
+            </p:spPr>
+            <p:txBody>
+              <a:bodyPr/>
+              <a:lstStyle/>
+              <a:p>
+                <a:r>
+                  <a:rPr lang="zh-CN" altLang="en-US">
+                    <a:noFill/>
+                  </a:rPr>
+                  <a:t> </a:t>
+                </a:r>
+              </a:p>
+            </p:txBody>
+          </p:sp>
+        </mc:Fallback>
+      </mc:AlternateContent>
+      <p:cxnSp>
+        <p:nvCxnSpPr>
+          <p:cNvPr id="19" name="直接箭头连接符 18"/>
+          <p:cNvCxnSpPr/>
+          <p:nvPr/>
+        </p:nvCxnSpPr>
+        <p:spPr>
+          <a:xfrm>
+            <a:off x="4380739" y="17654270"/>
+            <a:ext cx="756000" cy="0"/>
+          </a:xfrm>
+          <a:prstGeom prst="straightConnector1">
+            <a:avLst/>
+          </a:prstGeom>
+          <a:ln>
+            <a:solidFill>
+              <a:schemeClr val="tx1"/>
+            </a:solidFill>
+            <a:tailEnd type="arrow"/>
+          </a:ln>
+        </p:spPr>
+        <p:style>
+          <a:lnRef idx="1">
+            <a:schemeClr val="accent1"/>
+          </a:lnRef>
+          <a:fillRef idx="0">
+            <a:schemeClr val="accent1"/>
+          </a:fillRef>
+          <a:effectRef idx="0">
+            <a:schemeClr val="accent1"/>
+          </a:effectRef>
+          <a:fontRef idx="minor">
+            <a:schemeClr val="tx1"/>
+          </a:fontRef>
+        </p:style>
+      </p:cxnSp>
+      <p:cxnSp>
+        <p:nvCxnSpPr>
+          <p:cNvPr id="4" name="直接箭头连接符 3"/>
+          <p:cNvCxnSpPr/>
+          <p:nvPr/>
+        </p:nvCxnSpPr>
+        <p:spPr>
+          <a:xfrm>
+            <a:off x="8651749" y="16974820"/>
+            <a:ext cx="756000" cy="0"/>
+          </a:xfrm>
+          <a:prstGeom prst="straightConnector1">
+            <a:avLst/>
+          </a:prstGeom>
+          <a:ln>
+            <a:solidFill>
+              <a:schemeClr val="tx1"/>
+            </a:solidFill>
+            <a:tailEnd type="arrow"/>
+          </a:ln>
+        </p:spPr>
+        <p:style>
+          <a:lnRef idx="1">
+            <a:schemeClr val="accent1"/>
+          </a:lnRef>
+          <a:fillRef idx="0">
+            <a:schemeClr val="accent1"/>
+          </a:fillRef>
+          <a:effectRef idx="0">
+            <a:schemeClr val="accent1"/>
+          </a:effectRef>
+          <a:fontRef idx="minor">
+            <a:schemeClr val="tx1"/>
+          </a:fontRef>
+        </p:style>
+      </p:cxnSp>
+      <p:sp>
+        <p:nvSpPr>
+          <p:cNvPr id="6" name="文本框 5"/>
+          <p:cNvSpPr txBox="1"/>
+          <p:nvPr/>
+        </p:nvSpPr>
+        <p:spPr>
+          <a:xfrm>
+            <a:off x="9517380" y="16764000"/>
+            <a:ext cx="3299460" cy="398780"/>
+          </a:xfrm>
+          <a:prstGeom prst="rect">
+            <a:avLst/>
+          </a:prstGeom>
+          <a:noFill/>
+        </p:spPr>
+        <p:txBody>
+          <a:bodyPr wrap="square" rtlCol="0">
+            <a:spAutoFit/>
+          </a:bodyPr>
+          <a:p>
+            <a:r>
+              <a:rPr lang="en-US" altLang="zh-CN" sz="2000"/>
+              <a:t>limit w</a:t>
+            </a:r>
+            <a:endParaRPr lang="en-US" altLang="zh-CN" sz="2000"/>
+          </a:p>
+        </p:txBody>
+      </p:sp>
+      <p:sp>
+        <p:nvSpPr>
+          <p:cNvPr id="10" name="右大括号 9"/>
+          <p:cNvSpPr/>
+          <p:nvPr/>
+        </p:nvSpPr>
+        <p:spPr>
+          <a:xfrm>
+            <a:off x="7249755" y="11804110"/>
+            <a:ext cx="216000" cy="756000"/>
+          </a:xfrm>
+          <a:prstGeom prst="rightBrace">
+            <a:avLst/>
+          </a:prstGeom>
+          <a:ln>
+            <a:solidFill>
+              <a:schemeClr val="tx1"/>
+            </a:solidFill>
+          </a:ln>
+        </p:spPr>
+        <p:style>
+          <a:lnRef idx="1">
+            <a:schemeClr val="accent1"/>
+          </a:lnRef>
+          <a:fillRef idx="0">
+            <a:schemeClr val="accent1"/>
+          </a:fillRef>
+          <a:effectRef idx="0">
+            <a:schemeClr val="accent1"/>
+          </a:effectRef>
+          <a:fontRef idx="minor">
+            <a:schemeClr val="tx1"/>
+          </a:fontRef>
+        </p:style>
+        <p:txBody>
+          <a:bodyPr rtlCol="0" anchor="ctr"/>
+          <a:p>
+            <a:pPr algn="ctr"/>
+            <a:endParaRPr lang="zh-CN" altLang="en-US"/>
+          </a:p>
+        </p:txBody>
+      </p:sp>
+      <mc:AlternateContent xmlns:mc="http://schemas.openxmlformats.org/markup-compatibility/2006">
+        <mc:Choice xmlns:a14="http://schemas.microsoft.com/office/drawing/2010/main" Requires="a14">
+          <p:sp>
+            <p:nvSpPr>
+              <p:cNvPr id="11" name="文本框 10"/>
+              <p:cNvSpPr txBox="1"/>
+              <p:nvPr/>
+            </p:nvSpPr>
+            <p:spPr>
+              <a:xfrm>
+                <a:off x="7681595" y="11557000"/>
+                <a:ext cx="2569845" cy="1296670"/>
+              </a:xfrm>
+              <a:prstGeom prst="rect">
+                <a:avLst/>
+              </a:prstGeom>
+              <a:noFill/>
+            </p:spPr>
+            <p:txBody>
+              <a:bodyPr wrap="square" rtlCol="0" anchor="t">
+                <a:spAutoFit/>
+              </a:bodyPr>
+              <a:p>
+                <a14:m>
+                  <m:oMathPara xmlns:m="http://schemas.openxmlformats.org/officeDocument/2006/math">
+                    <m:oMathParaPr>
+                      <m:jc m:val="left"/>
+                    </m:oMathParaPr>
+                    <m:oMath xmlns:m="http://schemas.openxmlformats.org/officeDocument/2006/math">
+                      <m:sSub>
+                        <m:sSubPr>
+                          <m:ctrlPr>
+                            <a:rPr lang="en-US" altLang="zh-CN" sz="2000" i="1" dirty="0">
+                              <a:latin typeface="Cambria Math" charset="0"/>
+                              <a:cs typeface="Cambria Math" charset="0"/>
+                            </a:rPr>
+                          </m:ctrlPr>
+                        </m:sSubPr>
+                        <m:e>
+                          <m:r>
+                            <a:rPr lang="en-US" altLang="zh-CN" sz="2000" i="1" dirty="0">
+                              <a:latin typeface="Cambria Math" charset="0"/>
+                              <a:cs typeface="Cambria Math" charset="0"/>
+                            </a:rPr>
+                            <m:t>𝑟</m:t>
+                          </m:r>
+                        </m:e>
+                        <m:sub>
+                          <m:r>
+                            <a:rPr lang="en-US" altLang="zh-CN" sz="2000" i="1" dirty="0">
+                              <a:latin typeface="Cambria Math" charset="0"/>
+                              <a:cs typeface="Cambria Math" charset="0"/>
+                            </a:rPr>
+                            <m:t>𝜃</m:t>
+                          </m:r>
+                        </m:sub>
+                      </m:sSub>
+                      <m:r>
+                        <a:rPr lang="en-US" altLang="zh-CN" sz="2000" i="1" dirty="0">
+                          <a:latin typeface="Cambria Math" charset="0"/>
+                          <a:cs typeface="Cambria Math" charset="0"/>
+                        </a:rPr>
+                        <m:t> = </m:t>
+                      </m:r>
+                      <m:f>
+                        <m:fPr>
+                          <m:ctrlPr>
+                            <a:rPr lang="en-US" altLang="zh-CN" sz="2000" i="1" dirty="0">
+                              <a:latin typeface="Cambria Math" charset="0"/>
+                              <a:cs typeface="Cambria Math" charset="0"/>
+                            </a:rPr>
+                          </m:ctrlPr>
+                        </m:fPr>
+                        <m:num>
+                          <m:nary>
+                            <m:naryPr>
+                              <m:chr m:val="∑"/>
+                              <m:limLoc m:val="undOvr"/>
+                              <m:supHide m:val="on"/>
+                              <m:ctrlPr>
+                                <a:rPr lang="en-US" altLang="zh-CN" sz="2000" i="1" dirty="0">
+                                  <a:latin typeface="Cambria Math" charset="0"/>
+                                  <a:cs typeface="Cambria Math" charset="0"/>
+                                </a:rPr>
+                              </m:ctrlPr>
+                            </m:naryPr>
+                            <m:sub>
+                              <m:r>
+                                <a:rPr lang="en-US" altLang="zh-CN" sz="2000" i="1" dirty="0">
+                                  <a:latin typeface="Cambria Math" charset="0"/>
+                                  <a:cs typeface="Cambria Math" charset="0"/>
+                                </a:rPr>
+                                <m:t>𝑡</m:t>
+                              </m:r>
+                            </m:sub>
+                            <m:sup/>
+                            <m:e>
+                              <m:sSub>
+                                <m:sSubPr>
+                                  <m:ctrlPr>
+                                    <a:rPr lang="en-US" altLang="zh-CN" sz="2000" i="1" dirty="0">
+                                      <a:latin typeface="Cambria Math" charset="0"/>
+                                      <a:cs typeface="Cambria Math" charset="0"/>
+                                    </a:rPr>
+                                  </m:ctrlPr>
+                                </m:sSubPr>
+                                <m:e>
+                                  <m:r>
+                                    <a:rPr lang="en-US" altLang="zh-CN" sz="2000" i="1" dirty="0">
+                                      <a:latin typeface="Cambria Math" charset="0"/>
+                                      <a:cs typeface="Cambria Math" charset="0"/>
+                                    </a:rPr>
+                                    <m:t>𝑑𝑡𝑟</m:t>
+                                  </m:r>
+                                </m:e>
+                                <m:sub>
+                                  <m:r>
+                                    <a:rPr lang="en-US" altLang="zh-CN" sz="2000" i="1" dirty="0">
+                                      <a:latin typeface="Cambria Math" charset="0"/>
+                                      <a:cs typeface="Cambria Math" charset="0"/>
+                                    </a:rPr>
+                                    <m:t>𝑖</m:t>
+                                  </m:r>
+                                </m:sub>
+                              </m:sSub>
+                            </m:e>
+                          </m:nary>
+                        </m:num>
+                        <m:den>
+                          <m:r>
+                            <a:rPr lang="en-US" altLang="zh-CN" sz="2000" i="1" dirty="0">
+                              <a:latin typeface="Cambria Math" charset="0"/>
+                              <a:cs typeface="Cambria Math" charset="0"/>
+                            </a:rPr>
+                            <m:t>𝑇</m:t>
+                          </m:r>
+                        </m:den>
+                      </m:f>
+                    </m:oMath>
+                  </m:oMathPara>
+                </a14:m>
+                <a:endParaRPr lang="en-US" altLang="zh-CN" sz="2000" i="1" dirty="0">
+                  <a:latin typeface="Cambria Math" charset="0"/>
+                  <a:cs typeface="Cambria Math" charset="0"/>
+                </a:endParaRPr>
+              </a:p>
+              <a:p>
+                <a:r>
+                  <a:rPr lang="en-US" altLang="zh-CN" sz="2000"/>
+                  <a:t>self.dt +1 here </a:t>
+                </a:r>
+                <a:r>
+                  <a:rPr lang="en-US" altLang="zh-CN" sz="2000">
+                    <a:sym typeface="+mn-ea"/>
+                  </a:rPr>
+                  <a:t>since self.dt begin with 0</a:t>
+                </a:r>
+                <a:endParaRPr lang="en-US" altLang="zh-CN" sz="2000"/>
+              </a:p>
+            </p:txBody>
+          </p:sp>
+        </mc:Choice>
+        <mc:Fallback>
+          <p:sp>
+            <p:nvSpPr>
+              <p:cNvPr id="11" name="文本框 10"/>
+              <p:cNvSpPr txBox="1">
+                <a:spLocks noRot="1" noChangeAspect="1" noMove="1" noResize="1" noEditPoints="1" noAdjustHandles="1" noChangeArrowheads="1" noChangeShapeType="1" noTextEdit="1"/>
+              </p:cNvSpPr>
+              <p:nvPr/>
+            </p:nvSpPr>
+            <p:spPr>
+              <a:xfrm>
+                <a:off x="7681595" y="11557000"/>
+                <a:ext cx="2569845" cy="1296670"/>
+              </a:xfrm>
+              <a:prstGeom prst="rect">
+                <a:avLst/>
+              </a:prstGeom>
+              <a:blipFill rotWithShape="1">
+                <a:blip r:embed="rId8"/>
+                <a:stretch>
+                  <a:fillRect/>
+                </a:stretch>
+              </a:blipFill>
+            </p:spPr>
+            <p:txBody>
+              <a:bodyPr/>
+              <a:lstStyle/>
+              <a:p>
+                <a:r>
+                  <a:rPr lang="zh-CN" altLang="en-US">
+                    <a:noFill/>
+                  </a:rPr>
+                  <a:t> </a:t>
+                </a:r>
+              </a:p>
+            </p:txBody>
+          </p:sp>
+        </mc:Fallback>
+      </mc:AlternateContent>
+    </p:spTree>
+  </p:cSld>
+  <p:clrMapOvr>
+    <a:masterClrMapping/>
+  </p:clrMapOvr>
+</p:sld>
+</file>
+
+<file path=ppt/slides/slide17.xml><?xml version="1.0" encoding="utf-8"?>
+<p:sld xmlns:a="http://schemas.openxmlformats.org/drawingml/2006/main" xmlns:r="http://schemas.openxmlformats.org/officeDocument/2006/relationships" xmlns:p="http://schemas.openxmlformats.org/presentationml/2006/main">
+  <p:cSld>
+    <p:spTree>
+      <p:nvGrpSpPr>
+        <p:cNvPr id="1" name=""/>
+        <p:cNvGrpSpPr/>
+        <p:nvPr/>
+      </p:nvGrpSpPr>
+      <p:grpSpPr/>
+      <p:sp>
+        <p:nvSpPr>
+          <p:cNvPr id="2" name="标题 1"/>
+          <p:cNvSpPr>
+            <a:spLocks noGrp="1"/>
+          </p:cNvSpPr>
+          <p:nvPr>
+            <p:ph type="title"/>
+          </p:nvPr>
+        </p:nvSpPr>
+        <p:spPr>
+          <a:xfrm>
+            <a:off x="942975" y="528320"/>
+            <a:ext cx="11830050" cy="1216660"/>
+          </a:xfrm>
+        </p:spPr>
+        <p:txBody>
+          <a:bodyPr/>
+          <a:p>
+            <a:pPr algn="ctr"/>
+            <a:r>
+              <a:rPr lang="en-US" altLang="zh-CN" sz="5400">
+                <a:cs typeface="+mj-lt"/>
+              </a:rPr>
+              <a:t>BCM</a:t>
+            </a:r>
+            <a:endParaRPr lang="en-US" altLang="zh-CN" sz="5400">
+              <a:cs typeface="+mj-lt"/>
+            </a:endParaRPr>
+          </a:p>
+        </p:txBody>
+      </p:sp>
+      <p:pic>
+        <p:nvPicPr>
+          <p:cNvPr id="5" name="图片 4" descr="/Users/mac/Documents/github/BrainPy-Models/docs/brainpy_handbook/ppt/figs/syns/oja_run_neu.pngoja_run_neu"/>
+          <p:cNvPicPr>
+            <a:picLocks noChangeAspect="1"/>
+          </p:cNvPicPr>
+          <p:nvPr/>
+        </p:nvPicPr>
+        <p:blipFill>
+          <a:blip r:embed="rId1"/>
+          <a:srcRect/>
+          <a:stretch>
+            <a:fillRect/>
+          </a:stretch>
+        </p:blipFill>
+        <p:spPr>
+          <a:xfrm>
+            <a:off x="-180" y="2292186"/>
+            <a:ext cx="10693250" cy="2995295"/>
+          </a:xfrm>
+          <a:prstGeom prst="rect">
+            <a:avLst/>
+          </a:prstGeom>
+        </p:spPr>
+      </p:pic>
+      <p:pic>
+        <p:nvPicPr>
+          <p:cNvPr id="7" name="图片 6" descr="/Users/mac/Documents/github/BrainPy-Models/docs/brainpy_handbook/ppt/figs/syns/bcm_run.pngbcm_run"/>
+          <p:cNvPicPr>
+            <a:picLocks noChangeAspect="1"/>
+          </p:cNvPicPr>
+          <p:nvPr/>
+        </p:nvPicPr>
+        <p:blipFill>
+          <a:blip r:embed="rId2"/>
+          <a:srcRect/>
+          <a:stretch>
+            <a:fillRect/>
+          </a:stretch>
+        </p:blipFill>
+        <p:spPr>
+          <a:xfrm>
+            <a:off x="77215" y="6252320"/>
+            <a:ext cx="10679258" cy="11160760"/>
+          </a:xfrm>
+          <a:prstGeom prst="rect">
+            <a:avLst/>
+          </a:prstGeom>
+        </p:spPr>
+      </p:pic>
+    </p:spTree>
+  </p:cSld>
+  <p:clrMapOvr>
+    <a:masterClrMapping/>
+  </p:clrMapOvr>
 </p:sld>
 </file>
 
@@ -4877,13 +10022,6 @@
                         </a:rPr>
                         <m:t>𝜏</m:t>
                       </m:r>
-                      <m:r>
-                        <a:rPr lang="en-US" altLang="zh-CN" sz="2000" i="1" dirty="0">
-                          <a:latin typeface="Cambria Math" charset="0"/>
-                          <a:cs typeface="Cambria Math" charset="0"/>
-                        </a:rPr>
-                        <m:t/>
-                      </m:r>
                     </m:oMath>
                   </m:oMathPara>
                 </a14:m>
@@ -5136,6 +10274,1104 @@
           </a:p>
         </p:txBody>
       </p:sp>
+    </p:spTree>
+  </p:cSld>
+  <p:clrMapOvr>
+    <a:masterClrMapping/>
+  </p:clrMapOvr>
+</p:sld>
+</file>
+
+<file path=ppt/slides/slide7.xml><?xml version="1.0" encoding="utf-8"?>
+<p:sld xmlns:a="http://schemas.openxmlformats.org/drawingml/2006/main" xmlns:r="http://schemas.openxmlformats.org/officeDocument/2006/relationships" xmlns:p="http://schemas.openxmlformats.org/presentationml/2006/main">
+  <p:cSld>
+    <p:spTree>
+      <p:nvGrpSpPr>
+        <p:cNvPr id="1" name=""/>
+        <p:cNvGrpSpPr/>
+        <p:nvPr/>
+      </p:nvGrpSpPr>
+      <p:grpSpPr/>
+      <p:sp>
+        <p:nvSpPr>
+          <p:cNvPr id="2" name="标题 1"/>
+          <p:cNvSpPr>
+            <a:spLocks noGrp="1"/>
+          </p:cNvSpPr>
+          <p:nvPr>
+            <p:ph type="title"/>
+          </p:nvPr>
+        </p:nvSpPr>
+        <p:spPr>
+          <a:xfrm>
+            <a:off x="942975" y="528320"/>
+            <a:ext cx="11830050" cy="1216660"/>
+          </a:xfrm>
+        </p:spPr>
+        <p:txBody>
+          <a:bodyPr/>
+          <a:p>
+            <a:pPr algn="ctr"/>
+            <a:r>
+              <a:rPr lang="en-US" altLang="zh-CN" sz="5400">
+                <a:solidFill>
+                  <a:srgbClr val="FF0000"/>
+                </a:solidFill>
+                <a:cs typeface="+mj-lt"/>
+              </a:rPr>
+              <a:t>Voltage jump (V)</a:t>
+            </a:r>
+            <a:endParaRPr lang="en-US" altLang="zh-CN" sz="5400">
+              <a:solidFill>
+                <a:srgbClr val="FF0000"/>
+              </a:solidFill>
+              <a:cs typeface="+mj-lt"/>
+            </a:endParaRPr>
+          </a:p>
+        </p:txBody>
+      </p:sp>
+      <p:pic>
+        <p:nvPicPr>
+          <p:cNvPr id="5" name="图片 4" descr="/Users/mac/Documents/github/BrainPy-Models/docs/brainpy_handbook/ppt/figs/vj_lif.pngvj_lif"/>
+          <p:cNvPicPr>
+            <a:picLocks noChangeAspect="1"/>
+          </p:cNvPicPr>
+          <p:nvPr/>
+        </p:nvPicPr>
+        <p:blipFill>
+          <a:blip r:embed="rId1"/>
+          <a:srcRect/>
+          <a:stretch>
+            <a:fillRect/>
+          </a:stretch>
+        </p:blipFill>
+        <p:spPr>
+          <a:xfrm>
+            <a:off x="366395" y="2034693"/>
+            <a:ext cx="10667619" cy="12458700"/>
+          </a:xfrm>
+          <a:prstGeom prst="rect">
+            <a:avLst/>
+          </a:prstGeom>
+        </p:spPr>
+      </p:pic>
+      <p:cxnSp>
+        <p:nvCxnSpPr>
+          <p:cNvPr id="23" name="直接箭头连接符 22"/>
+          <p:cNvCxnSpPr/>
+          <p:nvPr/>
+        </p:nvCxnSpPr>
+        <p:spPr>
+          <a:xfrm>
+            <a:off x="6876000" y="10443210"/>
+            <a:ext cx="2520000" cy="0"/>
+          </a:xfrm>
+          <a:prstGeom prst="straightConnector1">
+            <a:avLst/>
+          </a:prstGeom>
+          <a:ln>
+            <a:solidFill>
+              <a:schemeClr val="tx1"/>
+            </a:solidFill>
+            <a:tailEnd type="arrow"/>
+          </a:ln>
+        </p:spPr>
+        <p:style>
+          <a:lnRef idx="1">
+            <a:schemeClr val="accent1"/>
+          </a:lnRef>
+          <a:fillRef idx="0">
+            <a:schemeClr val="accent1"/>
+          </a:fillRef>
+          <a:effectRef idx="0">
+            <a:schemeClr val="accent1"/>
+          </a:effectRef>
+          <a:fontRef idx="minor">
+            <a:schemeClr val="tx1"/>
+          </a:fontRef>
+        </p:style>
+      </p:cxnSp>
+      <p:sp>
+        <p:nvSpPr>
+          <p:cNvPr id="11" name="文本框 10"/>
+          <p:cNvSpPr txBox="1"/>
+          <p:nvPr/>
+        </p:nvSpPr>
+        <p:spPr>
+          <a:xfrm>
+            <a:off x="9444355" y="10243820"/>
+            <a:ext cx="3689350" cy="398780"/>
+          </a:xfrm>
+          <a:prstGeom prst="rect">
+            <a:avLst/>
+          </a:prstGeom>
+          <a:noFill/>
+        </p:spPr>
+        <p:txBody>
+          <a:bodyPr wrap="square" rtlCol="0">
+            <a:spAutoFit/>
+          </a:bodyPr>
+          <a:p>
+            <a:r>
+              <a:rPr lang="en-US" altLang="zh-CN" sz="2000"/>
+              <a:t>if (pre spike), then s = s + 1</a:t>
+            </a:r>
+            <a:endParaRPr lang="en-US" altLang="zh-CN" sz="2000"/>
+          </a:p>
+        </p:txBody>
+      </p:sp>
+    </p:spTree>
+  </p:cSld>
+  <p:clrMapOvr>
+    <a:masterClrMapping/>
+  </p:clrMapOvr>
+</p:sld>
+</file>
+
+<file path=ppt/slides/slide8.xml><?xml version="1.0" encoding="utf-8"?>
+<p:sld xmlns:a="http://schemas.openxmlformats.org/drawingml/2006/main" xmlns:r="http://schemas.openxmlformats.org/officeDocument/2006/relationships" xmlns:p="http://schemas.openxmlformats.org/presentationml/2006/main">
+  <p:cSld>
+    <p:spTree>
+      <p:nvGrpSpPr>
+        <p:cNvPr id="1" name=""/>
+        <p:cNvGrpSpPr/>
+        <p:nvPr/>
+      </p:nvGrpSpPr>
+      <p:grpSpPr/>
+      <p:sp>
+        <p:nvSpPr>
+          <p:cNvPr id="2" name="标题 1"/>
+          <p:cNvSpPr>
+            <a:spLocks noGrp="1"/>
+          </p:cNvSpPr>
+          <p:nvPr>
+            <p:ph type="title"/>
+          </p:nvPr>
+        </p:nvSpPr>
+        <p:spPr>
+          <a:xfrm>
+            <a:off x="942975" y="528320"/>
+            <a:ext cx="11830050" cy="1216660"/>
+          </a:xfrm>
+        </p:spPr>
+        <p:txBody>
+          <a:bodyPr/>
+          <a:p>
+            <a:pPr algn="ctr"/>
+            <a:r>
+              <a:rPr lang="en-US" altLang="zh-CN" sz="5400">
+                <a:cs typeface="+mj-lt"/>
+              </a:rPr>
+              <a:t>current &amp; conductance based</a:t>
+            </a:r>
+            <a:endParaRPr lang="en-US" altLang="zh-CN" sz="5400">
+              <a:cs typeface="+mj-lt"/>
+            </a:endParaRPr>
+          </a:p>
+        </p:txBody>
+      </p:sp>
+      <p:pic>
+        <p:nvPicPr>
+          <p:cNvPr id="5" name="图片 4" descr="/Users/mac/Documents/github/BrainPy-Models/docs/brainpy_handbook/ppt/figs/I_based.pngI_based"/>
+          <p:cNvPicPr>
+            <a:picLocks noChangeAspect="1"/>
+          </p:cNvPicPr>
+          <p:nvPr/>
+        </p:nvPicPr>
+        <p:blipFill>
+          <a:blip r:embed="rId1"/>
+          <a:srcRect/>
+          <a:stretch>
+            <a:fillRect/>
+          </a:stretch>
+        </p:blipFill>
+        <p:spPr>
+          <a:xfrm>
+            <a:off x="0" y="3313583"/>
+            <a:ext cx="10718825" cy="4328160"/>
+          </a:xfrm>
+          <a:prstGeom prst="rect">
+            <a:avLst/>
+          </a:prstGeom>
+        </p:spPr>
+      </p:pic>
+      <p:cxnSp>
+        <p:nvCxnSpPr>
+          <p:cNvPr id="23" name="直接箭头连接符 22"/>
+          <p:cNvCxnSpPr/>
+          <p:nvPr/>
+        </p:nvCxnSpPr>
+        <p:spPr>
+          <a:xfrm>
+            <a:off x="9633459" y="4778375"/>
+            <a:ext cx="648000" cy="0"/>
+          </a:xfrm>
+          <a:prstGeom prst="straightConnector1">
+            <a:avLst/>
+          </a:prstGeom>
+          <a:ln>
+            <a:solidFill>
+              <a:schemeClr val="tx1"/>
+            </a:solidFill>
+            <a:tailEnd type="arrow"/>
+          </a:ln>
+        </p:spPr>
+        <p:style>
+          <a:lnRef idx="1">
+            <a:schemeClr val="accent1"/>
+          </a:lnRef>
+          <a:fillRef idx="0">
+            <a:schemeClr val="accent1"/>
+          </a:fillRef>
+          <a:effectRef idx="0">
+            <a:schemeClr val="accent1"/>
+          </a:effectRef>
+          <a:fontRef idx="minor">
+            <a:schemeClr val="tx1"/>
+          </a:fontRef>
+        </p:style>
+      </p:cxnSp>
+      <p:pic>
+        <p:nvPicPr>
+          <p:cNvPr id="3" name="图片 2" descr="/Users/mac/Documents/github/BrainPy-Models/docs/brainpy_handbook/ppt/figs/g_based.pngg_based"/>
+          <p:cNvPicPr>
+            <a:picLocks noChangeAspect="1"/>
+          </p:cNvPicPr>
+          <p:nvPr/>
+        </p:nvPicPr>
+        <p:blipFill>
+          <a:blip r:embed="rId2"/>
+          <a:srcRect/>
+          <a:stretch>
+            <a:fillRect/>
+          </a:stretch>
+        </p:blipFill>
+        <p:spPr>
+          <a:xfrm>
+            <a:off x="0" y="9754388"/>
+            <a:ext cx="10693112" cy="4940300"/>
+          </a:xfrm>
+          <a:prstGeom prst="rect">
+            <a:avLst/>
+          </a:prstGeom>
+        </p:spPr>
+      </p:pic>
+      <p:sp>
+        <p:nvSpPr>
+          <p:cNvPr id="6" name="文本框 5"/>
+          <p:cNvSpPr txBox="1"/>
+          <p:nvPr/>
+        </p:nvSpPr>
+        <p:spPr>
+          <a:xfrm>
+            <a:off x="10281285" y="4271010"/>
+            <a:ext cx="2993390" cy="1630045"/>
+          </a:xfrm>
+          <a:prstGeom prst="rect">
+            <a:avLst/>
+          </a:prstGeom>
+          <a:noFill/>
+        </p:spPr>
+        <p:txBody>
+          <a:bodyPr wrap="square" rtlCol="0">
+            <a:spAutoFit/>
+          </a:bodyPr>
+          <a:p>
+            <a:r>
+              <a:rPr lang="en-US" altLang="zh-CN" sz="2000"/>
+              <a:t>set delay time before changing synaptic current by using the  register_constant_delay method</a:t>
+            </a:r>
+            <a:endParaRPr lang="en-US" altLang="zh-CN" sz="2000"/>
+          </a:p>
+        </p:txBody>
+      </p:sp>
+      <p:sp>
+        <p:nvSpPr>
+          <p:cNvPr id="14" name="右大括号 13"/>
+          <p:cNvSpPr/>
+          <p:nvPr/>
+        </p:nvSpPr>
+        <p:spPr>
+          <a:xfrm>
+            <a:off x="7536775" y="7009860"/>
+            <a:ext cx="216000" cy="468000"/>
+          </a:xfrm>
+          <a:prstGeom prst="rightBrace">
+            <a:avLst/>
+          </a:prstGeom>
+          <a:ln>
+            <a:solidFill>
+              <a:schemeClr val="tx1"/>
+            </a:solidFill>
+          </a:ln>
+        </p:spPr>
+        <p:style>
+          <a:lnRef idx="1">
+            <a:schemeClr val="accent1"/>
+          </a:lnRef>
+          <a:fillRef idx="0">
+            <a:schemeClr val="accent1"/>
+          </a:fillRef>
+          <a:effectRef idx="0">
+            <a:schemeClr val="accent1"/>
+          </a:effectRef>
+          <a:fontRef idx="minor">
+            <a:schemeClr val="tx1"/>
+          </a:fontRef>
+        </p:style>
+        <p:txBody>
+          <a:bodyPr rtlCol="0" anchor="ctr"/>
+          <a:p>
+            <a:pPr algn="ctr"/>
+            <a:endParaRPr lang="zh-CN" altLang="en-US"/>
+          </a:p>
+        </p:txBody>
+      </p:sp>
+      <p:sp>
+        <p:nvSpPr>
+          <p:cNvPr id="15" name="文本框 14"/>
+          <p:cNvSpPr txBox="1"/>
+          <p:nvPr/>
+        </p:nvSpPr>
+        <p:spPr>
+          <a:xfrm>
+            <a:off x="7848600" y="6893560"/>
+            <a:ext cx="5464175" cy="706755"/>
+          </a:xfrm>
+          <a:prstGeom prst="rect">
+            <a:avLst/>
+          </a:prstGeom>
+          <a:noFill/>
+        </p:spPr>
+        <p:txBody>
+          <a:bodyPr wrap="square" rtlCol="0">
+            <a:spAutoFit/>
+          </a:bodyPr>
+          <a:p>
+            <a:r>
+              <a:rPr lang="en-US" altLang="zh-CN" sz="2000"/>
+              <a:t>use push and pull to set delay before applying synaptic current into postsynatic input.</a:t>
+            </a:r>
+            <a:endParaRPr lang="en-US" altLang="zh-CN" sz="2000"/>
+          </a:p>
+        </p:txBody>
+      </p:sp>
+      <p:cxnSp>
+        <p:nvCxnSpPr>
+          <p:cNvPr id="7" name="直接箭头连接符 6"/>
+          <p:cNvCxnSpPr/>
+          <p:nvPr/>
+        </p:nvCxnSpPr>
+        <p:spPr>
+          <a:xfrm>
+            <a:off x="10755504" y="11558905"/>
+            <a:ext cx="576000" cy="0"/>
+          </a:xfrm>
+          <a:prstGeom prst="straightConnector1">
+            <a:avLst/>
+          </a:prstGeom>
+          <a:ln>
+            <a:solidFill>
+              <a:schemeClr val="tx1"/>
+            </a:solidFill>
+            <a:tailEnd type="arrow"/>
+          </a:ln>
+        </p:spPr>
+        <p:style>
+          <a:lnRef idx="1">
+            <a:schemeClr val="accent1"/>
+          </a:lnRef>
+          <a:fillRef idx="0">
+            <a:schemeClr val="accent1"/>
+          </a:fillRef>
+          <a:effectRef idx="0">
+            <a:schemeClr val="accent1"/>
+          </a:effectRef>
+          <a:fontRef idx="minor">
+            <a:schemeClr val="tx1"/>
+          </a:fontRef>
+        </p:style>
+      </p:cxnSp>
+      <p:sp>
+        <p:nvSpPr>
+          <p:cNvPr id="8" name="文本框 7"/>
+          <p:cNvSpPr txBox="1"/>
+          <p:nvPr/>
+        </p:nvSpPr>
+        <p:spPr>
+          <a:xfrm>
+            <a:off x="11423650" y="11051540"/>
+            <a:ext cx="2294890" cy="1014730"/>
+          </a:xfrm>
+          <a:prstGeom prst="rect">
+            <a:avLst/>
+          </a:prstGeom>
+          <a:noFill/>
+        </p:spPr>
+        <p:txBody>
+          <a:bodyPr wrap="square" rtlCol="0">
+            <a:spAutoFit/>
+          </a:bodyPr>
+          <a:p>
+            <a:r>
+              <a:rPr lang="en-US" altLang="zh-CN" sz="2000"/>
+              <a:t>set delay time before changing the conductance</a:t>
+            </a:r>
+            <a:endParaRPr lang="en-US" altLang="zh-CN" sz="2000"/>
+          </a:p>
+        </p:txBody>
+      </p:sp>
+      <p:cxnSp>
+        <p:nvCxnSpPr>
+          <p:cNvPr id="12" name="直接箭头连接符 11"/>
+          <p:cNvCxnSpPr/>
+          <p:nvPr/>
+        </p:nvCxnSpPr>
+        <p:spPr>
+          <a:xfrm>
+            <a:off x="6690869" y="13542645"/>
+            <a:ext cx="648000" cy="0"/>
+          </a:xfrm>
+          <a:prstGeom prst="straightConnector1">
+            <a:avLst/>
+          </a:prstGeom>
+          <a:ln>
+            <a:solidFill>
+              <a:schemeClr val="tx1"/>
+            </a:solidFill>
+            <a:tailEnd type="arrow"/>
+          </a:ln>
+        </p:spPr>
+        <p:style>
+          <a:lnRef idx="1">
+            <a:schemeClr val="accent1"/>
+          </a:lnRef>
+          <a:fillRef idx="0">
+            <a:schemeClr val="accent1"/>
+          </a:fillRef>
+          <a:effectRef idx="0">
+            <a:schemeClr val="accent1"/>
+          </a:effectRef>
+          <a:fontRef idx="minor">
+            <a:schemeClr val="tx1"/>
+          </a:fontRef>
+        </p:style>
+      </p:cxnSp>
+      <mc:AlternateContent xmlns:mc="http://schemas.openxmlformats.org/markup-compatibility/2006">
+        <mc:Choice xmlns:a14="http://schemas.microsoft.com/office/drawing/2010/main" Requires="a14">
+          <p:sp>
+            <p:nvSpPr>
+              <p:cNvPr id="16" name="文本框 15"/>
+              <p:cNvSpPr txBox="1"/>
+              <p:nvPr/>
+            </p:nvSpPr>
+            <p:spPr>
+              <a:xfrm>
+                <a:off x="7205980" y="13270865"/>
+                <a:ext cx="1144905" cy="454660"/>
+              </a:xfrm>
+              <a:prstGeom prst="rect">
+                <a:avLst/>
+              </a:prstGeom>
+              <a:noFill/>
+            </p:spPr>
+            <p:txBody>
+              <a:bodyPr wrap="square" rtlCol="0" anchor="t">
+                <a:spAutoFit/>
+              </a:bodyPr>
+              <a:p>
+                <a14:m>
+                  <m:oMathPara xmlns:m="http://schemas.openxmlformats.org/officeDocument/2006/math">
+                    <m:oMathParaPr>
+                      <m:jc m:val="centerGroup"/>
+                    </m:oMathParaPr>
+                    <m:oMath xmlns:m="http://schemas.openxmlformats.org/officeDocument/2006/math">
+                      <m:r>
+                        <a:rPr lang="en-US" altLang="zh-CN" sz="2000" i="1" dirty="0">
+                          <a:latin typeface="Cambria Math" charset="0"/>
+                          <a:cs typeface="Cambria Math" charset="0"/>
+                        </a:rPr>
+                        <m:t>𝑔</m:t>
+                      </m:r>
+                      <m:r>
+                        <a:rPr lang="en-US" altLang="zh-CN" sz="2000" i="1" dirty="0">
+                          <a:latin typeface="Cambria Math" charset="0"/>
+                          <a:cs typeface="Cambria Math" charset="0"/>
+                        </a:rPr>
+                        <m:t>=</m:t>
+                      </m:r>
+                      <m:bar>
+                        <m:barPr>
+                          <m:pos m:val="top"/>
+                          <m:ctrlPr>
+                            <a:rPr lang="en-US" altLang="zh-CN" sz="2000" i="1" dirty="0">
+                              <a:latin typeface="Cambria Math" charset="0"/>
+                              <a:cs typeface="Cambria Math" charset="0"/>
+                            </a:rPr>
+                          </m:ctrlPr>
+                        </m:barPr>
+                        <m:e>
+                          <m:r>
+                            <a:rPr lang="en-US" altLang="zh-CN" sz="2000" i="1" dirty="0">
+                              <a:latin typeface="Cambria Math" charset="0"/>
+                              <a:cs typeface="Cambria Math" charset="0"/>
+                            </a:rPr>
+                            <m:t>𝑔</m:t>
+                          </m:r>
+                        </m:e>
+                      </m:bar>
+                      <m:r>
+                        <a:rPr lang="en-US" altLang="zh-CN" sz="2000" i="1" dirty="0">
+                          <a:latin typeface="Cambria Math" charset="0"/>
+                          <a:cs typeface="Cambria Math" charset="0"/>
+                        </a:rPr>
+                        <m:t>𝑠</m:t>
+                      </m:r>
+                    </m:oMath>
+                  </m:oMathPara>
+                </a14:m>
+                <a:endParaRPr lang="zh-CN" altLang="en-US" sz="2000"/>
+              </a:p>
+            </p:txBody>
+          </p:sp>
+        </mc:Choice>
+        <mc:Fallback>
+          <p:sp>
+            <p:nvSpPr>
+              <p:cNvPr id="16" name="文本框 15"/>
+              <p:cNvSpPr txBox="1">
+                <a:spLocks noRot="1" noChangeAspect="1" noMove="1" noResize="1" noEditPoints="1" noAdjustHandles="1" noChangeArrowheads="1" noChangeShapeType="1" noTextEdit="1"/>
+              </p:cNvSpPr>
+              <p:nvPr/>
+            </p:nvSpPr>
+            <p:spPr>
+              <a:xfrm>
+                <a:off x="7205980" y="13270865"/>
+                <a:ext cx="1144905" cy="454660"/>
+              </a:xfrm>
+              <a:prstGeom prst="rect">
+                <a:avLst/>
+              </a:prstGeom>
+              <a:blipFill rotWithShape="1">
+                <a:blip r:embed="rId3"/>
+                <a:stretch>
+                  <a:fillRect/>
+                </a:stretch>
+              </a:blipFill>
+            </p:spPr>
+            <p:txBody>
+              <a:bodyPr/>
+              <a:lstStyle/>
+              <a:p>
+                <a:r>
+                  <a:rPr lang="zh-CN" altLang="en-US">
+                    <a:noFill/>
+                  </a:rPr>
+                  <a:t> </a:t>
+                </a:r>
+              </a:p>
+            </p:txBody>
+          </p:sp>
+        </mc:Fallback>
+      </mc:AlternateContent>
+      <p:cxnSp>
+        <p:nvCxnSpPr>
+          <p:cNvPr id="17" name="直接箭头连接符 16"/>
+          <p:cNvCxnSpPr/>
+          <p:nvPr/>
+        </p:nvCxnSpPr>
+        <p:spPr>
+          <a:xfrm>
+            <a:off x="10726929" y="14032230"/>
+            <a:ext cx="612000" cy="0"/>
+          </a:xfrm>
+          <a:prstGeom prst="straightConnector1">
+            <a:avLst/>
+          </a:prstGeom>
+          <a:ln>
+            <a:solidFill>
+              <a:schemeClr val="tx1"/>
+            </a:solidFill>
+            <a:tailEnd type="arrow"/>
+          </a:ln>
+        </p:spPr>
+        <p:style>
+          <a:lnRef idx="1">
+            <a:schemeClr val="accent1"/>
+          </a:lnRef>
+          <a:fillRef idx="0">
+            <a:schemeClr val="accent1"/>
+          </a:fillRef>
+          <a:effectRef idx="0">
+            <a:schemeClr val="accent1"/>
+          </a:effectRef>
+          <a:fontRef idx="minor">
+            <a:schemeClr val="tx1"/>
+          </a:fontRef>
+        </p:style>
+      </p:cxnSp>
+      <mc:AlternateContent xmlns:mc="http://schemas.openxmlformats.org/markup-compatibility/2006">
+        <mc:Choice xmlns:a14="http://schemas.microsoft.com/office/drawing/2010/main" Requires="a14">
+          <p:sp>
+            <p:nvSpPr>
+              <p:cNvPr id="18" name="文本框 17"/>
+              <p:cNvSpPr txBox="1"/>
+              <p:nvPr/>
+            </p:nvSpPr>
+            <p:spPr>
+              <a:xfrm>
+                <a:off x="10997565" y="13806805"/>
+                <a:ext cx="2274570" cy="451485"/>
+              </a:xfrm>
+              <a:prstGeom prst="rect">
+                <a:avLst/>
+              </a:prstGeom>
+              <a:noFill/>
+            </p:spPr>
+            <p:txBody>
+              <a:bodyPr wrap="square" rtlCol="0" anchor="t">
+                <a:spAutoFit/>
+              </a:bodyPr>
+              <a:p>
+                <a14:m>
+                  <m:oMathPara xmlns:m="http://schemas.openxmlformats.org/officeDocument/2006/math">
+                    <m:oMathParaPr>
+                      <m:jc m:val="centerGroup"/>
+                    </m:oMathParaPr>
+                    <m:oMath xmlns:m="http://schemas.openxmlformats.org/officeDocument/2006/math">
+                      <m:r>
+                        <a:rPr lang="en-US" altLang="zh-CN" sz="2000" i="1" dirty="0">
+                          <a:latin typeface="Cambria Math" charset="0"/>
+                          <a:cs typeface="Cambria Math" charset="0"/>
+                        </a:rPr>
+                        <m:t>𝐼</m:t>
+                      </m:r>
+                      <m:r>
+                        <a:rPr lang="en-US" altLang="zh-CN" sz="2000" i="1" dirty="0">
+                          <a:latin typeface="Cambria Math" charset="0"/>
+                          <a:cs typeface="Cambria Math" charset="0"/>
+                        </a:rPr>
+                        <m:t>=</m:t>
+                      </m:r>
+                      <m:r>
+                        <a:rPr lang="en-US" altLang="zh-CN" sz="2000" i="1" dirty="0">
+                          <a:latin typeface="Cambria Math" charset="0"/>
+                          <a:cs typeface="Cambria Math" charset="0"/>
+                        </a:rPr>
+                        <m:t>𝑔</m:t>
+                      </m:r>
+                      <m:r>
+                        <a:rPr lang="en-US" altLang="zh-CN" sz="2000" i="1" dirty="0">
+                          <a:latin typeface="Cambria Math" charset="0"/>
+                          <a:cs typeface="Cambria Math" charset="0"/>
+                        </a:rPr>
+                        <m:t>(</m:t>
+                      </m:r>
+                      <m:r>
+                        <a:rPr lang="en-US" altLang="zh-CN" sz="2000" i="1" dirty="0">
+                          <a:latin typeface="Cambria Math" charset="0"/>
+                          <a:cs typeface="Cambria Math" charset="0"/>
+                        </a:rPr>
+                        <m:t>𝑉−𝐸</m:t>
+                      </m:r>
+                      <m:r>
+                        <a:rPr lang="en-US" altLang="zh-CN" sz="2000" i="1" dirty="0">
+                          <a:latin typeface="Cambria Math" charset="0"/>
+                          <a:cs typeface="Cambria Math" charset="0"/>
+                        </a:rPr>
+                        <m:t>)</m:t>
+                      </m:r>
+                    </m:oMath>
+                  </m:oMathPara>
+                </a14:m>
+                <a:endParaRPr lang="zh-CN" altLang="en-US" sz="2000"/>
+              </a:p>
+            </p:txBody>
+          </p:sp>
+        </mc:Choice>
+        <mc:Fallback>
+          <p:sp>
+            <p:nvSpPr>
+              <p:cNvPr id="18" name="文本框 17"/>
+              <p:cNvSpPr txBox="1">
+                <a:spLocks noRot="1" noChangeAspect="1" noMove="1" noResize="1" noEditPoints="1" noAdjustHandles="1" noChangeArrowheads="1" noChangeShapeType="1" noTextEdit="1"/>
+              </p:cNvSpPr>
+              <p:nvPr/>
+            </p:nvSpPr>
+            <p:spPr>
+              <a:xfrm>
+                <a:off x="10997565" y="13806805"/>
+                <a:ext cx="2274570" cy="451485"/>
+              </a:xfrm>
+              <a:prstGeom prst="rect">
+                <a:avLst/>
+              </a:prstGeom>
+              <a:blipFill rotWithShape="1">
+                <a:blip r:embed="rId4"/>
+                <a:stretch>
+                  <a:fillRect/>
+                </a:stretch>
+              </a:blipFill>
+            </p:spPr>
+            <p:txBody>
+              <a:bodyPr/>
+              <a:lstStyle/>
+              <a:p>
+                <a:r>
+                  <a:rPr lang="zh-CN" altLang="en-US">
+                    <a:noFill/>
+                  </a:rPr>
+                  <a:t> </a:t>
+                </a:r>
+              </a:p>
+            </p:txBody>
+          </p:sp>
+        </mc:Fallback>
+      </mc:AlternateContent>
+    </p:spTree>
+  </p:cSld>
+  <p:clrMapOvr>
+    <a:masterClrMapping/>
+  </p:clrMapOvr>
+</p:sld>
+</file>
+
+<file path=ppt/slides/slide9.xml><?xml version="1.0" encoding="utf-8"?>
+<p:sld xmlns:a="http://schemas.openxmlformats.org/drawingml/2006/main" xmlns:r="http://schemas.openxmlformats.org/officeDocument/2006/relationships" xmlns:p="http://schemas.openxmlformats.org/presentationml/2006/main">
+  <p:cSld>
+    <p:spTree>
+      <p:nvGrpSpPr>
+        <p:cNvPr id="1" name=""/>
+        <p:cNvGrpSpPr/>
+        <p:nvPr/>
+      </p:nvGrpSpPr>
+      <p:grpSpPr/>
+      <p:sp>
+        <p:nvSpPr>
+          <p:cNvPr id="2" name="标题 1"/>
+          <p:cNvSpPr>
+            <a:spLocks noGrp="1"/>
+          </p:cNvSpPr>
+          <p:nvPr>
+            <p:ph type="title"/>
+          </p:nvPr>
+        </p:nvSpPr>
+        <p:spPr>
+          <a:xfrm>
+            <a:off x="942975" y="528320"/>
+            <a:ext cx="11830050" cy="1216660"/>
+          </a:xfrm>
+        </p:spPr>
+        <p:txBody>
+          <a:bodyPr/>
+          <a:p>
+            <a:pPr algn="ctr"/>
+            <a:r>
+              <a:rPr lang="en-US" altLang="zh-CN" sz="5400">
+                <a:cs typeface="+mj-lt"/>
+              </a:rPr>
+              <a:t>gap</a:t>
+            </a:r>
+            <a:endParaRPr lang="en-US" altLang="zh-CN" sz="5400">
+              <a:cs typeface="+mj-lt"/>
+            </a:endParaRPr>
+          </a:p>
+        </p:txBody>
+      </p:sp>
+      <p:pic>
+        <p:nvPicPr>
+          <p:cNvPr id="5" name="图片 4" descr="/Users/mac/Documents/github/BrainPy-Models/docs/brainpy_handbook/ppt/figs/syns/gap_init2.pnggap_init2"/>
+          <p:cNvPicPr>
+            <a:picLocks noChangeAspect="1"/>
+          </p:cNvPicPr>
+          <p:nvPr/>
+        </p:nvPicPr>
+        <p:blipFill>
+          <a:blip r:embed="rId1"/>
+          <a:srcRect/>
+          <a:stretch>
+            <a:fillRect/>
+          </a:stretch>
+        </p:blipFill>
+        <p:spPr>
+          <a:xfrm>
+            <a:off x="-305" y="2870988"/>
+            <a:ext cx="10679724" cy="6625590"/>
+          </a:xfrm>
+          <a:prstGeom prst="rect">
+            <a:avLst/>
+          </a:prstGeom>
+        </p:spPr>
+      </p:pic>
+      <p:pic>
+        <p:nvPicPr>
+          <p:cNvPr id="4" name="图片 3" descr="/Users/mac/Documents/github/BrainPy-Models/docs/brainpy_handbook/ppt/figs/syns/gap_update.pnggap_update"/>
+          <p:cNvPicPr>
+            <a:picLocks noChangeAspect="1"/>
+          </p:cNvPicPr>
+          <p:nvPr/>
+        </p:nvPicPr>
+        <p:blipFill>
+          <a:blip r:embed="rId2"/>
+          <a:srcRect/>
+          <a:stretch>
+            <a:fillRect/>
+          </a:stretch>
+        </p:blipFill>
+        <p:spPr>
+          <a:xfrm>
+            <a:off x="-305" y="9854083"/>
+            <a:ext cx="10679724" cy="5956300"/>
+          </a:xfrm>
+          <a:prstGeom prst="rect">
+            <a:avLst/>
+          </a:prstGeom>
+        </p:spPr>
+      </p:pic>
+      <p:sp>
+        <p:nvSpPr>
+          <p:cNvPr id="14" name="右大括号 13"/>
+          <p:cNvSpPr/>
+          <p:nvPr/>
+        </p:nvSpPr>
+        <p:spPr>
+          <a:xfrm>
+            <a:off x="10099000" y="11634565"/>
+            <a:ext cx="216000" cy="468000"/>
+          </a:xfrm>
+          <a:prstGeom prst="rightBrace">
+            <a:avLst/>
+          </a:prstGeom>
+          <a:ln>
+            <a:solidFill>
+              <a:schemeClr val="tx1"/>
+            </a:solidFill>
+          </a:ln>
+        </p:spPr>
+        <p:style>
+          <a:lnRef idx="1">
+            <a:schemeClr val="accent1"/>
+          </a:lnRef>
+          <a:fillRef idx="0">
+            <a:schemeClr val="accent1"/>
+          </a:fillRef>
+          <a:effectRef idx="0">
+            <a:schemeClr val="accent1"/>
+          </a:effectRef>
+          <a:fontRef idx="minor">
+            <a:schemeClr val="tx1"/>
+          </a:fontRef>
+        </p:style>
+        <p:txBody>
+          <a:bodyPr rtlCol="0" anchor="ctr"/>
+          <a:p>
+            <a:pPr algn="ctr"/>
+            <a:endParaRPr lang="zh-CN" altLang="en-US"/>
+          </a:p>
+        </p:txBody>
+      </p:sp>
+      <mc:AlternateContent xmlns:mc="http://schemas.openxmlformats.org/markup-compatibility/2006">
+        <mc:Choice xmlns:a14="http://schemas.microsoft.com/office/drawing/2010/main" Requires="a14">
+          <p:sp>
+            <p:nvSpPr>
+              <p:cNvPr id="18" name="文本框 17"/>
+              <p:cNvSpPr txBox="1"/>
+              <p:nvPr/>
+            </p:nvSpPr>
+            <p:spPr>
+              <a:xfrm>
+                <a:off x="10346055" y="11650980"/>
+                <a:ext cx="2840990" cy="451485"/>
+              </a:xfrm>
+              <a:prstGeom prst="rect">
+                <a:avLst/>
+              </a:prstGeom>
+              <a:noFill/>
+            </p:spPr>
+            <p:txBody>
+              <a:bodyPr wrap="square" rtlCol="0" anchor="t">
+                <a:spAutoFit/>
+              </a:bodyPr>
+              <a:p>
+                <a14:m>
+                  <m:oMathPara xmlns:m="http://schemas.openxmlformats.org/officeDocument/2006/math">
+                    <m:oMathParaPr>
+                      <m:jc m:val="centerGroup"/>
+                    </m:oMathParaPr>
+                    <m:oMath xmlns:m="http://schemas.openxmlformats.org/officeDocument/2006/math">
+                      <m:sSub>
+                        <m:sSubPr>
+                          <m:ctrlPr>
+                            <a:rPr lang="en-US" altLang="zh-CN" sz="2000" i="1" dirty="0">
+                              <a:latin typeface="Cambria Math" charset="0"/>
+                              <a:cs typeface="Cambria Math" charset="0"/>
+                            </a:rPr>
+                          </m:ctrlPr>
+                        </m:sSubPr>
+                        <m:e>
+                          <m:r>
+                            <a:rPr lang="en-US" altLang="zh-CN" sz="2000" i="1" dirty="0">
+                              <a:latin typeface="Cambria Math" charset="0"/>
+                              <a:cs typeface="Cambria Math" charset="0"/>
+                            </a:rPr>
+                            <m:t>𝐼</m:t>
+                          </m:r>
+                        </m:e>
+                        <m:sub>
+                          <m:r>
+                            <a:rPr lang="en-US" altLang="zh-CN" sz="2000" i="1" dirty="0">
+                              <a:latin typeface="Cambria Math" charset="0"/>
+                              <a:cs typeface="Cambria Math" charset="0"/>
+                            </a:rPr>
+                            <m:t>𝑝𝑜𝑠𝑡</m:t>
+                          </m:r>
+                        </m:sub>
+                      </m:sSub>
+                      <m:r>
+                        <a:rPr lang="en-US" altLang="zh-CN" sz="2000" i="1" dirty="0">
+                          <a:latin typeface="Cambria Math" charset="0"/>
+                          <a:cs typeface="Cambria Math" charset="0"/>
+                        </a:rPr>
+                        <m:t>=</m:t>
+                      </m:r>
+                      <m:r>
+                        <a:rPr lang="en-US" altLang="zh-CN" sz="2000" i="1" dirty="0">
+                          <a:latin typeface="Cambria Math" charset="0"/>
+                          <a:cs typeface="Cambria Math" charset="0"/>
+                        </a:rPr>
+                        <m:t>𝑤</m:t>
+                      </m:r>
+                      <m:r>
+                        <a:rPr lang="en-US" altLang="zh-CN" sz="2000" i="1" dirty="0">
+                          <a:latin typeface="Cambria Math" charset="0"/>
+                          <a:cs typeface="Cambria Math" charset="0"/>
+                        </a:rPr>
+                        <m:t> </m:t>
+                      </m:r>
+                      <m:r>
+                        <a:rPr lang="en-US" altLang="zh-CN" sz="2000" i="1" dirty="0">
+                          <a:latin typeface="Cambria Math" charset="0"/>
+                          <a:cs typeface="Cambria Math" charset="0"/>
+                        </a:rPr>
+                        <m:t>(</m:t>
+                      </m:r>
+                      <m:sSub>
+                        <m:sSubPr>
+                          <m:ctrlPr>
+                            <a:rPr lang="en-US" altLang="zh-CN" sz="2000" i="1" dirty="0">
+                              <a:latin typeface="Cambria Math" charset="0"/>
+                              <a:cs typeface="Cambria Math" charset="0"/>
+                            </a:rPr>
+                          </m:ctrlPr>
+                        </m:sSubPr>
+                        <m:e>
+                          <m:r>
+                            <a:rPr lang="en-US" altLang="zh-CN" sz="2000" i="1" dirty="0">
+                              <a:latin typeface="Cambria Math" charset="0"/>
+                              <a:cs typeface="Cambria Math" charset="0"/>
+                            </a:rPr>
+                            <m:t>𝑉</m:t>
+                          </m:r>
+                        </m:e>
+                        <m:sub>
+                          <m:r>
+                            <a:rPr lang="en-US" altLang="zh-CN" sz="2000" i="1" dirty="0">
+                              <a:latin typeface="Cambria Math" charset="0"/>
+                              <a:cs typeface="Cambria Math" charset="0"/>
+                            </a:rPr>
+                            <m:t>𝑝𝑟𝑒</m:t>
+                          </m:r>
+                        </m:sub>
+                      </m:sSub>
+                      <m:r>
+                        <a:rPr lang="en-US" altLang="zh-CN" sz="2000" i="1" dirty="0">
+                          <a:latin typeface="Cambria Math" charset="0"/>
+                          <a:cs typeface="Cambria Math" charset="0"/>
+                        </a:rPr>
+                        <m:t>−</m:t>
+                      </m:r>
+                      <m:sSub>
+                        <m:sSubPr>
+                          <m:ctrlPr>
+                            <a:rPr lang="en-US" altLang="zh-CN" sz="2000" i="1" dirty="0">
+                              <a:latin typeface="Cambria Math" charset="0"/>
+                              <a:cs typeface="Cambria Math" charset="0"/>
+                            </a:rPr>
+                          </m:ctrlPr>
+                        </m:sSubPr>
+                        <m:e>
+                          <m:r>
+                            <a:rPr lang="en-US" altLang="zh-CN" sz="2000" i="1" dirty="0">
+                              <a:latin typeface="Cambria Math" charset="0"/>
+                              <a:cs typeface="Cambria Math" charset="0"/>
+                            </a:rPr>
+                            <m:t>𝑉</m:t>
+                          </m:r>
+                        </m:e>
+                        <m:sub>
+                          <m:r>
+                            <a:rPr lang="en-US" altLang="zh-CN" sz="2000" i="1" dirty="0">
+                              <a:latin typeface="Cambria Math" charset="0"/>
+                              <a:cs typeface="Cambria Math" charset="0"/>
+                            </a:rPr>
+                            <m:t>𝑝𝑜𝑠𝑡</m:t>
+                          </m:r>
+                        </m:sub>
+                      </m:sSub>
+                      <m:r>
+                        <a:rPr lang="en-US" altLang="zh-CN" sz="2000" i="1" dirty="0">
+                          <a:latin typeface="Cambria Math" charset="0"/>
+                          <a:cs typeface="Cambria Math" charset="0"/>
+                        </a:rPr>
+                        <m:t>)</m:t>
+                      </m:r>
+                    </m:oMath>
+                  </m:oMathPara>
+                </a14:m>
+                <a:endParaRPr lang="zh-CN" altLang="en-US" sz="2000"/>
+              </a:p>
+            </p:txBody>
+          </p:sp>
+        </mc:Choice>
+        <mc:Fallback>
+          <p:sp>
+            <p:nvSpPr>
+              <p:cNvPr id="18" name="文本框 17"/>
+              <p:cNvSpPr txBox="1">
+                <a:spLocks noRot="1" noChangeAspect="1" noMove="1" noResize="1" noEditPoints="1" noAdjustHandles="1" noChangeArrowheads="1" noChangeShapeType="1" noTextEdit="1"/>
+              </p:cNvSpPr>
+              <p:nvPr/>
+            </p:nvSpPr>
+            <p:spPr>
+              <a:xfrm>
+                <a:off x="10346055" y="11650980"/>
+                <a:ext cx="2840990" cy="451485"/>
+              </a:xfrm>
+              <a:prstGeom prst="rect">
+                <a:avLst/>
+              </a:prstGeom>
+              <a:blipFill rotWithShape="1">
+                <a:blip r:embed="rId3"/>
+                <a:stretch>
+                  <a:fillRect/>
+                </a:stretch>
+              </a:blipFill>
+            </p:spPr>
+            <p:txBody>
+              <a:bodyPr/>
+              <a:lstStyle/>
+              <a:p>
+                <a:r>
+                  <a:rPr lang="zh-CN" altLang="en-US">
+                    <a:noFill/>
+                  </a:rPr>
+                  <a:t> </a:t>
+                </a:r>
+              </a:p>
+            </p:txBody>
+          </p:sp>
+        </mc:Fallback>
+      </mc:AlternateContent>
     </p:spTree>
   </p:cSld>
   <p:clrMapOvr>
